--- a/CA1.pptx
+++ b/CA1.pptx
@@ -107,7 +107,61 @@
               <a:rPr b="0" lang="en-AU" sz="4400" spc="-1" strike="noStrike">
                 <a:latin typeface="Arial"/>
               </a:rPr>
-              <a:t>Click to move the slide</a:t>
+              <a:t>Cli</a:t>
+            </a:r>
+            <a:r>
+              <a:rPr b="0" lang="en-AU" sz="4400" spc="-1" strike="noStrike">
+                <a:latin typeface="Arial"/>
+              </a:rPr>
+              <a:t>ck </a:t>
+            </a:r>
+            <a:r>
+              <a:rPr b="0" lang="en-AU" sz="4400" spc="-1" strike="noStrike">
+                <a:latin typeface="Arial"/>
+              </a:rPr>
+              <a:t>to </a:t>
+            </a:r>
+            <a:r>
+              <a:rPr b="0" lang="en-AU" sz="4400" spc="-1" strike="noStrike">
+                <a:latin typeface="Arial"/>
+              </a:rPr>
+              <a:t>m</a:t>
+            </a:r>
+            <a:r>
+              <a:rPr b="0" lang="en-AU" sz="4400" spc="-1" strike="noStrike">
+                <a:latin typeface="Arial"/>
+              </a:rPr>
+              <a:t>ov</a:t>
+            </a:r>
+            <a:r>
+              <a:rPr b="0" lang="en-AU" sz="4400" spc="-1" strike="noStrike">
+                <a:latin typeface="Arial"/>
+              </a:rPr>
+              <a:t>e </a:t>
+            </a:r>
+            <a:r>
+              <a:rPr b="0" lang="en-AU" sz="4400" spc="-1" strike="noStrike">
+                <a:latin typeface="Arial"/>
+              </a:rPr>
+              <a:t>th</a:t>
+            </a:r>
+            <a:r>
+              <a:rPr b="0" lang="en-AU" sz="4400" spc="-1" strike="noStrike">
+                <a:latin typeface="Arial"/>
+              </a:rPr>
+              <a:t>e </a:t>
+            </a:r>
+            <a:r>
+              <a:rPr b="0" lang="en-AU" sz="4400" spc="-1" strike="noStrike">
+                <a:latin typeface="Arial"/>
+              </a:rPr>
+              <a:t>sli</a:t>
+            </a:r>
+            <a:r>
+              <a:rPr b="0" lang="en-AU" sz="4400" spc="-1" strike="noStrike">
+                <a:latin typeface="Arial"/>
+              </a:rPr>
+              <a:t>de</a:t>
             </a:r>
             <a:endParaRPr b="0" lang="en-AU" sz="4400" spc="-1" strike="noStrike">
               <a:latin typeface="Arial"/>
@@ -143,7 +197,13 @@
               <a:rPr b="0" lang="en-AU" sz="2000" spc="-1" strike="noStrike">
                 <a:latin typeface="Arial"/>
               </a:rPr>
-              <a:t>Click to edit the notes format</a:t>
+              <a:t>Click to edit the notes </a:t>
+            </a:r>
+            <a:r>
+              <a:rPr b="0" lang="en-AU" sz="2000" spc="-1" strike="noStrike">
+                <a:latin typeface="Arial"/>
+              </a:rPr>
+              <a:t>format</a:t>
             </a:r>
             <a:endParaRPr b="0" lang="en-AU" sz="2000" spc="-1" strike="noStrike">
               <a:latin typeface="Arial"/>
@@ -285,7 +345,7 @@
           </a:bodyPr>
           <a:p>
             <a:pPr algn="r"/>
-            <a:fld id="{501BB707-1D7A-441C-82F3-30AB922CB1C4}" type="slidenum">
+            <a:fld id="{0D186F8F-6F64-4F3A-AA8B-334C9935F1F5}" type="slidenum">
               <a:rPr b="0" lang="en-AU" sz="1400" spc="-1" strike="noStrike">
                 <a:latin typeface="Times New Roman"/>
               </a:rPr>
@@ -520,7 +580,7 @@
                 <a:spcPct val="100000"/>
               </a:lnSpc>
             </a:pPr>
-            <a:fld id="{1C8B9218-F749-4EE6-92DB-C04C5038DACA}" type="slidenum">
+            <a:fld id="{730820BA-641C-4975-A543-E47D08CE4888}" type="slidenum">
               <a:rPr b="0" lang="en-US" sz="1200" spc="-1" strike="noStrike">
                 <a:solidFill>
                   <a:srgbClr val="000000"/>
@@ -528,7 +588,7 @@
                 <a:latin typeface="Lato Light"/>
                 <a:ea typeface="+mn-ea"/>
               </a:rPr>
-              <a:t>36</a:t>
+              <a:t>&lt;number&gt;</a:t>
             </a:fld>
             <a:endParaRPr b="0" lang="en-AU" sz="1200" spc="-1" strike="noStrike">
               <a:latin typeface="Arial"/>
@@ -689,7 +749,7 @@
                 <a:spcPct val="100000"/>
               </a:lnSpc>
             </a:pPr>
-            <a:fld id="{196761AA-E4D6-4013-8C3E-2EC5DB20696A}" type="slidenum">
+            <a:fld id="{884B632D-96DF-4DCE-84B1-51E1D32228B2}" type="slidenum">
               <a:rPr b="0" lang="en-US" sz="1200" spc="-1" strike="noStrike">
                 <a:solidFill>
                   <a:srgbClr val="000000"/>
@@ -697,7 +757,7 @@
                 <a:latin typeface="Lato Light"/>
                 <a:ea typeface="+mn-ea"/>
               </a:rPr>
-              <a:t>36</a:t>
+              <a:t>&lt;number&gt;</a:t>
             </a:fld>
             <a:endParaRPr b="0" lang="en-AU" sz="1200" spc="-1" strike="noStrike">
               <a:latin typeface="Arial"/>
@@ -826,7 +886,7 @@
                 <a:spcPct val="100000"/>
               </a:lnSpc>
             </a:pPr>
-            <a:fld id="{B037FCA0-49BE-4081-964F-B24817496F29}" type="slidenum">
+            <a:fld id="{A8350539-EBF8-46A9-920C-12807B0E0B57}" type="slidenum">
               <a:rPr b="0" lang="en-US" sz="1200" spc="-1" strike="noStrike">
                 <a:solidFill>
                   <a:srgbClr val="000000"/>
@@ -834,7 +894,7 @@
                 <a:latin typeface="Lato Light"/>
                 <a:ea typeface="+mn-ea"/>
               </a:rPr>
-              <a:t>36</a:t>
+              <a:t>&lt;number&gt;</a:t>
             </a:fld>
             <a:endParaRPr b="0" lang="en-AU" sz="1200" spc="-1" strike="noStrike">
               <a:latin typeface="Arial"/>
@@ -956,7 +1016,7 @@
                 <a:spcPct val="100000"/>
               </a:lnSpc>
             </a:pPr>
-            <a:fld id="{6A7158F0-A66D-4203-9862-C1D2F6BE9A7F}" type="slidenum">
+            <a:fld id="{A667672E-BAE7-4B14-862C-A791832E1430}" type="slidenum">
               <a:rPr b="0" lang="en-US" sz="1200" spc="-1" strike="noStrike">
                 <a:solidFill>
                   <a:srgbClr val="000000"/>
@@ -964,7 +1024,7 @@
                 <a:latin typeface="Lato Light"/>
                 <a:ea typeface="+mn-ea"/>
               </a:rPr>
-              <a:t>36</a:t>
+              <a:t>&lt;number&gt;</a:t>
             </a:fld>
             <a:endParaRPr b="0" lang="en-AU" sz="1200" spc="-1" strike="noStrike">
               <a:latin typeface="Arial"/>
@@ -1375,7 +1435,7 @@
                 <a:spcPct val="100000"/>
               </a:lnSpc>
             </a:pPr>
-            <a:fld id="{C9F4BDE8-0666-4E1D-8013-1785DB297EAC}" type="slidenum">
+            <a:fld id="{CEE2D05E-AB51-4E4B-974B-016D1C446491}" type="slidenum">
               <a:rPr b="0" lang="en-US" sz="1200" spc="-1" strike="noStrike">
                 <a:solidFill>
                   <a:srgbClr val="000000"/>
@@ -1383,7 +1443,7 @@
                 <a:latin typeface="Lato Light"/>
                 <a:ea typeface="+mn-ea"/>
               </a:rPr>
-              <a:t>36</a:t>
+              <a:t>&lt;number&gt;</a:t>
             </a:fld>
             <a:endParaRPr b="0" lang="en-AU" sz="1200" spc="-1" strike="noStrike">
               <a:latin typeface="Arial"/>
@@ -2227,7 +2287,7 @@
                 <a:spcPct val="100000"/>
               </a:lnSpc>
             </a:pPr>
-            <a:fld id="{03EE4110-8F02-49A2-BFC2-86661BA8BFDC}" type="slidenum">
+            <a:fld id="{02EF089D-C854-4733-BC44-E8DA70FCA50B}" type="slidenum">
               <a:rPr b="0" lang="en-US" sz="1200" spc="-1" strike="noStrike">
                 <a:solidFill>
                   <a:srgbClr val="000000"/>
@@ -2235,7 +2295,7 @@
                 <a:latin typeface="Lato Light"/>
                 <a:ea typeface="+mn-ea"/>
               </a:rPr>
-              <a:t>36</a:t>
+              <a:t>&lt;number&gt;</a:t>
             </a:fld>
             <a:endParaRPr b="0" lang="en-AU" sz="1200" spc="-1" strike="noStrike">
               <a:latin typeface="Arial"/>
@@ -2350,7 +2410,7 @@
                 <a:spcPct val="100000"/>
               </a:lnSpc>
             </a:pPr>
-            <a:fld id="{30E18E4F-9A15-4DC7-A132-1C15A798A4FF}" type="slidenum">
+            <a:fld id="{687B1907-5164-42BA-B572-6C768E1A87D6}" type="slidenum">
               <a:rPr b="0" lang="en-US" sz="1200" spc="-1" strike="noStrike">
                 <a:solidFill>
                   <a:srgbClr val="000000"/>
@@ -2358,7 +2418,7 @@
                 <a:latin typeface="Lato Light"/>
                 <a:ea typeface="+mn-ea"/>
               </a:rPr>
-              <a:t>36</a:t>
+              <a:t>&lt;number&gt;</a:t>
             </a:fld>
             <a:endParaRPr b="0" lang="en-AU" sz="1200" spc="-1" strike="noStrike">
               <a:latin typeface="Arial"/>
@@ -2859,7 +2919,7 @@
                 <a:spcPct val="100000"/>
               </a:lnSpc>
             </a:pPr>
-            <a:fld id="{BAF558A5-A184-40B9-9A59-F5357E45B54D}" type="slidenum">
+            <a:fld id="{4EBC5746-4388-4E33-A87D-1D87F1C70148}" type="slidenum">
               <a:rPr b="0" lang="en-US" sz="1200" spc="-1" strike="noStrike">
                 <a:solidFill>
                   <a:srgbClr val="000000"/>
@@ -2867,7 +2927,7 @@
                 <a:latin typeface="Lato Light"/>
                 <a:ea typeface="+mn-ea"/>
               </a:rPr>
-              <a:t>36</a:t>
+              <a:t>&lt;number&gt;</a:t>
             </a:fld>
             <a:endParaRPr b="0" lang="en-AU" sz="1200" spc="-1" strike="noStrike">
               <a:latin typeface="Arial"/>
@@ -2982,7 +3042,7 @@
                 <a:spcPct val="100000"/>
               </a:lnSpc>
             </a:pPr>
-            <a:fld id="{64F31EB8-FB2D-4D49-AB92-FD7CBDD9A399}" type="slidenum">
+            <a:fld id="{2DD2696F-E788-49C8-B698-B10461792297}" type="slidenum">
               <a:rPr b="0" lang="en-US" sz="1200" spc="-1" strike="noStrike">
                 <a:solidFill>
                   <a:srgbClr val="000000"/>
@@ -2990,7 +3050,7 @@
                 <a:latin typeface="Lato Light"/>
                 <a:ea typeface="+mn-ea"/>
               </a:rPr>
-              <a:t>36</a:t>
+              <a:t>&lt;number&gt;</a:t>
             </a:fld>
             <a:endParaRPr b="0" lang="en-AU" sz="1200" spc="-1" strike="noStrike">
               <a:latin typeface="Arial"/>
@@ -3105,7 +3165,7 @@
                 <a:spcPct val="100000"/>
               </a:lnSpc>
             </a:pPr>
-            <a:fld id="{FC6C3CEF-801C-4663-940E-C380622637A8}" type="slidenum">
+            <a:fld id="{104659AD-B2D9-4DC0-A95A-72D6CA02D45E}" type="slidenum">
               <a:rPr b="0" lang="en-US" sz="1200" spc="-1" strike="noStrike">
                 <a:solidFill>
                   <a:srgbClr val="000000"/>
@@ -3113,7 +3173,7 @@
                 <a:latin typeface="Lato Light"/>
                 <a:ea typeface="+mn-ea"/>
               </a:rPr>
-              <a:t>36</a:t>
+              <a:t>&lt;number&gt;</a:t>
             </a:fld>
             <a:endParaRPr b="0" lang="en-AU" sz="1200" spc="-1" strike="noStrike">
               <a:latin typeface="Arial"/>
@@ -3453,7 +3513,7 @@
                 <a:spcPct val="100000"/>
               </a:lnSpc>
             </a:pPr>
-            <a:fld id="{46D4BE5C-817B-4FE2-BE02-F83BDAFAF43B}" type="slidenum">
+            <a:fld id="{86B68D1B-8C8B-449A-9312-9173A610CB16}" type="slidenum">
               <a:rPr b="0" lang="en-US" sz="1200" spc="-1" strike="noStrike">
                 <a:solidFill>
                   <a:srgbClr val="000000"/>
@@ -3461,7 +3521,7 @@
                 <a:latin typeface="Lato Light"/>
                 <a:ea typeface="+mn-ea"/>
               </a:rPr>
-              <a:t>36</a:t>
+              <a:t>&lt;number&gt;</a:t>
             </a:fld>
             <a:endParaRPr b="0" lang="en-AU" sz="1200" spc="-1" strike="noStrike">
               <a:latin typeface="Arial"/>
@@ -3747,7 +3807,7 @@
                 <a:spcPct val="100000"/>
               </a:lnSpc>
             </a:pPr>
-            <a:fld id="{AF4CFAA6-94AC-411E-9C37-788132CD9611}" type="slidenum">
+            <a:fld id="{413777CB-FF74-4596-B6FD-F23C71901A02}" type="slidenum">
               <a:rPr b="0" lang="en-US" sz="1200" spc="-1" strike="noStrike">
                 <a:solidFill>
                   <a:srgbClr val="000000"/>
@@ -3755,7 +3815,7 @@
                 <a:latin typeface="Lato Light"/>
                 <a:ea typeface="+mn-ea"/>
               </a:rPr>
-              <a:t>36</a:t>
+              <a:t>&lt;number&gt;</a:t>
             </a:fld>
             <a:endParaRPr b="0" lang="en-AU" sz="1200" spc="-1" strike="noStrike">
               <a:latin typeface="Arial"/>
@@ -4183,7 +4243,7 @@
                 <a:spcPct val="100000"/>
               </a:lnSpc>
             </a:pPr>
-            <a:fld id="{93CE92AC-4077-4FD6-A0B0-5E024FE5F970}" type="slidenum">
+            <a:fld id="{53DC9CCB-10F2-4772-BB68-476812413741}" type="slidenum">
               <a:rPr b="0" lang="en-US" sz="1200" spc="-1" strike="noStrike">
                 <a:solidFill>
                   <a:srgbClr val="000000"/>
@@ -4191,7 +4251,7 @@
                 <a:latin typeface="Lato Light"/>
                 <a:ea typeface="+mn-ea"/>
               </a:rPr>
-              <a:t>36</a:t>
+              <a:t>&lt;number&gt;</a:t>
             </a:fld>
             <a:endParaRPr b="0" lang="en-AU" sz="1200" spc="-1" strike="noStrike">
               <a:latin typeface="Arial"/>
@@ -4472,7 +4532,7 @@
                 <a:spcPct val="100000"/>
               </a:lnSpc>
             </a:pPr>
-            <a:fld id="{692251ED-F7B4-4A20-9031-BF70965BC4E3}" type="slidenum">
+            <a:fld id="{03E965DD-0354-468C-B362-298C60950272}" type="slidenum">
               <a:rPr b="0" lang="en-US" sz="1200" spc="-1" strike="noStrike">
                 <a:solidFill>
                   <a:srgbClr val="000000"/>
@@ -4480,7 +4540,7 @@
                 <a:latin typeface="Lato Light"/>
                 <a:ea typeface="+mn-ea"/>
               </a:rPr>
-              <a:t>36</a:t>
+              <a:t>&lt;number&gt;</a:t>
             </a:fld>
             <a:endParaRPr b="0" lang="en-AU" sz="1200" spc="-1" strike="noStrike">
               <a:latin typeface="Arial"/>
@@ -4749,7 +4809,7 @@
                 <a:spcPct val="100000"/>
               </a:lnSpc>
             </a:pPr>
-            <a:fld id="{37D95115-2C35-44C2-BC54-8C2B7EDD8E48}" type="slidenum">
+            <a:fld id="{2E553146-564F-4459-B69D-111CF6159F03}" type="slidenum">
               <a:rPr b="0" lang="en-US" sz="1200" spc="-1" strike="noStrike">
                 <a:solidFill>
                   <a:srgbClr val="000000"/>
@@ -4757,7 +4817,7 @@
                 <a:latin typeface="Lato Light"/>
                 <a:ea typeface="+mn-ea"/>
               </a:rPr>
-              <a:t>36</a:t>
+              <a:t>&lt;number&gt;</a:t>
             </a:fld>
             <a:endParaRPr b="0" lang="en-AU" sz="1200" spc="-1" strike="noStrike">
               <a:latin typeface="Arial"/>
@@ -5638,7 +5698,7 @@
                 <a:spcPct val="100000"/>
               </a:lnSpc>
             </a:pPr>
-            <a:fld id="{F8B585E5-0CB7-4855-AD84-CE91E4B03705}" type="slidenum">
+            <a:fld id="{1A69D225-D572-4A43-AB9D-05CD77F1DF21}" type="slidenum">
               <a:rPr b="0" lang="en-US" sz="1200" spc="-1" strike="noStrike">
                 <a:solidFill>
                   <a:srgbClr val="000000"/>
@@ -5646,7 +5706,7 @@
                 <a:latin typeface="Lato Light"/>
                 <a:ea typeface="+mn-ea"/>
               </a:rPr>
-              <a:t>36</a:t>
+              <a:t>&lt;number&gt;</a:t>
             </a:fld>
             <a:endParaRPr b="0" lang="en-AU" sz="1200" spc="-1" strike="noStrike">
               <a:latin typeface="Arial"/>
@@ -5924,7 +5984,7 @@
                 <a:spcPct val="100000"/>
               </a:lnSpc>
             </a:pPr>
-            <a:fld id="{5F50FF7A-88D4-4EA6-BFF2-51477518C16E}" type="slidenum">
+            <a:fld id="{5FDAFA9D-30A6-4BAA-99A2-A0E06D9653E0}" type="slidenum">
               <a:rPr b="0" lang="en-US" sz="1200" spc="-1" strike="noStrike">
                 <a:solidFill>
                   <a:srgbClr val="000000"/>
@@ -5932,7 +5992,7 @@
                 <a:latin typeface="Lato Light"/>
                 <a:ea typeface="+mn-ea"/>
               </a:rPr>
-              <a:t>36</a:t>
+              <a:t>&lt;number&gt;</a:t>
             </a:fld>
             <a:endParaRPr b="0" lang="en-AU" sz="1200" spc="-1" strike="noStrike">
               <a:latin typeface="Arial"/>
@@ -6022,2797 +6082,7 @@
                 <a:latin typeface="Lato"/>
                 <a:ea typeface="Open Sans Light"/>
               </a:rPr>
-              <a:t>T</a:t>
-            </a:r>
-            <a:r>
-              <a:rPr b="1" lang="en-US" sz="1500" spc="-1" strike="noStrike">
-                <a:solidFill>
-                  <a:srgbClr val="445469"/>
-                </a:solidFill>
-                <a:latin typeface="Lato"/>
-                <a:ea typeface="Open Sans Light"/>
-              </a:rPr>
-              <a:t>h</a:t>
-            </a:r>
-            <a:r>
-              <a:rPr b="1" lang="en-US" sz="1500" spc="-1" strike="noStrike">
-                <a:solidFill>
-                  <a:srgbClr val="445469"/>
-                </a:solidFill>
-                <a:latin typeface="Lato"/>
-                <a:ea typeface="Open Sans Light"/>
-              </a:rPr>
-              <a:t>e</a:t>
-            </a:r>
-            <a:r>
-              <a:rPr b="1" lang="en-US" sz="1500" spc="-1" strike="noStrike">
-                <a:solidFill>
-                  <a:srgbClr val="445469"/>
-                </a:solidFill>
-                <a:latin typeface="Lato"/>
-                <a:ea typeface="Open Sans Light"/>
-              </a:rPr>
-              <a:t> </a:t>
-            </a:r>
-            <a:r>
-              <a:rPr b="1" lang="en-US" sz="1500" spc="-1" strike="noStrike">
-                <a:solidFill>
-                  <a:srgbClr val="445469"/>
-                </a:solidFill>
-                <a:latin typeface="Lato"/>
-                <a:ea typeface="Open Sans Light"/>
-              </a:rPr>
-              <a:t>Q</a:t>
-            </a:r>
-            <a:r>
-              <a:rPr b="1" lang="en-US" sz="1500" spc="-1" strike="noStrike">
-                <a:solidFill>
-                  <a:srgbClr val="445469"/>
-                </a:solidFill>
-                <a:latin typeface="Lato"/>
-                <a:ea typeface="Open Sans Light"/>
-              </a:rPr>
-              <a:t>u</a:t>
-            </a:r>
-            <a:r>
-              <a:rPr b="1" lang="en-US" sz="1500" spc="-1" strike="noStrike">
-                <a:solidFill>
-                  <a:srgbClr val="445469"/>
-                </a:solidFill>
-                <a:latin typeface="Lato"/>
-                <a:ea typeface="Open Sans Light"/>
-              </a:rPr>
-              <a:t>e</a:t>
-            </a:r>
-            <a:r>
-              <a:rPr b="1" lang="en-US" sz="1500" spc="-1" strike="noStrike">
-                <a:solidFill>
-                  <a:srgbClr val="445469"/>
-                </a:solidFill>
-                <a:latin typeface="Lato"/>
-                <a:ea typeface="Open Sans Light"/>
-              </a:rPr>
-              <a:t>s</a:t>
-            </a:r>
-            <a:r>
-              <a:rPr b="1" lang="en-US" sz="1500" spc="-1" strike="noStrike">
-                <a:solidFill>
-                  <a:srgbClr val="445469"/>
-                </a:solidFill>
-                <a:latin typeface="Lato"/>
-                <a:ea typeface="Open Sans Light"/>
-              </a:rPr>
-              <a:t>t</a:t>
-            </a:r>
-            <a:r>
-              <a:rPr b="1" lang="en-US" sz="1500" spc="-1" strike="noStrike">
-                <a:solidFill>
-                  <a:srgbClr val="445469"/>
-                </a:solidFill>
-                <a:latin typeface="Lato"/>
-                <a:ea typeface="Open Sans Light"/>
-              </a:rPr>
-              <a:t>i</a:t>
-            </a:r>
-            <a:r>
-              <a:rPr b="1" lang="en-US" sz="1500" spc="-1" strike="noStrike">
-                <a:solidFill>
-                  <a:srgbClr val="445469"/>
-                </a:solidFill>
-                <a:latin typeface="Lato"/>
-                <a:ea typeface="Open Sans Light"/>
-              </a:rPr>
-              <a:t>o</a:t>
-            </a:r>
-            <a:r>
-              <a:rPr b="1" lang="en-US" sz="1500" spc="-1" strike="noStrike">
-                <a:solidFill>
-                  <a:srgbClr val="445469"/>
-                </a:solidFill>
-                <a:latin typeface="Lato"/>
-                <a:ea typeface="Open Sans Light"/>
-              </a:rPr>
-              <a:t>n</a:t>
-            </a:r>
-            <a:r>
-              <a:rPr b="1" lang="en-US" sz="1500" spc="-1" strike="noStrike">
-                <a:solidFill>
-                  <a:srgbClr val="445469"/>
-                </a:solidFill>
-                <a:latin typeface="Lato"/>
-                <a:ea typeface="Open Sans Light"/>
-              </a:rPr>
-              <a:t>n</a:t>
-            </a:r>
-            <a:r>
-              <a:rPr b="1" lang="en-US" sz="1500" spc="-1" strike="noStrike">
-                <a:solidFill>
-                  <a:srgbClr val="445469"/>
-                </a:solidFill>
-                <a:latin typeface="Lato"/>
-                <a:ea typeface="Open Sans Light"/>
-              </a:rPr>
-              <a:t>a</a:t>
-            </a:r>
-            <a:r>
-              <a:rPr b="1" lang="en-US" sz="1500" spc="-1" strike="noStrike">
-                <a:solidFill>
-                  <a:srgbClr val="445469"/>
-                </a:solidFill>
-                <a:latin typeface="Lato"/>
-                <a:ea typeface="Open Sans Light"/>
-              </a:rPr>
-              <a:t>i</a:t>
-            </a:r>
-            <a:r>
-              <a:rPr b="1" lang="en-US" sz="1500" spc="-1" strike="noStrike">
-                <a:solidFill>
-                  <a:srgbClr val="445469"/>
-                </a:solidFill>
-                <a:latin typeface="Lato"/>
-                <a:ea typeface="Open Sans Light"/>
-              </a:rPr>
-              <a:t>r</a:t>
-            </a:r>
-            <a:r>
-              <a:rPr b="1" lang="en-US" sz="1500" spc="-1" strike="noStrike">
-                <a:solidFill>
-                  <a:srgbClr val="445469"/>
-                </a:solidFill>
-                <a:latin typeface="Lato"/>
-                <a:ea typeface="Open Sans Light"/>
-              </a:rPr>
-              <a:t>e</a:t>
-            </a:r>
-            <a:r>
-              <a:rPr b="1" lang="en-US" sz="1500" spc="-1" strike="noStrike">
-                <a:solidFill>
-                  <a:srgbClr val="445469"/>
-                </a:solidFill>
-                <a:latin typeface="Lato"/>
-                <a:ea typeface="Open Sans Light"/>
-              </a:rPr>
-              <a:t> </a:t>
-            </a:r>
-            <a:r>
-              <a:rPr b="1" lang="en-US" sz="1500" spc="-1" strike="noStrike">
-                <a:solidFill>
-                  <a:srgbClr val="445469"/>
-                </a:solidFill>
-                <a:latin typeface="Lato"/>
-                <a:ea typeface="Open Sans Light"/>
-              </a:rPr>
-              <a:t>a</a:t>
-            </a:r>
-            <a:r>
-              <a:rPr b="1" lang="en-US" sz="1500" spc="-1" strike="noStrike">
-                <a:solidFill>
-                  <a:srgbClr val="445469"/>
-                </a:solidFill>
-                <a:latin typeface="Lato"/>
-                <a:ea typeface="Open Sans Light"/>
-              </a:rPr>
-              <a:t>l</a:t>
-            </a:r>
-            <a:r>
-              <a:rPr b="1" lang="en-US" sz="1500" spc="-1" strike="noStrike">
-                <a:solidFill>
-                  <a:srgbClr val="445469"/>
-                </a:solidFill>
-                <a:latin typeface="Lato"/>
-                <a:ea typeface="Open Sans Light"/>
-              </a:rPr>
-              <a:t>t</a:t>
-            </a:r>
-            <a:r>
-              <a:rPr b="1" lang="en-US" sz="1500" spc="-1" strike="noStrike">
-                <a:solidFill>
-                  <a:srgbClr val="445469"/>
-                </a:solidFill>
-                <a:latin typeface="Lato"/>
-                <a:ea typeface="Open Sans Light"/>
-              </a:rPr>
-              <a:t>h</a:t>
-            </a:r>
-            <a:r>
-              <a:rPr b="1" lang="en-US" sz="1500" spc="-1" strike="noStrike">
-                <a:solidFill>
-                  <a:srgbClr val="445469"/>
-                </a:solidFill>
-                <a:latin typeface="Lato"/>
-                <a:ea typeface="Open Sans Light"/>
-              </a:rPr>
-              <a:t>o</a:t>
-            </a:r>
-            <a:r>
-              <a:rPr b="1" lang="en-US" sz="1500" spc="-1" strike="noStrike">
-                <a:solidFill>
-                  <a:srgbClr val="445469"/>
-                </a:solidFill>
-                <a:latin typeface="Lato"/>
-                <a:ea typeface="Open Sans Light"/>
-              </a:rPr>
-              <a:t>u</a:t>
-            </a:r>
-            <a:r>
-              <a:rPr b="1" lang="en-US" sz="1500" spc="-1" strike="noStrike">
-                <a:solidFill>
-                  <a:srgbClr val="445469"/>
-                </a:solidFill>
-                <a:latin typeface="Lato"/>
-                <a:ea typeface="Open Sans Light"/>
-              </a:rPr>
-              <a:t>g</a:t>
-            </a:r>
-            <a:r>
-              <a:rPr b="1" lang="en-US" sz="1500" spc="-1" strike="noStrike">
-                <a:solidFill>
-                  <a:srgbClr val="445469"/>
-                </a:solidFill>
-                <a:latin typeface="Lato"/>
-                <a:ea typeface="Open Sans Light"/>
-              </a:rPr>
-              <a:t>h</a:t>
-            </a:r>
-            <a:r>
-              <a:rPr b="1" lang="en-US" sz="1500" spc="-1" strike="noStrike">
-                <a:solidFill>
-                  <a:srgbClr val="445469"/>
-                </a:solidFill>
-                <a:latin typeface="Lato"/>
-                <a:ea typeface="Open Sans Light"/>
-              </a:rPr>
-              <a:t> </a:t>
-            </a:r>
-            <a:r>
-              <a:rPr b="1" lang="en-US" sz="1500" spc="-1" strike="noStrike">
-                <a:solidFill>
-                  <a:srgbClr val="445469"/>
-                </a:solidFill>
-                <a:latin typeface="Lato"/>
-                <a:ea typeface="Open Sans Light"/>
-              </a:rPr>
-              <a:t>c</a:t>
-            </a:r>
-            <a:r>
-              <a:rPr b="1" lang="en-US" sz="1500" spc="-1" strike="noStrike">
-                <a:solidFill>
-                  <a:srgbClr val="445469"/>
-                </a:solidFill>
-                <a:latin typeface="Lato"/>
-                <a:ea typeface="Open Sans Light"/>
-              </a:rPr>
-              <a:t>o</a:t>
-            </a:r>
-            <a:r>
-              <a:rPr b="1" lang="en-US" sz="1500" spc="-1" strike="noStrike">
-                <a:solidFill>
-                  <a:srgbClr val="445469"/>
-                </a:solidFill>
-                <a:latin typeface="Lato"/>
-                <a:ea typeface="Open Sans Light"/>
-              </a:rPr>
-              <a:t>m</a:t>
-            </a:r>
-            <a:r>
-              <a:rPr b="1" lang="en-US" sz="1500" spc="-1" strike="noStrike">
-                <a:solidFill>
-                  <a:srgbClr val="445469"/>
-                </a:solidFill>
-                <a:latin typeface="Lato"/>
-                <a:ea typeface="Open Sans Light"/>
-              </a:rPr>
-              <a:t>m</a:t>
-            </a:r>
-            <a:r>
-              <a:rPr b="1" lang="en-US" sz="1500" spc="-1" strike="noStrike">
-                <a:solidFill>
-                  <a:srgbClr val="445469"/>
-                </a:solidFill>
-                <a:latin typeface="Lato"/>
-                <a:ea typeface="Open Sans Light"/>
-              </a:rPr>
-              <a:t>o</a:t>
-            </a:r>
-            <a:r>
-              <a:rPr b="1" lang="en-US" sz="1500" spc="-1" strike="noStrike">
-                <a:solidFill>
-                  <a:srgbClr val="445469"/>
-                </a:solidFill>
-                <a:latin typeface="Lato"/>
-                <a:ea typeface="Open Sans Light"/>
-              </a:rPr>
-              <a:t>n</a:t>
-            </a:r>
-            <a:r>
-              <a:rPr b="1" lang="en-US" sz="1500" spc="-1" strike="noStrike">
-                <a:solidFill>
-                  <a:srgbClr val="445469"/>
-                </a:solidFill>
-                <a:latin typeface="Lato"/>
-                <a:ea typeface="Open Sans Light"/>
-              </a:rPr>
-              <a:t>l</a:t>
-            </a:r>
-            <a:r>
-              <a:rPr b="1" lang="en-US" sz="1500" spc="-1" strike="noStrike">
-                <a:solidFill>
-                  <a:srgbClr val="445469"/>
-                </a:solidFill>
-                <a:latin typeface="Lato"/>
-                <a:ea typeface="Open Sans Light"/>
-              </a:rPr>
-              <a:t>y</a:t>
-            </a:r>
-            <a:r>
-              <a:rPr b="1" lang="en-US" sz="1500" spc="-1" strike="noStrike">
-                <a:solidFill>
-                  <a:srgbClr val="445469"/>
-                </a:solidFill>
-                <a:latin typeface="Lato"/>
-                <a:ea typeface="Open Sans Light"/>
-              </a:rPr>
-              <a:t> </a:t>
-            </a:r>
-            <a:r>
-              <a:rPr b="1" lang="en-US" sz="1500" spc="-1" strike="noStrike">
-                <a:solidFill>
-                  <a:srgbClr val="445469"/>
-                </a:solidFill>
-                <a:latin typeface="Lato"/>
-                <a:ea typeface="Open Sans Light"/>
-              </a:rPr>
-              <a:t>u</a:t>
-            </a:r>
-            <a:r>
-              <a:rPr b="1" lang="en-US" sz="1500" spc="-1" strike="noStrike">
-                <a:solidFill>
-                  <a:srgbClr val="445469"/>
-                </a:solidFill>
-                <a:latin typeface="Lato"/>
-                <a:ea typeface="Open Sans Light"/>
-              </a:rPr>
-              <a:t>s</a:t>
-            </a:r>
-            <a:r>
-              <a:rPr b="1" lang="en-US" sz="1500" spc="-1" strike="noStrike">
-                <a:solidFill>
-                  <a:srgbClr val="445469"/>
-                </a:solidFill>
-                <a:latin typeface="Lato"/>
-                <a:ea typeface="Open Sans Light"/>
-              </a:rPr>
-              <a:t>e</a:t>
-            </a:r>
-            <a:r>
-              <a:rPr b="1" lang="en-US" sz="1500" spc="-1" strike="noStrike">
-                <a:solidFill>
-                  <a:srgbClr val="445469"/>
-                </a:solidFill>
-                <a:latin typeface="Lato"/>
-                <a:ea typeface="Open Sans Light"/>
-              </a:rPr>
-              <a:t>d</a:t>
-            </a:r>
-            <a:r>
-              <a:rPr b="1" lang="en-US" sz="1500" spc="-1" strike="noStrike">
-                <a:solidFill>
-                  <a:srgbClr val="445469"/>
-                </a:solidFill>
-                <a:latin typeface="Lato"/>
-                <a:ea typeface="Open Sans Light"/>
-              </a:rPr>
-              <a:t> </a:t>
-            </a:r>
-            <a:r>
-              <a:rPr b="1" lang="en-US" sz="1500" spc="-1" strike="noStrike">
-                <a:solidFill>
-                  <a:srgbClr val="445469"/>
-                </a:solidFill>
-                <a:latin typeface="Lato"/>
-                <a:ea typeface="Open Sans Light"/>
-              </a:rPr>
-              <a:t>t</a:t>
-            </a:r>
-            <a:r>
-              <a:rPr b="1" lang="en-US" sz="1500" spc="-1" strike="noStrike">
-                <a:solidFill>
-                  <a:srgbClr val="445469"/>
-                </a:solidFill>
-                <a:latin typeface="Lato"/>
-                <a:ea typeface="Open Sans Light"/>
-              </a:rPr>
-              <a:t>o</a:t>
-            </a:r>
-            <a:r>
-              <a:rPr b="1" lang="en-US" sz="1500" spc="-1" strike="noStrike">
-                <a:solidFill>
-                  <a:srgbClr val="445469"/>
-                </a:solidFill>
-                <a:latin typeface="Lato"/>
-                <a:ea typeface="Open Sans Light"/>
-              </a:rPr>
-              <a:t>d</a:t>
-            </a:r>
-            <a:r>
-              <a:rPr b="1" lang="en-US" sz="1500" spc="-1" strike="noStrike">
-                <a:solidFill>
-                  <a:srgbClr val="445469"/>
-                </a:solidFill>
-                <a:latin typeface="Lato"/>
-                <a:ea typeface="Open Sans Light"/>
-              </a:rPr>
-              <a:t>a</a:t>
-            </a:r>
-            <a:r>
-              <a:rPr b="1" lang="en-US" sz="1500" spc="-1" strike="noStrike">
-                <a:solidFill>
-                  <a:srgbClr val="445469"/>
-                </a:solidFill>
-                <a:latin typeface="Lato"/>
-                <a:ea typeface="Open Sans Light"/>
-              </a:rPr>
-              <a:t>y</a:t>
-            </a:r>
-            <a:r>
-              <a:rPr b="1" lang="en-US" sz="1500" spc="-1" strike="noStrike">
-                <a:solidFill>
-                  <a:srgbClr val="445469"/>
-                </a:solidFill>
-                <a:latin typeface="Lato"/>
-                <a:ea typeface="Open Sans Light"/>
-              </a:rPr>
-              <a:t> </a:t>
-            </a:r>
-            <a:r>
-              <a:rPr b="1" lang="en-US" sz="1500" spc="-1" strike="noStrike">
-                <a:solidFill>
-                  <a:srgbClr val="445469"/>
-                </a:solidFill>
-                <a:latin typeface="Lato"/>
-                <a:ea typeface="Open Sans Light"/>
-              </a:rPr>
-              <a:t>h</a:t>
-            </a:r>
-            <a:r>
-              <a:rPr b="1" lang="en-US" sz="1500" spc="-1" strike="noStrike">
-                <a:solidFill>
-                  <a:srgbClr val="445469"/>
-                </a:solidFill>
-                <a:latin typeface="Lato"/>
-                <a:ea typeface="Open Sans Light"/>
-              </a:rPr>
-              <a:t>a</a:t>
-            </a:r>
-            <a:r>
-              <a:rPr b="1" lang="en-US" sz="1500" spc="-1" strike="noStrike">
-                <a:solidFill>
-                  <a:srgbClr val="445469"/>
-                </a:solidFill>
-                <a:latin typeface="Lato"/>
-                <a:ea typeface="Open Sans Light"/>
-              </a:rPr>
-              <a:t>s</a:t>
-            </a:r>
-            <a:r>
-              <a:rPr b="1" lang="en-US" sz="1500" spc="-1" strike="noStrike">
-                <a:solidFill>
-                  <a:srgbClr val="445469"/>
-                </a:solidFill>
-                <a:latin typeface="Lato"/>
-                <a:ea typeface="Open Sans Light"/>
-              </a:rPr>
-              <a:t> </a:t>
-            </a:r>
-            <a:r>
-              <a:rPr b="1" lang="en-US" sz="1500" spc="-1" strike="noStrike">
-                <a:solidFill>
-                  <a:srgbClr val="445469"/>
-                </a:solidFill>
-                <a:latin typeface="Lato"/>
-                <a:ea typeface="Open Sans Light"/>
-              </a:rPr>
-              <a:t>a</a:t>
-            </a:r>
-            <a:r>
-              <a:rPr b="1" lang="en-US" sz="1500" spc="-1" strike="noStrike">
-                <a:solidFill>
-                  <a:srgbClr val="445469"/>
-                </a:solidFill>
-                <a:latin typeface="Lato"/>
-                <a:ea typeface="Open Sans Light"/>
-              </a:rPr>
-              <a:t> </a:t>
-            </a:r>
-            <a:r>
-              <a:rPr b="1" lang="en-US" sz="1500" spc="-1" strike="noStrike">
-                <a:solidFill>
-                  <a:srgbClr val="445469"/>
-                </a:solidFill>
-                <a:latin typeface="Lato"/>
-                <a:ea typeface="Open Sans Light"/>
-              </a:rPr>
-              <a:t>h</a:t>
-            </a:r>
-            <a:r>
-              <a:rPr b="1" lang="en-US" sz="1500" spc="-1" strike="noStrike">
-                <a:solidFill>
-                  <a:srgbClr val="445469"/>
-                </a:solidFill>
-                <a:latin typeface="Lato"/>
-                <a:ea typeface="Open Sans Light"/>
-              </a:rPr>
-              <a:t>i</a:t>
-            </a:r>
-            <a:r>
-              <a:rPr b="1" lang="en-US" sz="1500" spc="-1" strike="noStrike">
-                <a:solidFill>
-                  <a:srgbClr val="445469"/>
-                </a:solidFill>
-                <a:latin typeface="Lato"/>
-                <a:ea typeface="Open Sans Light"/>
-              </a:rPr>
-              <a:t>s</a:t>
-            </a:r>
-            <a:r>
-              <a:rPr b="1" lang="en-US" sz="1500" spc="-1" strike="noStrike">
-                <a:solidFill>
-                  <a:srgbClr val="445469"/>
-                </a:solidFill>
-                <a:latin typeface="Lato"/>
-                <a:ea typeface="Open Sans Light"/>
-              </a:rPr>
-              <a:t>t</a:t>
-            </a:r>
-            <a:r>
-              <a:rPr b="1" lang="en-US" sz="1500" spc="-1" strike="noStrike">
-                <a:solidFill>
-                  <a:srgbClr val="445469"/>
-                </a:solidFill>
-                <a:latin typeface="Lato"/>
-                <a:ea typeface="Open Sans Light"/>
-              </a:rPr>
-              <a:t>o</a:t>
-            </a:r>
-            <a:r>
-              <a:rPr b="1" lang="en-US" sz="1500" spc="-1" strike="noStrike">
-                <a:solidFill>
-                  <a:srgbClr val="445469"/>
-                </a:solidFill>
-                <a:latin typeface="Lato"/>
-                <a:ea typeface="Open Sans Light"/>
-              </a:rPr>
-              <a:t>r</a:t>
-            </a:r>
-            <a:r>
-              <a:rPr b="1" lang="en-US" sz="1500" spc="-1" strike="noStrike">
-                <a:solidFill>
-                  <a:srgbClr val="445469"/>
-                </a:solidFill>
-                <a:latin typeface="Lato"/>
-                <a:ea typeface="Open Sans Light"/>
-              </a:rPr>
-              <a:t>y</a:t>
-            </a:r>
-            <a:r>
-              <a:rPr b="1" lang="en-US" sz="1500" spc="-1" strike="noStrike">
-                <a:solidFill>
-                  <a:srgbClr val="445469"/>
-                </a:solidFill>
-                <a:latin typeface="Lato"/>
-                <a:ea typeface="Open Sans Light"/>
-              </a:rPr>
-              <a:t> </a:t>
-            </a:r>
-            <a:r>
-              <a:rPr b="1" lang="en-US" sz="1500" spc="-1" strike="noStrike">
-                <a:solidFill>
-                  <a:srgbClr val="445469"/>
-                </a:solidFill>
-                <a:latin typeface="Lato"/>
-                <a:ea typeface="Open Sans Light"/>
-              </a:rPr>
-              <a:t>o</a:t>
-            </a:r>
-            <a:r>
-              <a:rPr b="1" lang="en-US" sz="1500" spc="-1" strike="noStrike">
-                <a:solidFill>
-                  <a:srgbClr val="445469"/>
-                </a:solidFill>
-                <a:latin typeface="Lato"/>
-                <a:ea typeface="Open Sans Light"/>
-              </a:rPr>
-              <a:t>f</a:t>
-            </a:r>
-            <a:r>
-              <a:rPr b="1" lang="en-US" sz="1500" spc="-1" strike="noStrike">
-                <a:solidFill>
-                  <a:srgbClr val="445469"/>
-                </a:solidFill>
-                <a:latin typeface="Lato"/>
-                <a:ea typeface="Open Sans Light"/>
-              </a:rPr>
-              <a:t> </a:t>
-            </a:r>
-            <a:r>
-              <a:rPr b="1" lang="en-US" sz="1500" spc="-1" strike="noStrike">
-                <a:solidFill>
-                  <a:srgbClr val="445469"/>
-                </a:solidFill>
-                <a:latin typeface="Lato"/>
-                <a:ea typeface="Open Sans Light"/>
-              </a:rPr>
-              <a:t>l</a:t>
-            </a:r>
-            <a:r>
-              <a:rPr b="1" lang="en-US" sz="1500" spc="-1" strike="noStrike">
-                <a:solidFill>
-                  <a:srgbClr val="445469"/>
-                </a:solidFill>
-                <a:latin typeface="Lato"/>
-                <a:ea typeface="Open Sans Light"/>
-              </a:rPr>
-              <a:t>e</a:t>
-            </a:r>
-            <a:r>
-              <a:rPr b="1" lang="en-US" sz="1500" spc="-1" strike="noStrike">
-                <a:solidFill>
-                  <a:srgbClr val="445469"/>
-                </a:solidFill>
-                <a:latin typeface="Lato"/>
-                <a:ea typeface="Open Sans Light"/>
-              </a:rPr>
-              <a:t>s</a:t>
-            </a:r>
-            <a:r>
-              <a:rPr b="1" lang="en-US" sz="1500" spc="-1" strike="noStrike">
-                <a:solidFill>
-                  <a:srgbClr val="445469"/>
-                </a:solidFill>
-                <a:latin typeface="Lato"/>
-                <a:ea typeface="Open Sans Light"/>
-              </a:rPr>
-              <a:t>s</a:t>
-            </a:r>
-            <a:r>
-              <a:rPr b="1" lang="en-US" sz="1500" spc="-1" strike="noStrike">
-                <a:solidFill>
-                  <a:srgbClr val="445469"/>
-                </a:solidFill>
-                <a:latin typeface="Lato"/>
-                <a:ea typeface="Open Sans Light"/>
-              </a:rPr>
-              <a:t> </a:t>
-            </a:r>
-            <a:r>
-              <a:rPr b="1" lang="en-US" sz="1500" spc="-1" strike="noStrike">
-                <a:solidFill>
-                  <a:srgbClr val="445469"/>
-                </a:solidFill>
-                <a:latin typeface="Lato"/>
-                <a:ea typeface="Open Sans Light"/>
-              </a:rPr>
-              <a:t>t</a:t>
-            </a:r>
-            <a:r>
-              <a:rPr b="1" lang="en-US" sz="1500" spc="-1" strike="noStrike">
-                <a:solidFill>
-                  <a:srgbClr val="445469"/>
-                </a:solidFill>
-                <a:latin typeface="Lato"/>
-                <a:ea typeface="Open Sans Light"/>
-              </a:rPr>
-              <a:t>h</a:t>
-            </a:r>
-            <a:r>
-              <a:rPr b="1" lang="en-US" sz="1500" spc="-1" strike="noStrike">
-                <a:solidFill>
-                  <a:srgbClr val="445469"/>
-                </a:solidFill>
-                <a:latin typeface="Lato"/>
-                <a:ea typeface="Open Sans Light"/>
-              </a:rPr>
-              <a:t>a</a:t>
-            </a:r>
-            <a:r>
-              <a:rPr b="1" lang="en-US" sz="1500" spc="-1" strike="noStrike">
-                <a:solidFill>
-                  <a:srgbClr val="445469"/>
-                </a:solidFill>
-                <a:latin typeface="Lato"/>
-                <a:ea typeface="Open Sans Light"/>
-              </a:rPr>
-              <a:t>n</a:t>
-            </a:r>
-            <a:r>
-              <a:rPr b="1" lang="en-US" sz="1500" spc="-1" strike="noStrike">
-                <a:solidFill>
-                  <a:srgbClr val="445469"/>
-                </a:solidFill>
-                <a:latin typeface="Lato"/>
-                <a:ea typeface="Open Sans Light"/>
-              </a:rPr>
-              <a:t> </a:t>
-            </a:r>
-            <a:r>
-              <a:rPr b="1" lang="en-US" sz="1500" spc="-1" strike="noStrike">
-                <a:solidFill>
-                  <a:srgbClr val="445469"/>
-                </a:solidFill>
-                <a:latin typeface="Lato"/>
-                <a:ea typeface="Open Sans Light"/>
-              </a:rPr>
-              <a:t>2</a:t>
-            </a:r>
-            <a:r>
-              <a:rPr b="1" lang="en-US" sz="1500" spc="-1" strike="noStrike">
-                <a:solidFill>
-                  <a:srgbClr val="445469"/>
-                </a:solidFill>
-                <a:latin typeface="Lato"/>
-                <a:ea typeface="Open Sans Light"/>
-              </a:rPr>
-              <a:t>0</a:t>
-            </a:r>
-            <a:r>
-              <a:rPr b="1" lang="en-US" sz="1500" spc="-1" strike="noStrike">
-                <a:solidFill>
-                  <a:srgbClr val="445469"/>
-                </a:solidFill>
-                <a:latin typeface="Lato"/>
-                <a:ea typeface="Open Sans Light"/>
-              </a:rPr>
-              <a:t>0</a:t>
-            </a:r>
-            <a:r>
-              <a:rPr b="1" lang="en-US" sz="1500" spc="-1" strike="noStrike">
-                <a:solidFill>
-                  <a:srgbClr val="445469"/>
-                </a:solidFill>
-                <a:latin typeface="Lato"/>
-                <a:ea typeface="Open Sans Light"/>
-              </a:rPr>
-              <a:t> </a:t>
-            </a:r>
-            <a:r>
-              <a:rPr b="1" lang="en-US" sz="1500" spc="-1" strike="noStrike">
-                <a:solidFill>
-                  <a:srgbClr val="445469"/>
-                </a:solidFill>
-                <a:latin typeface="Lato"/>
-                <a:ea typeface="Open Sans Light"/>
-              </a:rPr>
-              <a:t>y</a:t>
-            </a:r>
-            <a:r>
-              <a:rPr b="1" lang="en-US" sz="1500" spc="-1" strike="noStrike">
-                <a:solidFill>
-                  <a:srgbClr val="445469"/>
-                </a:solidFill>
-                <a:latin typeface="Lato"/>
-                <a:ea typeface="Open Sans Light"/>
-              </a:rPr>
-              <a:t>e</a:t>
-            </a:r>
-            <a:r>
-              <a:rPr b="1" lang="en-US" sz="1500" spc="-1" strike="noStrike">
-                <a:solidFill>
-                  <a:srgbClr val="445469"/>
-                </a:solidFill>
-                <a:latin typeface="Lato"/>
-                <a:ea typeface="Open Sans Light"/>
-              </a:rPr>
-              <a:t>a</a:t>
-            </a:r>
-            <a:r>
-              <a:rPr b="1" lang="en-US" sz="1500" spc="-1" strike="noStrike">
-                <a:solidFill>
-                  <a:srgbClr val="445469"/>
-                </a:solidFill>
-                <a:latin typeface="Lato"/>
-                <a:ea typeface="Open Sans Light"/>
-              </a:rPr>
-              <a:t>r</a:t>
-            </a:r>
-            <a:r>
-              <a:rPr b="1" lang="en-US" sz="1500" spc="-1" strike="noStrike">
-                <a:solidFill>
-                  <a:srgbClr val="445469"/>
-                </a:solidFill>
-                <a:latin typeface="Lato"/>
-                <a:ea typeface="Open Sans Light"/>
-              </a:rPr>
-              <a:t>s</a:t>
-            </a:r>
-            <a:r>
-              <a:rPr b="1" lang="en-US" sz="1500" spc="-1" strike="noStrike">
-                <a:solidFill>
-                  <a:srgbClr val="445469"/>
-                </a:solidFill>
-                <a:latin typeface="Lato"/>
-                <a:ea typeface="Open Sans Light"/>
-              </a:rPr>
-              <a:t>.</a:t>
-            </a:r>
-            <a:r>
-              <a:rPr b="1" lang="en-US" sz="1500" spc="-1" strike="noStrike">
-                <a:solidFill>
-                  <a:srgbClr val="445469"/>
-                </a:solidFill>
-                <a:latin typeface="Lato"/>
-                <a:ea typeface="Open Sans Light"/>
-              </a:rPr>
-              <a:t> </a:t>
-            </a:r>
-            <a:r>
-              <a:rPr b="1" lang="en-US" sz="1500" spc="-1" strike="noStrike">
-                <a:solidFill>
-                  <a:srgbClr val="445469"/>
-                </a:solidFill>
-                <a:latin typeface="Lato"/>
-                <a:ea typeface="Open Sans Light"/>
-              </a:rPr>
-              <a:t>I</a:t>
-            </a:r>
-            <a:r>
-              <a:rPr b="1" lang="en-US" sz="1500" spc="-1" strike="noStrike">
-                <a:solidFill>
-                  <a:srgbClr val="445469"/>
-                </a:solidFill>
-                <a:latin typeface="Lato"/>
-                <a:ea typeface="Open Sans Light"/>
-              </a:rPr>
-              <a:t>t</a:t>
-            </a:r>
-            <a:r>
-              <a:rPr b="1" lang="en-US" sz="1500" spc="-1" strike="noStrike">
-                <a:solidFill>
-                  <a:srgbClr val="445469"/>
-                </a:solidFill>
-                <a:latin typeface="Lato"/>
-                <a:ea typeface="Open Sans Light"/>
-              </a:rPr>
-              <a:t>’</a:t>
-            </a:r>
-            <a:r>
-              <a:rPr b="1" lang="en-US" sz="1500" spc="-1" strike="noStrike">
-                <a:solidFill>
-                  <a:srgbClr val="445469"/>
-                </a:solidFill>
-                <a:latin typeface="Lato"/>
-                <a:ea typeface="Open Sans Light"/>
-              </a:rPr>
-              <a:t>s</a:t>
-            </a:r>
-            <a:r>
-              <a:rPr b="1" lang="en-US" sz="1500" spc="-1" strike="noStrike">
-                <a:solidFill>
-                  <a:srgbClr val="445469"/>
-                </a:solidFill>
-                <a:latin typeface="Lato"/>
-                <a:ea typeface="Open Sans Light"/>
-              </a:rPr>
-              <a:t> </a:t>
-            </a:r>
-            <a:r>
-              <a:rPr b="1" lang="en-US" sz="1500" spc="-1" strike="noStrike">
-                <a:solidFill>
-                  <a:srgbClr val="445469"/>
-                </a:solidFill>
-                <a:latin typeface="Lato"/>
-                <a:ea typeface="Open Sans Light"/>
-              </a:rPr>
-              <a:t>o</a:t>
-            </a:r>
-            <a:r>
-              <a:rPr b="1" lang="en-US" sz="1500" spc="-1" strike="noStrike">
-                <a:solidFill>
-                  <a:srgbClr val="445469"/>
-                </a:solidFill>
-                <a:latin typeface="Lato"/>
-                <a:ea typeface="Open Sans Light"/>
-              </a:rPr>
-              <a:t>r</a:t>
-            </a:r>
-            <a:r>
-              <a:rPr b="1" lang="en-US" sz="1500" spc="-1" strike="noStrike">
-                <a:solidFill>
-                  <a:srgbClr val="445469"/>
-                </a:solidFill>
-                <a:latin typeface="Lato"/>
-                <a:ea typeface="Open Sans Light"/>
-              </a:rPr>
-              <a:t>i</a:t>
-            </a:r>
-            <a:r>
-              <a:rPr b="1" lang="en-US" sz="1500" spc="-1" strike="noStrike">
-                <a:solidFill>
-                  <a:srgbClr val="445469"/>
-                </a:solidFill>
-                <a:latin typeface="Lato"/>
-                <a:ea typeface="Open Sans Light"/>
-              </a:rPr>
-              <a:t>g</a:t>
-            </a:r>
-            <a:r>
-              <a:rPr b="1" lang="en-US" sz="1500" spc="-1" strike="noStrike">
-                <a:solidFill>
-                  <a:srgbClr val="445469"/>
-                </a:solidFill>
-                <a:latin typeface="Lato"/>
-                <a:ea typeface="Open Sans Light"/>
-              </a:rPr>
-              <a:t>i</a:t>
-            </a:r>
-            <a:r>
-              <a:rPr b="1" lang="en-US" sz="1500" spc="-1" strike="noStrike">
-                <a:solidFill>
-                  <a:srgbClr val="445469"/>
-                </a:solidFill>
-                <a:latin typeface="Lato"/>
-                <a:ea typeface="Open Sans Light"/>
-              </a:rPr>
-              <a:t>n</a:t>
-            </a:r>
-            <a:r>
-              <a:rPr b="1" lang="en-US" sz="1500" spc="-1" strike="noStrike">
-                <a:solidFill>
-                  <a:srgbClr val="445469"/>
-                </a:solidFill>
-                <a:latin typeface="Lato"/>
-                <a:ea typeface="Open Sans Light"/>
-              </a:rPr>
-              <a:t>s</a:t>
-            </a:r>
-            <a:r>
-              <a:rPr b="1" lang="en-US" sz="1500" spc="-1" strike="noStrike">
-                <a:solidFill>
-                  <a:srgbClr val="445469"/>
-                </a:solidFill>
-                <a:latin typeface="Lato"/>
-                <a:ea typeface="Open Sans Light"/>
-              </a:rPr>
-              <a:t> </a:t>
-            </a:r>
-            <a:r>
-              <a:rPr b="1" lang="en-US" sz="1500" spc="-1" strike="noStrike">
-                <a:solidFill>
-                  <a:srgbClr val="445469"/>
-                </a:solidFill>
-                <a:latin typeface="Lato"/>
-                <a:ea typeface="Open Sans Light"/>
-              </a:rPr>
-              <a:t>h</a:t>
-            </a:r>
-            <a:r>
-              <a:rPr b="1" lang="en-US" sz="1500" spc="-1" strike="noStrike">
-                <a:solidFill>
-                  <a:srgbClr val="445469"/>
-                </a:solidFill>
-                <a:latin typeface="Lato"/>
-                <a:ea typeface="Open Sans Light"/>
-              </a:rPr>
-              <a:t>a</a:t>
-            </a:r>
-            <a:r>
-              <a:rPr b="1" lang="en-US" sz="1500" spc="-1" strike="noStrike">
-                <a:solidFill>
-                  <a:srgbClr val="445469"/>
-                </a:solidFill>
-                <a:latin typeface="Lato"/>
-                <a:ea typeface="Open Sans Light"/>
-              </a:rPr>
-              <a:t>v</a:t>
-            </a:r>
-            <a:r>
-              <a:rPr b="1" lang="en-US" sz="1500" spc="-1" strike="noStrike">
-                <a:solidFill>
-                  <a:srgbClr val="445469"/>
-                </a:solidFill>
-                <a:latin typeface="Lato"/>
-                <a:ea typeface="Open Sans Light"/>
-              </a:rPr>
-              <a:t>e</a:t>
-            </a:r>
-            <a:r>
-              <a:rPr b="1" lang="en-US" sz="1500" spc="-1" strike="noStrike">
-                <a:solidFill>
-                  <a:srgbClr val="445469"/>
-                </a:solidFill>
-                <a:latin typeface="Lato"/>
-                <a:ea typeface="Open Sans Light"/>
-              </a:rPr>
-              <a:t> </a:t>
-            </a:r>
-            <a:r>
-              <a:rPr b="1" lang="en-US" sz="1500" spc="-1" strike="noStrike">
-                <a:solidFill>
-                  <a:srgbClr val="445469"/>
-                </a:solidFill>
-                <a:latin typeface="Lato"/>
-                <a:ea typeface="Open Sans Light"/>
-              </a:rPr>
-              <a:t>b</a:t>
-            </a:r>
-            <a:r>
-              <a:rPr b="1" lang="en-US" sz="1500" spc="-1" strike="noStrike">
-                <a:solidFill>
-                  <a:srgbClr val="445469"/>
-                </a:solidFill>
-                <a:latin typeface="Lato"/>
-                <a:ea typeface="Open Sans Light"/>
-              </a:rPr>
-              <a:t>e</a:t>
-            </a:r>
-            <a:r>
-              <a:rPr b="1" lang="en-US" sz="1500" spc="-1" strike="noStrike">
-                <a:solidFill>
-                  <a:srgbClr val="445469"/>
-                </a:solidFill>
-                <a:latin typeface="Lato"/>
-                <a:ea typeface="Open Sans Light"/>
-              </a:rPr>
-              <a:t>e</a:t>
-            </a:r>
-            <a:r>
-              <a:rPr b="1" lang="en-US" sz="1500" spc="-1" strike="noStrike">
-                <a:solidFill>
-                  <a:srgbClr val="445469"/>
-                </a:solidFill>
-                <a:latin typeface="Lato"/>
-                <a:ea typeface="Open Sans Light"/>
-              </a:rPr>
-              <a:t>n</a:t>
-            </a:r>
-            <a:r>
-              <a:rPr b="1" lang="en-US" sz="1500" spc="-1" strike="noStrike">
-                <a:solidFill>
-                  <a:srgbClr val="445469"/>
-                </a:solidFill>
-                <a:latin typeface="Lato"/>
-                <a:ea typeface="Open Sans Light"/>
-              </a:rPr>
-              <a:t> </a:t>
-            </a:r>
-            <a:r>
-              <a:rPr b="1" lang="en-US" sz="1500" spc="-1" strike="noStrike">
-                <a:solidFill>
-                  <a:srgbClr val="445469"/>
-                </a:solidFill>
-                <a:latin typeface="Lato"/>
-                <a:ea typeface="Open Sans Light"/>
-              </a:rPr>
-              <a:t>a</a:t>
-            </a:r>
-            <a:r>
-              <a:rPr b="1" lang="en-US" sz="1500" spc="-1" strike="noStrike">
-                <a:solidFill>
-                  <a:srgbClr val="445469"/>
-                </a:solidFill>
-                <a:latin typeface="Lato"/>
-                <a:ea typeface="Open Sans Light"/>
-              </a:rPr>
-              <a:t>t</a:t>
-            </a:r>
-            <a:r>
-              <a:rPr b="1" lang="en-US" sz="1500" spc="-1" strike="noStrike">
-                <a:solidFill>
-                  <a:srgbClr val="445469"/>
-                </a:solidFill>
-                <a:latin typeface="Lato"/>
-                <a:ea typeface="Open Sans Light"/>
-              </a:rPr>
-              <a:t>t</a:t>
-            </a:r>
-            <a:r>
-              <a:rPr b="1" lang="en-US" sz="1500" spc="-1" strike="noStrike">
-                <a:solidFill>
-                  <a:srgbClr val="445469"/>
-                </a:solidFill>
-                <a:latin typeface="Lato"/>
-                <a:ea typeface="Open Sans Light"/>
-              </a:rPr>
-              <a:t>r</a:t>
-            </a:r>
-            <a:r>
-              <a:rPr b="1" lang="en-US" sz="1500" spc="-1" strike="noStrike">
-                <a:solidFill>
-                  <a:srgbClr val="445469"/>
-                </a:solidFill>
-                <a:latin typeface="Lato"/>
-                <a:ea typeface="Open Sans Light"/>
-              </a:rPr>
-              <a:t>i</a:t>
-            </a:r>
-            <a:r>
-              <a:rPr b="1" lang="en-US" sz="1500" spc="-1" strike="noStrike">
-                <a:solidFill>
-                  <a:srgbClr val="445469"/>
-                </a:solidFill>
-                <a:latin typeface="Lato"/>
-                <a:ea typeface="Open Sans Light"/>
-              </a:rPr>
-              <a:t>b</a:t>
-            </a:r>
-            <a:r>
-              <a:rPr b="1" lang="en-US" sz="1500" spc="-1" strike="noStrike">
-                <a:solidFill>
-                  <a:srgbClr val="445469"/>
-                </a:solidFill>
-                <a:latin typeface="Lato"/>
-                <a:ea typeface="Open Sans Light"/>
-              </a:rPr>
-              <a:t>u</a:t>
-            </a:r>
-            <a:r>
-              <a:rPr b="1" lang="en-US" sz="1500" spc="-1" strike="noStrike">
-                <a:solidFill>
-                  <a:srgbClr val="445469"/>
-                </a:solidFill>
-                <a:latin typeface="Lato"/>
-                <a:ea typeface="Open Sans Light"/>
-              </a:rPr>
-              <a:t>t</a:t>
-            </a:r>
-            <a:r>
-              <a:rPr b="1" lang="en-US" sz="1500" spc="-1" strike="noStrike">
-                <a:solidFill>
-                  <a:srgbClr val="445469"/>
-                </a:solidFill>
-                <a:latin typeface="Lato"/>
-                <a:ea typeface="Open Sans Light"/>
-              </a:rPr>
-              <a:t>e</a:t>
-            </a:r>
-            <a:r>
-              <a:rPr b="1" lang="en-US" sz="1500" spc="-1" strike="noStrike">
-                <a:solidFill>
-                  <a:srgbClr val="445469"/>
-                </a:solidFill>
-                <a:latin typeface="Lato"/>
-                <a:ea typeface="Open Sans Light"/>
-              </a:rPr>
-              <a:t>d</a:t>
-            </a:r>
-            <a:r>
-              <a:rPr b="1" lang="en-US" sz="1500" spc="-1" strike="noStrike">
-                <a:solidFill>
-                  <a:srgbClr val="445469"/>
-                </a:solidFill>
-                <a:latin typeface="Lato"/>
-                <a:ea typeface="Open Sans Light"/>
-              </a:rPr>
-              <a:t> </a:t>
-            </a:r>
-            <a:r>
-              <a:rPr b="1" lang="en-US" sz="1500" spc="-1" strike="noStrike">
-                <a:solidFill>
-                  <a:srgbClr val="445469"/>
-                </a:solidFill>
-                <a:latin typeface="Lato"/>
-                <a:ea typeface="Open Sans Light"/>
-              </a:rPr>
-              <a:t>t</a:t>
-            </a:r>
-            <a:r>
-              <a:rPr b="1" lang="en-US" sz="1500" spc="-1" strike="noStrike">
-                <a:solidFill>
-                  <a:srgbClr val="445469"/>
-                </a:solidFill>
-                <a:latin typeface="Lato"/>
-                <a:ea typeface="Open Sans Light"/>
-              </a:rPr>
-              <a:t>o</a:t>
-            </a:r>
-            <a:r>
-              <a:rPr b="1" lang="en-US" sz="1500" spc="-1" strike="noStrike">
-                <a:solidFill>
-                  <a:srgbClr val="445469"/>
-                </a:solidFill>
-                <a:latin typeface="Lato"/>
-                <a:ea typeface="Open Sans Light"/>
-              </a:rPr>
-              <a:t> </a:t>
-            </a:r>
-            <a:r>
-              <a:rPr b="1" lang="en-US" sz="1500" spc="-1" strike="noStrike">
-                <a:solidFill>
-                  <a:srgbClr val="445469"/>
-                </a:solidFill>
-                <a:latin typeface="Lato"/>
-                <a:ea typeface="Open Sans Light"/>
-              </a:rPr>
-              <a:t>t</a:t>
-            </a:r>
-            <a:r>
-              <a:rPr b="1" lang="en-US" sz="1500" spc="-1" strike="noStrike">
-                <a:solidFill>
-                  <a:srgbClr val="445469"/>
-                </a:solidFill>
-                <a:latin typeface="Lato"/>
-                <a:ea typeface="Open Sans Light"/>
-              </a:rPr>
-              <a:t>h</a:t>
-            </a:r>
-            <a:r>
-              <a:rPr b="1" lang="en-US" sz="1500" spc="-1" strike="noStrike">
-                <a:solidFill>
-                  <a:srgbClr val="445469"/>
-                </a:solidFill>
-                <a:latin typeface="Lato"/>
-                <a:ea typeface="Open Sans Light"/>
-              </a:rPr>
-              <a:t>e</a:t>
-            </a:r>
-            <a:r>
-              <a:rPr b="1" lang="en-US" sz="1500" spc="-1" strike="noStrike">
-                <a:solidFill>
-                  <a:srgbClr val="445469"/>
-                </a:solidFill>
-                <a:latin typeface="Lato"/>
-                <a:ea typeface="Open Sans Light"/>
-              </a:rPr>
-              <a:t> </a:t>
-            </a:r>
-            <a:r>
-              <a:rPr b="1" lang="en-US" sz="1500" spc="-1" strike="noStrike">
-                <a:solidFill>
-                  <a:srgbClr val="445469"/>
-                </a:solidFill>
-                <a:latin typeface="Lato"/>
-                <a:ea typeface="Open Sans Light"/>
-              </a:rPr>
-              <a:t>S</a:t>
-            </a:r>
-            <a:r>
-              <a:rPr b="1" lang="en-US" sz="1500" spc="-1" strike="noStrike">
-                <a:solidFill>
-                  <a:srgbClr val="445469"/>
-                </a:solidFill>
-                <a:latin typeface="Lato"/>
-                <a:ea typeface="Open Sans Light"/>
-              </a:rPr>
-              <a:t>t</a:t>
-            </a:r>
-            <a:r>
-              <a:rPr b="1" lang="en-US" sz="1500" spc="-1" strike="noStrike">
-                <a:solidFill>
-                  <a:srgbClr val="445469"/>
-                </a:solidFill>
-                <a:latin typeface="Lato"/>
-                <a:ea typeface="Open Sans Light"/>
-              </a:rPr>
-              <a:t>a</a:t>
-            </a:r>
-            <a:r>
-              <a:rPr b="1" lang="en-US" sz="1500" spc="-1" strike="noStrike">
-                <a:solidFill>
-                  <a:srgbClr val="445469"/>
-                </a:solidFill>
-                <a:latin typeface="Lato"/>
-                <a:ea typeface="Open Sans Light"/>
-              </a:rPr>
-              <a:t>t</a:t>
-            </a:r>
-            <a:r>
-              <a:rPr b="1" lang="en-US" sz="1500" spc="-1" strike="noStrike">
-                <a:solidFill>
-                  <a:srgbClr val="445469"/>
-                </a:solidFill>
-                <a:latin typeface="Lato"/>
-                <a:ea typeface="Open Sans Light"/>
-              </a:rPr>
-              <a:t>i</a:t>
-            </a:r>
-            <a:r>
-              <a:rPr b="1" lang="en-US" sz="1500" spc="-1" strike="noStrike">
-                <a:solidFill>
-                  <a:srgbClr val="445469"/>
-                </a:solidFill>
-                <a:latin typeface="Lato"/>
-                <a:ea typeface="Open Sans Light"/>
-              </a:rPr>
-              <a:t>s</a:t>
-            </a:r>
-            <a:r>
-              <a:rPr b="1" lang="en-US" sz="1500" spc="-1" strike="noStrike">
-                <a:solidFill>
-                  <a:srgbClr val="445469"/>
-                </a:solidFill>
-                <a:latin typeface="Lato"/>
-                <a:ea typeface="Open Sans Light"/>
-              </a:rPr>
-              <a:t>t</a:t>
-            </a:r>
-            <a:r>
-              <a:rPr b="1" lang="en-US" sz="1500" spc="-1" strike="noStrike">
-                <a:solidFill>
-                  <a:srgbClr val="445469"/>
-                </a:solidFill>
-                <a:latin typeface="Lato"/>
-                <a:ea typeface="Open Sans Light"/>
-              </a:rPr>
-              <a:t>i</a:t>
-            </a:r>
-            <a:r>
-              <a:rPr b="1" lang="en-US" sz="1500" spc="-1" strike="noStrike">
-                <a:solidFill>
-                  <a:srgbClr val="445469"/>
-                </a:solidFill>
-                <a:latin typeface="Lato"/>
-                <a:ea typeface="Open Sans Light"/>
-              </a:rPr>
-              <a:t>c</a:t>
-            </a:r>
-            <a:r>
-              <a:rPr b="1" lang="en-US" sz="1500" spc="-1" strike="noStrike">
-                <a:solidFill>
-                  <a:srgbClr val="445469"/>
-                </a:solidFill>
-                <a:latin typeface="Lato"/>
-                <a:ea typeface="Open Sans Light"/>
-              </a:rPr>
-              <a:t>a</a:t>
-            </a:r>
-            <a:r>
-              <a:rPr b="1" lang="en-US" sz="1500" spc="-1" strike="noStrike">
-                <a:solidFill>
-                  <a:srgbClr val="445469"/>
-                </a:solidFill>
-                <a:latin typeface="Lato"/>
-                <a:ea typeface="Open Sans Light"/>
-              </a:rPr>
-              <a:t>l</a:t>
-            </a:r>
-            <a:r>
-              <a:rPr b="1" lang="en-US" sz="1500" spc="-1" strike="noStrike">
-                <a:solidFill>
-                  <a:srgbClr val="445469"/>
-                </a:solidFill>
-                <a:latin typeface="Lato"/>
-                <a:ea typeface="Open Sans Light"/>
-              </a:rPr>
-              <a:t> </a:t>
-            </a:r>
-            <a:r>
-              <a:rPr b="1" lang="en-US" sz="1500" spc="-1" strike="noStrike">
-                <a:solidFill>
-                  <a:srgbClr val="445469"/>
-                </a:solidFill>
-                <a:latin typeface="Lato"/>
-                <a:ea typeface="Open Sans Light"/>
-              </a:rPr>
-              <a:t>S</a:t>
-            </a:r>
-            <a:r>
-              <a:rPr b="1" lang="en-US" sz="1500" spc="-1" strike="noStrike">
-                <a:solidFill>
-                  <a:srgbClr val="445469"/>
-                </a:solidFill>
-                <a:latin typeface="Lato"/>
-                <a:ea typeface="Open Sans Light"/>
-              </a:rPr>
-              <a:t>o</a:t>
-            </a:r>
-            <a:r>
-              <a:rPr b="1" lang="en-US" sz="1500" spc="-1" strike="noStrike">
-                <a:solidFill>
-                  <a:srgbClr val="445469"/>
-                </a:solidFill>
-                <a:latin typeface="Lato"/>
-                <a:ea typeface="Open Sans Light"/>
-              </a:rPr>
-              <a:t>c</a:t>
-            </a:r>
-            <a:r>
-              <a:rPr b="1" lang="en-US" sz="1500" spc="-1" strike="noStrike">
-                <a:solidFill>
-                  <a:srgbClr val="445469"/>
-                </a:solidFill>
-                <a:latin typeface="Lato"/>
-                <a:ea typeface="Open Sans Light"/>
-              </a:rPr>
-              <a:t>i</a:t>
-            </a:r>
-            <a:r>
-              <a:rPr b="1" lang="en-US" sz="1500" spc="-1" strike="noStrike">
-                <a:solidFill>
-                  <a:srgbClr val="445469"/>
-                </a:solidFill>
-                <a:latin typeface="Lato"/>
-                <a:ea typeface="Open Sans Light"/>
-              </a:rPr>
-              <a:t>e</a:t>
-            </a:r>
-            <a:r>
-              <a:rPr b="1" lang="en-US" sz="1500" spc="-1" strike="noStrike">
-                <a:solidFill>
-                  <a:srgbClr val="445469"/>
-                </a:solidFill>
-                <a:latin typeface="Lato"/>
-                <a:ea typeface="Open Sans Light"/>
-              </a:rPr>
-              <a:t>t</a:t>
-            </a:r>
-            <a:r>
-              <a:rPr b="1" lang="en-US" sz="1500" spc="-1" strike="noStrike">
-                <a:solidFill>
-                  <a:srgbClr val="445469"/>
-                </a:solidFill>
-                <a:latin typeface="Lato"/>
-                <a:ea typeface="Open Sans Light"/>
-              </a:rPr>
-              <a:t>y</a:t>
-            </a:r>
-            <a:r>
-              <a:rPr b="1" lang="en-US" sz="1500" spc="-1" strike="noStrike">
-                <a:solidFill>
-                  <a:srgbClr val="445469"/>
-                </a:solidFill>
-                <a:latin typeface="Lato"/>
-                <a:ea typeface="Open Sans Light"/>
-              </a:rPr>
-              <a:t> </a:t>
-            </a:r>
-            <a:r>
-              <a:rPr b="1" lang="en-US" sz="1500" spc="-1" strike="noStrike">
-                <a:solidFill>
-                  <a:srgbClr val="445469"/>
-                </a:solidFill>
-                <a:latin typeface="Lato"/>
-                <a:ea typeface="Open Sans Light"/>
-              </a:rPr>
-              <a:t>o</a:t>
-            </a:r>
-            <a:r>
-              <a:rPr b="1" lang="en-US" sz="1500" spc="-1" strike="noStrike">
-                <a:solidFill>
-                  <a:srgbClr val="445469"/>
-                </a:solidFill>
-                <a:latin typeface="Lato"/>
-                <a:ea typeface="Open Sans Light"/>
-              </a:rPr>
-              <a:t>f</a:t>
-            </a:r>
-            <a:r>
-              <a:rPr b="1" lang="en-US" sz="1500" spc="-1" strike="noStrike">
-                <a:solidFill>
-                  <a:srgbClr val="445469"/>
-                </a:solidFill>
-                <a:latin typeface="Lato"/>
-                <a:ea typeface="Open Sans Light"/>
-              </a:rPr>
-              <a:t> </a:t>
-            </a:r>
-            <a:r>
-              <a:rPr b="1" lang="en-US" sz="1500" spc="-1" strike="noStrike">
-                <a:solidFill>
-                  <a:srgbClr val="445469"/>
-                </a:solidFill>
-                <a:latin typeface="Lato"/>
-                <a:ea typeface="Open Sans Light"/>
-              </a:rPr>
-              <a:t>L</a:t>
-            </a:r>
-            <a:r>
-              <a:rPr b="1" lang="en-US" sz="1500" spc="-1" strike="noStrike">
-                <a:solidFill>
-                  <a:srgbClr val="445469"/>
-                </a:solidFill>
-                <a:latin typeface="Lato"/>
-                <a:ea typeface="Open Sans Light"/>
-              </a:rPr>
-              <a:t>o</a:t>
-            </a:r>
-            <a:r>
-              <a:rPr b="1" lang="en-US" sz="1500" spc="-1" strike="noStrike">
-                <a:solidFill>
-                  <a:srgbClr val="445469"/>
-                </a:solidFill>
-                <a:latin typeface="Lato"/>
-                <a:ea typeface="Open Sans Light"/>
-              </a:rPr>
-              <a:t>n</a:t>
-            </a:r>
-            <a:r>
-              <a:rPr b="1" lang="en-US" sz="1500" spc="-1" strike="noStrike">
-                <a:solidFill>
-                  <a:srgbClr val="445469"/>
-                </a:solidFill>
-                <a:latin typeface="Lato"/>
-                <a:ea typeface="Open Sans Light"/>
-              </a:rPr>
-              <a:t>d</a:t>
-            </a:r>
-            <a:r>
-              <a:rPr b="1" lang="en-US" sz="1500" spc="-1" strike="noStrike">
-                <a:solidFill>
-                  <a:srgbClr val="445469"/>
-                </a:solidFill>
-                <a:latin typeface="Lato"/>
-                <a:ea typeface="Open Sans Light"/>
-              </a:rPr>
-              <a:t>o</a:t>
-            </a:r>
-            <a:r>
-              <a:rPr b="1" lang="en-US" sz="1500" spc="-1" strike="noStrike">
-                <a:solidFill>
-                  <a:srgbClr val="445469"/>
-                </a:solidFill>
-                <a:latin typeface="Lato"/>
-                <a:ea typeface="Open Sans Light"/>
-              </a:rPr>
-              <a:t>n</a:t>
-            </a:r>
-            <a:r>
-              <a:rPr b="1" lang="en-US" sz="1500" spc="-1" strike="noStrike">
-                <a:solidFill>
-                  <a:srgbClr val="445469"/>
-                </a:solidFill>
-                <a:latin typeface="Lato"/>
-                <a:ea typeface="Open Sans Light"/>
-              </a:rPr>
-              <a:t> </a:t>
-            </a:r>
-            <a:r>
-              <a:rPr b="1" lang="en-US" sz="1500" spc="-1" strike="noStrike">
-                <a:solidFill>
-                  <a:srgbClr val="445469"/>
-                </a:solidFill>
-                <a:latin typeface="Lato"/>
-                <a:ea typeface="Open Sans Light"/>
-              </a:rPr>
-              <a:t>i</a:t>
-            </a:r>
-            <a:r>
-              <a:rPr b="1" lang="en-US" sz="1500" spc="-1" strike="noStrike">
-                <a:solidFill>
-                  <a:srgbClr val="445469"/>
-                </a:solidFill>
-                <a:latin typeface="Lato"/>
-                <a:ea typeface="Open Sans Light"/>
-              </a:rPr>
-              <a:t>n</a:t>
-            </a:r>
-            <a:r>
-              <a:rPr b="1" lang="en-US" sz="1500" spc="-1" strike="noStrike">
-                <a:solidFill>
-                  <a:srgbClr val="445469"/>
-                </a:solidFill>
-                <a:latin typeface="Lato"/>
-                <a:ea typeface="Open Sans Light"/>
-              </a:rPr>
-              <a:t> </a:t>
-            </a:r>
-            <a:r>
-              <a:rPr b="1" lang="en-US" sz="1500" spc="-1" strike="noStrike">
-                <a:solidFill>
-                  <a:srgbClr val="445469"/>
-                </a:solidFill>
-                <a:latin typeface="Lato"/>
-                <a:ea typeface="Open Sans Light"/>
-              </a:rPr>
-              <a:t>1</a:t>
-            </a:r>
-            <a:r>
-              <a:rPr b="1" lang="en-US" sz="1500" spc="-1" strike="noStrike">
-                <a:solidFill>
-                  <a:srgbClr val="445469"/>
-                </a:solidFill>
-                <a:latin typeface="Lato"/>
-                <a:ea typeface="Open Sans Light"/>
-              </a:rPr>
-              <a:t>8</a:t>
-            </a:r>
-            <a:r>
-              <a:rPr b="1" lang="en-US" sz="1500" spc="-1" strike="noStrike">
-                <a:solidFill>
-                  <a:srgbClr val="445469"/>
-                </a:solidFill>
-                <a:latin typeface="Lato"/>
-                <a:ea typeface="Open Sans Light"/>
-              </a:rPr>
-              <a:t>3</a:t>
-            </a:r>
-            <a:r>
-              <a:rPr b="1" lang="en-US" sz="1500" spc="-1" strike="noStrike">
-                <a:solidFill>
-                  <a:srgbClr val="445469"/>
-                </a:solidFill>
-                <a:latin typeface="Lato"/>
-                <a:ea typeface="Open Sans Light"/>
-              </a:rPr>
-              <a:t>8</a:t>
-            </a:r>
-            <a:r>
-              <a:rPr b="1" lang="en-US" sz="1500" spc="-1" strike="noStrike">
-                <a:solidFill>
-                  <a:srgbClr val="445469"/>
-                </a:solidFill>
-                <a:latin typeface="Lato"/>
-                <a:ea typeface="Open Sans Light"/>
-              </a:rPr>
-              <a:t> </a:t>
-            </a:r>
-            <a:r>
-              <a:rPr b="1" lang="en-US" sz="1500" spc="-1" strike="noStrike">
-                <a:solidFill>
-                  <a:srgbClr val="445469"/>
-                </a:solidFill>
-                <a:latin typeface="Lato"/>
-                <a:ea typeface="Open Sans Light"/>
-              </a:rPr>
-              <a:t>w</a:t>
-            </a:r>
-            <a:r>
-              <a:rPr b="1" lang="en-US" sz="1500" spc="-1" strike="noStrike">
-                <a:solidFill>
-                  <a:srgbClr val="445469"/>
-                </a:solidFill>
-                <a:latin typeface="Lato"/>
-                <a:ea typeface="Open Sans Light"/>
-              </a:rPr>
-              <a:t>h</a:t>
-            </a:r>
-            <a:r>
-              <a:rPr b="1" lang="en-US" sz="1500" spc="-1" strike="noStrike">
-                <a:solidFill>
-                  <a:srgbClr val="445469"/>
-                </a:solidFill>
-                <a:latin typeface="Lato"/>
-                <a:ea typeface="Open Sans Light"/>
-              </a:rPr>
-              <a:t>o</a:t>
-            </a:r>
-            <a:r>
-              <a:rPr b="1" lang="en-US" sz="1500" spc="-1" strike="noStrike">
-                <a:solidFill>
-                  <a:srgbClr val="445469"/>
-                </a:solidFill>
-                <a:latin typeface="Lato"/>
-                <a:ea typeface="Open Sans Light"/>
-              </a:rPr>
-              <a:t>s</a:t>
-            </a:r>
-            <a:r>
-              <a:rPr b="1" lang="en-US" sz="1500" spc="-1" strike="noStrike">
-                <a:solidFill>
-                  <a:srgbClr val="445469"/>
-                </a:solidFill>
-                <a:latin typeface="Lato"/>
-                <a:ea typeface="Open Sans Light"/>
-              </a:rPr>
-              <a:t>e</a:t>
-            </a:r>
-            <a:r>
-              <a:rPr b="1" lang="en-US" sz="1500" spc="-1" strike="noStrike">
-                <a:solidFill>
-                  <a:srgbClr val="445469"/>
-                </a:solidFill>
-                <a:latin typeface="Lato"/>
-                <a:ea typeface="Open Sans Light"/>
-              </a:rPr>
-              <a:t> </a:t>
-            </a:r>
-            <a:r>
-              <a:rPr b="1" lang="en-US" sz="1500" spc="-1" strike="noStrike">
-                <a:solidFill>
-                  <a:srgbClr val="445469"/>
-                </a:solidFill>
-                <a:latin typeface="Lato"/>
-                <a:ea typeface="Open Sans Light"/>
-              </a:rPr>
-              <a:t>m</a:t>
-            </a:r>
-            <a:r>
-              <a:rPr b="1" lang="en-US" sz="1500" spc="-1" strike="noStrike">
-                <a:solidFill>
-                  <a:srgbClr val="445469"/>
-                </a:solidFill>
-                <a:latin typeface="Lato"/>
-                <a:ea typeface="Open Sans Light"/>
-              </a:rPr>
-              <a:t>a</a:t>
-            </a:r>
-            <a:r>
-              <a:rPr b="1" lang="en-US" sz="1500" spc="-1" strike="noStrike">
-                <a:solidFill>
-                  <a:srgbClr val="445469"/>
-                </a:solidFill>
-                <a:latin typeface="Lato"/>
-                <a:ea typeface="Open Sans Light"/>
-              </a:rPr>
-              <a:t>i</a:t>
-            </a:r>
-            <a:r>
-              <a:rPr b="1" lang="en-US" sz="1500" spc="-1" strike="noStrike">
-                <a:solidFill>
-                  <a:srgbClr val="445469"/>
-                </a:solidFill>
-                <a:latin typeface="Lato"/>
-                <a:ea typeface="Open Sans Light"/>
-              </a:rPr>
-              <a:t>n</a:t>
-            </a:r>
-            <a:r>
-              <a:rPr b="1" lang="en-US" sz="1500" spc="-1" strike="noStrike">
-                <a:solidFill>
-                  <a:srgbClr val="445469"/>
-                </a:solidFill>
-                <a:latin typeface="Lato"/>
-                <a:ea typeface="Open Sans Light"/>
-              </a:rPr>
-              <a:t> </a:t>
-            </a:r>
-            <a:r>
-              <a:rPr b="1" lang="en-US" sz="1500" spc="-1" strike="noStrike">
-                <a:solidFill>
-                  <a:srgbClr val="445469"/>
-                </a:solidFill>
-                <a:latin typeface="Lato"/>
-                <a:ea typeface="Open Sans Light"/>
-              </a:rPr>
-              <a:t>g</a:t>
-            </a:r>
-            <a:r>
-              <a:rPr b="1" lang="en-US" sz="1500" spc="-1" strike="noStrike">
-                <a:solidFill>
-                  <a:srgbClr val="445469"/>
-                </a:solidFill>
-                <a:latin typeface="Lato"/>
-                <a:ea typeface="Open Sans Light"/>
-              </a:rPr>
-              <a:t>o</a:t>
-            </a:r>
-            <a:r>
-              <a:rPr b="1" lang="en-US" sz="1500" spc="-1" strike="noStrike">
-                <a:solidFill>
-                  <a:srgbClr val="445469"/>
-                </a:solidFill>
-                <a:latin typeface="Lato"/>
-                <a:ea typeface="Open Sans Light"/>
-              </a:rPr>
-              <a:t>a</a:t>
-            </a:r>
-            <a:r>
-              <a:rPr b="1" lang="en-US" sz="1500" spc="-1" strike="noStrike">
-                <a:solidFill>
-                  <a:srgbClr val="445469"/>
-                </a:solidFill>
-                <a:latin typeface="Lato"/>
-                <a:ea typeface="Open Sans Light"/>
-              </a:rPr>
-              <a:t>l</a:t>
-            </a:r>
-            <a:r>
-              <a:rPr b="1" lang="en-US" sz="1500" spc="-1" strike="noStrike">
-                <a:solidFill>
-                  <a:srgbClr val="445469"/>
-                </a:solidFill>
-                <a:latin typeface="Lato"/>
-                <a:ea typeface="Open Sans Light"/>
-              </a:rPr>
-              <a:t> </a:t>
-            </a:r>
-            <a:r>
-              <a:rPr b="1" lang="en-US" sz="1500" spc="-1" strike="noStrike">
-                <a:solidFill>
-                  <a:srgbClr val="445469"/>
-                </a:solidFill>
-                <a:latin typeface="Lato"/>
-                <a:ea typeface="Open Sans Light"/>
-              </a:rPr>
-              <a:t>w</a:t>
-            </a:r>
-            <a:r>
-              <a:rPr b="1" lang="en-US" sz="1500" spc="-1" strike="noStrike">
-                <a:solidFill>
-                  <a:srgbClr val="445469"/>
-                </a:solidFill>
-                <a:latin typeface="Lato"/>
-                <a:ea typeface="Open Sans Light"/>
-              </a:rPr>
-              <a:t>a</a:t>
-            </a:r>
-            <a:r>
-              <a:rPr b="1" lang="en-US" sz="1500" spc="-1" strike="noStrike">
-                <a:solidFill>
-                  <a:srgbClr val="445469"/>
-                </a:solidFill>
-                <a:latin typeface="Lato"/>
-                <a:ea typeface="Open Sans Light"/>
-              </a:rPr>
-              <a:t>s</a:t>
-            </a:r>
-            <a:r>
-              <a:rPr b="1" lang="en-US" sz="1500" spc="-1" strike="noStrike">
-                <a:solidFill>
-                  <a:srgbClr val="445469"/>
-                </a:solidFill>
-                <a:latin typeface="Lato"/>
-                <a:ea typeface="Open Sans Light"/>
-              </a:rPr>
-              <a:t> </a:t>
-            </a:r>
-            <a:r>
-              <a:rPr b="1" lang="en-US" sz="1500" spc="-1" strike="noStrike">
-                <a:solidFill>
-                  <a:srgbClr val="445469"/>
-                </a:solidFill>
-                <a:latin typeface="Lato"/>
-                <a:ea typeface="Open Sans Light"/>
-              </a:rPr>
-              <a:t>”</a:t>
-            </a:r>
-            <a:r>
-              <a:rPr b="1" lang="en-US" sz="1500" spc="-1" strike="noStrike">
-                <a:solidFill>
-                  <a:srgbClr val="445469"/>
-                </a:solidFill>
-                <a:latin typeface="Lato"/>
-                <a:ea typeface="Open Sans Light"/>
-              </a:rPr>
-              <a:t>p</a:t>
-            </a:r>
-            <a:r>
-              <a:rPr b="1" lang="en-US" sz="1500" spc="-1" strike="noStrike">
-                <a:solidFill>
-                  <a:srgbClr val="445469"/>
-                </a:solidFill>
-                <a:latin typeface="Lato"/>
-                <a:ea typeface="Open Sans Light"/>
-              </a:rPr>
-              <a:t>r</a:t>
-            </a:r>
-            <a:r>
-              <a:rPr b="1" lang="en-US" sz="1500" spc="-1" strike="noStrike">
-                <a:solidFill>
-                  <a:srgbClr val="445469"/>
-                </a:solidFill>
-                <a:latin typeface="Lato"/>
-                <a:ea typeface="Open Sans Light"/>
-              </a:rPr>
-              <a:t>o</a:t>
-            </a:r>
-            <a:r>
-              <a:rPr b="1" lang="en-US" sz="1500" spc="-1" strike="noStrike">
-                <a:solidFill>
-                  <a:srgbClr val="445469"/>
-                </a:solidFill>
-                <a:latin typeface="Lato"/>
-                <a:ea typeface="Open Sans Light"/>
-              </a:rPr>
-              <a:t>c</a:t>
-            </a:r>
-            <a:r>
-              <a:rPr b="1" lang="en-US" sz="1500" spc="-1" strike="noStrike">
-                <a:solidFill>
-                  <a:srgbClr val="445469"/>
-                </a:solidFill>
-                <a:latin typeface="Lato"/>
-                <a:ea typeface="Open Sans Light"/>
-              </a:rPr>
-              <a:t>u</a:t>
-            </a:r>
-            <a:r>
-              <a:rPr b="1" lang="en-US" sz="1500" spc="-1" strike="noStrike">
-                <a:solidFill>
-                  <a:srgbClr val="445469"/>
-                </a:solidFill>
-                <a:latin typeface="Lato"/>
-                <a:ea typeface="Open Sans Light"/>
-              </a:rPr>
-              <a:t>r</a:t>
-            </a:r>
-            <a:r>
-              <a:rPr b="1" lang="en-US" sz="1500" spc="-1" strike="noStrike">
-                <a:solidFill>
-                  <a:srgbClr val="445469"/>
-                </a:solidFill>
-                <a:latin typeface="Lato"/>
-                <a:ea typeface="Open Sans Light"/>
-              </a:rPr>
-              <a:t>i</a:t>
-            </a:r>
-            <a:r>
-              <a:rPr b="1" lang="en-US" sz="1500" spc="-1" strike="noStrike">
-                <a:solidFill>
-                  <a:srgbClr val="445469"/>
-                </a:solidFill>
-                <a:latin typeface="Lato"/>
-                <a:ea typeface="Open Sans Light"/>
-              </a:rPr>
-              <a:t>n</a:t>
-            </a:r>
-            <a:r>
-              <a:rPr b="1" lang="en-US" sz="1500" spc="-1" strike="noStrike">
-                <a:solidFill>
-                  <a:srgbClr val="445469"/>
-                </a:solidFill>
-                <a:latin typeface="Lato"/>
-                <a:ea typeface="Open Sans Light"/>
-              </a:rPr>
-              <a:t>g</a:t>
-            </a:r>
-            <a:r>
-              <a:rPr b="1" lang="en-US" sz="1500" spc="-1" strike="noStrike">
-                <a:solidFill>
-                  <a:srgbClr val="445469"/>
-                </a:solidFill>
-                <a:latin typeface="Lato"/>
-                <a:ea typeface="Open Sans Light"/>
-              </a:rPr>
-              <a:t>,</a:t>
-            </a:r>
-            <a:r>
-              <a:rPr b="1" lang="en-US" sz="1500" spc="-1" strike="noStrike">
-                <a:solidFill>
-                  <a:srgbClr val="445469"/>
-                </a:solidFill>
-                <a:latin typeface="Lato"/>
-                <a:ea typeface="Open Sans Light"/>
-              </a:rPr>
-              <a:t> </a:t>
-            </a:r>
-            <a:r>
-              <a:rPr b="1" lang="en-US" sz="1500" spc="-1" strike="noStrike">
-                <a:solidFill>
-                  <a:srgbClr val="445469"/>
-                </a:solidFill>
-                <a:latin typeface="Lato"/>
-                <a:ea typeface="Open Sans Light"/>
-              </a:rPr>
-              <a:t>a</a:t>
-            </a:r>
-            <a:r>
-              <a:rPr b="1" lang="en-US" sz="1500" spc="-1" strike="noStrike">
-                <a:solidFill>
-                  <a:srgbClr val="445469"/>
-                </a:solidFill>
-                <a:latin typeface="Lato"/>
-                <a:ea typeface="Open Sans Light"/>
-              </a:rPr>
-              <a:t>r</a:t>
-            </a:r>
-            <a:r>
-              <a:rPr b="1" lang="en-US" sz="1500" spc="-1" strike="noStrike">
-                <a:solidFill>
-                  <a:srgbClr val="445469"/>
-                </a:solidFill>
-                <a:latin typeface="Lato"/>
-                <a:ea typeface="Open Sans Light"/>
-              </a:rPr>
-              <a:t>r</a:t>
-            </a:r>
-            <a:r>
-              <a:rPr b="1" lang="en-US" sz="1500" spc="-1" strike="noStrike">
-                <a:solidFill>
-                  <a:srgbClr val="445469"/>
-                </a:solidFill>
-                <a:latin typeface="Lato"/>
-                <a:ea typeface="Open Sans Light"/>
-              </a:rPr>
-              <a:t>a</a:t>
-            </a:r>
-            <a:r>
-              <a:rPr b="1" lang="en-US" sz="1500" spc="-1" strike="noStrike">
-                <a:solidFill>
-                  <a:srgbClr val="445469"/>
-                </a:solidFill>
-                <a:latin typeface="Lato"/>
-                <a:ea typeface="Open Sans Light"/>
-              </a:rPr>
-              <a:t>n</a:t>
-            </a:r>
-            <a:r>
-              <a:rPr b="1" lang="en-US" sz="1500" spc="-1" strike="noStrike">
-                <a:solidFill>
-                  <a:srgbClr val="445469"/>
-                </a:solidFill>
-                <a:latin typeface="Lato"/>
-                <a:ea typeface="Open Sans Light"/>
-              </a:rPr>
-              <a:t>g</a:t>
-            </a:r>
-            <a:r>
-              <a:rPr b="1" lang="en-US" sz="1500" spc="-1" strike="noStrike">
-                <a:solidFill>
-                  <a:srgbClr val="445469"/>
-                </a:solidFill>
-                <a:latin typeface="Lato"/>
-                <a:ea typeface="Open Sans Light"/>
-              </a:rPr>
-              <a:t>i</a:t>
-            </a:r>
-            <a:r>
-              <a:rPr b="1" lang="en-US" sz="1500" spc="-1" strike="noStrike">
-                <a:solidFill>
-                  <a:srgbClr val="445469"/>
-                </a:solidFill>
-                <a:latin typeface="Lato"/>
-                <a:ea typeface="Open Sans Light"/>
-              </a:rPr>
-              <a:t>n</a:t>
-            </a:r>
-            <a:r>
-              <a:rPr b="1" lang="en-US" sz="1500" spc="-1" strike="noStrike">
-                <a:solidFill>
-                  <a:srgbClr val="445469"/>
-                </a:solidFill>
-                <a:latin typeface="Lato"/>
-                <a:ea typeface="Open Sans Light"/>
-              </a:rPr>
-              <a:t>g</a:t>
-            </a:r>
-            <a:r>
-              <a:rPr b="1" lang="en-US" sz="1500" spc="-1" strike="noStrike">
-                <a:solidFill>
-                  <a:srgbClr val="445469"/>
-                </a:solidFill>
-                <a:latin typeface="Lato"/>
-                <a:ea typeface="Open Sans Light"/>
-              </a:rPr>
-              <a:t> </a:t>
-            </a:r>
-            <a:r>
-              <a:rPr b="1" lang="en-US" sz="1500" spc="-1" strike="noStrike">
-                <a:solidFill>
-                  <a:srgbClr val="445469"/>
-                </a:solidFill>
-                <a:latin typeface="Lato"/>
-                <a:ea typeface="Open Sans Light"/>
-              </a:rPr>
-              <a:t>a</a:t>
-            </a:r>
-            <a:r>
-              <a:rPr b="1" lang="en-US" sz="1500" spc="-1" strike="noStrike">
-                <a:solidFill>
-                  <a:srgbClr val="445469"/>
-                </a:solidFill>
-                <a:latin typeface="Lato"/>
-                <a:ea typeface="Open Sans Light"/>
-              </a:rPr>
-              <a:t>n</a:t>
-            </a:r>
-            <a:r>
-              <a:rPr b="1" lang="en-US" sz="1500" spc="-1" strike="noStrike">
-                <a:solidFill>
-                  <a:srgbClr val="445469"/>
-                </a:solidFill>
-                <a:latin typeface="Lato"/>
-                <a:ea typeface="Open Sans Light"/>
-              </a:rPr>
-              <a:t>d</a:t>
-            </a:r>
-            <a:r>
-              <a:rPr b="1" lang="en-US" sz="1500" spc="-1" strike="noStrike">
-                <a:solidFill>
-                  <a:srgbClr val="445469"/>
-                </a:solidFill>
-                <a:latin typeface="Lato"/>
-                <a:ea typeface="Open Sans Light"/>
-              </a:rPr>
-              <a:t> </a:t>
-            </a:r>
-            <a:r>
-              <a:rPr b="1" lang="en-US" sz="1500" spc="-1" strike="noStrike">
-                <a:solidFill>
-                  <a:srgbClr val="445469"/>
-                </a:solidFill>
-                <a:latin typeface="Lato"/>
-                <a:ea typeface="Open Sans Light"/>
-              </a:rPr>
-              <a:t>p</a:t>
-            </a:r>
-            <a:r>
-              <a:rPr b="1" lang="en-US" sz="1500" spc="-1" strike="noStrike">
-                <a:solidFill>
-                  <a:srgbClr val="445469"/>
-                </a:solidFill>
-                <a:latin typeface="Lato"/>
-                <a:ea typeface="Open Sans Light"/>
-              </a:rPr>
-              <a:t>u</a:t>
-            </a:r>
-            <a:r>
-              <a:rPr b="1" lang="en-US" sz="1500" spc="-1" strike="noStrike">
-                <a:solidFill>
-                  <a:srgbClr val="445469"/>
-                </a:solidFill>
-                <a:latin typeface="Lato"/>
-                <a:ea typeface="Open Sans Light"/>
-              </a:rPr>
-              <a:t>b</a:t>
-            </a:r>
-            <a:r>
-              <a:rPr b="1" lang="en-US" sz="1500" spc="-1" strike="noStrike">
-                <a:solidFill>
-                  <a:srgbClr val="445469"/>
-                </a:solidFill>
-                <a:latin typeface="Lato"/>
-                <a:ea typeface="Open Sans Light"/>
-              </a:rPr>
-              <a:t>l</a:t>
-            </a:r>
-            <a:r>
-              <a:rPr b="1" lang="en-US" sz="1500" spc="-1" strike="noStrike">
-                <a:solidFill>
-                  <a:srgbClr val="445469"/>
-                </a:solidFill>
-                <a:latin typeface="Lato"/>
-                <a:ea typeface="Open Sans Light"/>
-              </a:rPr>
-              <a:t>i</a:t>
-            </a:r>
-            <a:r>
-              <a:rPr b="1" lang="en-US" sz="1500" spc="-1" strike="noStrike">
-                <a:solidFill>
-                  <a:srgbClr val="445469"/>
-                </a:solidFill>
-                <a:latin typeface="Lato"/>
-                <a:ea typeface="Open Sans Light"/>
-              </a:rPr>
-              <a:t>s</a:t>
-            </a:r>
-            <a:r>
-              <a:rPr b="1" lang="en-US" sz="1500" spc="-1" strike="noStrike">
-                <a:solidFill>
-                  <a:srgbClr val="445469"/>
-                </a:solidFill>
-                <a:latin typeface="Lato"/>
-                <a:ea typeface="Open Sans Light"/>
-              </a:rPr>
-              <a:t>h</a:t>
-            </a:r>
-            <a:r>
-              <a:rPr b="1" lang="en-US" sz="1500" spc="-1" strike="noStrike">
-                <a:solidFill>
-                  <a:srgbClr val="445469"/>
-                </a:solidFill>
-                <a:latin typeface="Lato"/>
-                <a:ea typeface="Open Sans Light"/>
-              </a:rPr>
-              <a:t>i</a:t>
-            </a:r>
-            <a:r>
-              <a:rPr b="1" lang="en-US" sz="1500" spc="-1" strike="noStrike">
-                <a:solidFill>
-                  <a:srgbClr val="445469"/>
-                </a:solidFill>
-                <a:latin typeface="Lato"/>
-                <a:ea typeface="Open Sans Light"/>
-              </a:rPr>
-              <a:t>n</a:t>
-            </a:r>
-            <a:r>
-              <a:rPr b="1" lang="en-US" sz="1500" spc="-1" strike="noStrike">
-                <a:solidFill>
-                  <a:srgbClr val="445469"/>
-                </a:solidFill>
-                <a:latin typeface="Lato"/>
-                <a:ea typeface="Open Sans Light"/>
-              </a:rPr>
-              <a:t>g</a:t>
-            </a:r>
-            <a:r>
-              <a:rPr b="1" lang="en-US" sz="1500" spc="-1" strike="noStrike">
-                <a:solidFill>
-                  <a:srgbClr val="445469"/>
-                </a:solidFill>
-                <a:latin typeface="Lato"/>
-                <a:ea typeface="Open Sans Light"/>
-              </a:rPr>
-              <a:t> </a:t>
-            </a:r>
-            <a:r>
-              <a:rPr b="1" lang="en-US" sz="1500" spc="-1" strike="noStrike">
-                <a:solidFill>
-                  <a:srgbClr val="445469"/>
-                </a:solidFill>
-                <a:latin typeface="Lato"/>
-                <a:ea typeface="Open Sans Light"/>
-              </a:rPr>
-              <a:t>f</a:t>
-            </a:r>
-            <a:r>
-              <a:rPr b="1" lang="en-US" sz="1500" spc="-1" strike="noStrike">
-                <a:solidFill>
-                  <a:srgbClr val="445469"/>
-                </a:solidFill>
-                <a:latin typeface="Lato"/>
-                <a:ea typeface="Open Sans Light"/>
-              </a:rPr>
-              <a:t>a</a:t>
-            </a:r>
-            <a:r>
-              <a:rPr b="1" lang="en-US" sz="1500" spc="-1" strike="noStrike">
-                <a:solidFill>
-                  <a:srgbClr val="445469"/>
-                </a:solidFill>
-                <a:latin typeface="Lato"/>
-                <a:ea typeface="Open Sans Light"/>
-              </a:rPr>
-              <a:t>c</a:t>
-            </a:r>
-            <a:r>
-              <a:rPr b="1" lang="en-US" sz="1500" spc="-1" strike="noStrike">
-                <a:solidFill>
-                  <a:srgbClr val="445469"/>
-                </a:solidFill>
-                <a:latin typeface="Lato"/>
-                <a:ea typeface="Open Sans Light"/>
-              </a:rPr>
-              <a:t>t</a:t>
-            </a:r>
-            <a:r>
-              <a:rPr b="1" lang="en-US" sz="1500" spc="-1" strike="noStrike">
-                <a:solidFill>
-                  <a:srgbClr val="445469"/>
-                </a:solidFill>
-                <a:latin typeface="Lato"/>
-                <a:ea typeface="Open Sans Light"/>
-              </a:rPr>
-              <a:t>s</a:t>
-            </a:r>
-            <a:r>
-              <a:rPr b="1" lang="en-US" sz="1500" spc="-1" strike="noStrike">
-                <a:solidFill>
-                  <a:srgbClr val="445469"/>
-                </a:solidFill>
-                <a:latin typeface="Lato"/>
-                <a:ea typeface="Open Sans Light"/>
-              </a:rPr>
-              <a:t> </a:t>
-            </a:r>
-            <a:r>
-              <a:rPr b="1" lang="en-US" sz="1500" spc="-1" strike="noStrike">
-                <a:solidFill>
-                  <a:srgbClr val="445469"/>
-                </a:solidFill>
-                <a:latin typeface="Lato"/>
-                <a:ea typeface="Open Sans Light"/>
-              </a:rPr>
-              <a:t>t</a:t>
-            </a:r>
-            <a:r>
-              <a:rPr b="1" lang="en-US" sz="1500" spc="-1" strike="noStrike">
-                <a:solidFill>
-                  <a:srgbClr val="445469"/>
-                </a:solidFill>
-                <a:latin typeface="Lato"/>
-                <a:ea typeface="Open Sans Light"/>
-              </a:rPr>
-              <a:t>o</a:t>
-            </a:r>
-            <a:r>
-              <a:rPr b="1" lang="en-US" sz="1500" spc="-1" strike="noStrike">
-                <a:solidFill>
-                  <a:srgbClr val="445469"/>
-                </a:solidFill>
-                <a:latin typeface="Lato"/>
-                <a:ea typeface="Open Sans Light"/>
-              </a:rPr>
-              <a:t> </a:t>
-            </a:r>
-            <a:r>
-              <a:rPr b="1" lang="en-US" sz="1500" spc="-1" strike="noStrike">
-                <a:solidFill>
-                  <a:srgbClr val="445469"/>
-                </a:solidFill>
-                <a:latin typeface="Lato"/>
-                <a:ea typeface="Open Sans Light"/>
-              </a:rPr>
-              <a:t>i</a:t>
-            </a:r>
-            <a:r>
-              <a:rPr b="1" lang="en-US" sz="1500" spc="-1" strike="noStrike">
-                <a:solidFill>
-                  <a:srgbClr val="445469"/>
-                </a:solidFill>
-                <a:latin typeface="Lato"/>
-                <a:ea typeface="Open Sans Light"/>
-              </a:rPr>
-              <a:t>l</a:t>
-            </a:r>
-            <a:r>
-              <a:rPr b="1" lang="en-US" sz="1500" spc="-1" strike="noStrike">
-                <a:solidFill>
-                  <a:srgbClr val="445469"/>
-                </a:solidFill>
-                <a:latin typeface="Lato"/>
-                <a:ea typeface="Open Sans Light"/>
-              </a:rPr>
-              <a:t>l</a:t>
-            </a:r>
-            <a:r>
-              <a:rPr b="1" lang="en-US" sz="1500" spc="-1" strike="noStrike">
-                <a:solidFill>
-                  <a:srgbClr val="445469"/>
-                </a:solidFill>
-                <a:latin typeface="Lato"/>
-                <a:ea typeface="Open Sans Light"/>
-              </a:rPr>
-              <a:t>u</a:t>
-            </a:r>
-            <a:r>
-              <a:rPr b="1" lang="en-US" sz="1500" spc="-1" strike="noStrike">
-                <a:solidFill>
-                  <a:srgbClr val="445469"/>
-                </a:solidFill>
-                <a:latin typeface="Lato"/>
-                <a:ea typeface="Open Sans Light"/>
-              </a:rPr>
-              <a:t>s</a:t>
-            </a:r>
-            <a:r>
-              <a:rPr b="1" lang="en-US" sz="1500" spc="-1" strike="noStrike">
-                <a:solidFill>
-                  <a:srgbClr val="445469"/>
-                </a:solidFill>
-                <a:latin typeface="Lato"/>
-                <a:ea typeface="Open Sans Light"/>
-              </a:rPr>
-              <a:t>t</a:t>
-            </a:r>
-            <a:r>
-              <a:rPr b="1" lang="en-US" sz="1500" spc="-1" strike="noStrike">
-                <a:solidFill>
-                  <a:srgbClr val="445469"/>
-                </a:solidFill>
-                <a:latin typeface="Lato"/>
-                <a:ea typeface="Open Sans Light"/>
-              </a:rPr>
-              <a:t>r</a:t>
-            </a:r>
-            <a:r>
-              <a:rPr b="1" lang="en-US" sz="1500" spc="-1" strike="noStrike">
-                <a:solidFill>
-                  <a:srgbClr val="445469"/>
-                </a:solidFill>
-                <a:latin typeface="Lato"/>
-                <a:ea typeface="Open Sans Light"/>
-              </a:rPr>
-              <a:t>a</a:t>
-            </a:r>
-            <a:r>
-              <a:rPr b="1" lang="en-US" sz="1500" spc="-1" strike="noStrike">
-                <a:solidFill>
-                  <a:srgbClr val="445469"/>
-                </a:solidFill>
-                <a:latin typeface="Lato"/>
-                <a:ea typeface="Open Sans Light"/>
-              </a:rPr>
-              <a:t>t</a:t>
-            </a:r>
-            <a:r>
-              <a:rPr b="1" lang="en-US" sz="1500" spc="-1" strike="noStrike">
-                <a:solidFill>
-                  <a:srgbClr val="445469"/>
-                </a:solidFill>
-                <a:latin typeface="Lato"/>
-                <a:ea typeface="Open Sans Light"/>
-              </a:rPr>
-              <a:t>e</a:t>
-            </a:r>
-            <a:r>
-              <a:rPr b="1" lang="en-US" sz="1500" spc="-1" strike="noStrike">
-                <a:solidFill>
-                  <a:srgbClr val="445469"/>
-                </a:solidFill>
-                <a:latin typeface="Lato"/>
-                <a:ea typeface="Open Sans Light"/>
-              </a:rPr>
-              <a:t> </a:t>
-            </a:r>
-            <a:r>
-              <a:rPr b="1" lang="en-US" sz="1500" spc="-1" strike="noStrike">
-                <a:solidFill>
-                  <a:srgbClr val="445469"/>
-                </a:solidFill>
-                <a:latin typeface="Lato"/>
-                <a:ea typeface="Open Sans Light"/>
-              </a:rPr>
-              <a:t>t</a:t>
-            </a:r>
-            <a:r>
-              <a:rPr b="1" lang="en-US" sz="1500" spc="-1" strike="noStrike">
-                <a:solidFill>
-                  <a:srgbClr val="445469"/>
-                </a:solidFill>
-                <a:latin typeface="Lato"/>
-                <a:ea typeface="Open Sans Light"/>
-              </a:rPr>
-              <a:t>h</a:t>
-            </a:r>
-            <a:r>
-              <a:rPr b="1" lang="en-US" sz="1500" spc="-1" strike="noStrike">
-                <a:solidFill>
-                  <a:srgbClr val="445469"/>
-                </a:solidFill>
-                <a:latin typeface="Lato"/>
-                <a:ea typeface="Open Sans Light"/>
-              </a:rPr>
-              <a:t>e</a:t>
-            </a:r>
-            <a:r>
-              <a:rPr b="1" lang="en-US" sz="1500" spc="-1" strike="noStrike">
-                <a:solidFill>
-                  <a:srgbClr val="445469"/>
-                </a:solidFill>
-                <a:latin typeface="Lato"/>
-                <a:ea typeface="Open Sans Light"/>
-              </a:rPr>
-              <a:t> </a:t>
-            </a:r>
-            <a:r>
-              <a:rPr b="1" lang="en-US" sz="1500" spc="-1" strike="noStrike">
-                <a:solidFill>
-                  <a:srgbClr val="445469"/>
-                </a:solidFill>
-                <a:latin typeface="Lato"/>
-                <a:ea typeface="Open Sans Light"/>
-              </a:rPr>
-              <a:t>c</a:t>
-            </a:r>
-            <a:r>
-              <a:rPr b="1" lang="en-US" sz="1500" spc="-1" strike="noStrike">
-                <a:solidFill>
-                  <a:srgbClr val="445469"/>
-                </a:solidFill>
-                <a:latin typeface="Lato"/>
-                <a:ea typeface="Open Sans Light"/>
-              </a:rPr>
-              <a:t>o</a:t>
-            </a:r>
-            <a:r>
-              <a:rPr b="1" lang="en-US" sz="1500" spc="-1" strike="noStrike">
-                <a:solidFill>
-                  <a:srgbClr val="445469"/>
-                </a:solidFill>
-                <a:latin typeface="Lato"/>
-                <a:ea typeface="Open Sans Light"/>
-              </a:rPr>
-              <a:t>n</a:t>
-            </a:r>
-            <a:r>
-              <a:rPr b="1" lang="en-US" sz="1500" spc="-1" strike="noStrike">
-                <a:solidFill>
-                  <a:srgbClr val="445469"/>
-                </a:solidFill>
-                <a:latin typeface="Lato"/>
-                <a:ea typeface="Open Sans Light"/>
-              </a:rPr>
-              <a:t>d</a:t>
-            </a:r>
-            <a:r>
-              <a:rPr b="1" lang="en-US" sz="1500" spc="-1" strike="noStrike">
-                <a:solidFill>
-                  <a:srgbClr val="445469"/>
-                </a:solidFill>
-                <a:latin typeface="Lato"/>
-                <a:ea typeface="Open Sans Light"/>
-              </a:rPr>
-              <a:t>i</a:t>
-            </a:r>
-            <a:r>
-              <a:rPr b="1" lang="en-US" sz="1500" spc="-1" strike="noStrike">
-                <a:solidFill>
-                  <a:srgbClr val="445469"/>
-                </a:solidFill>
-                <a:latin typeface="Lato"/>
-                <a:ea typeface="Open Sans Light"/>
-              </a:rPr>
-              <a:t>t</a:t>
-            </a:r>
-            <a:r>
-              <a:rPr b="1" lang="en-US" sz="1500" spc="-1" strike="noStrike">
-                <a:solidFill>
-                  <a:srgbClr val="445469"/>
-                </a:solidFill>
-                <a:latin typeface="Lato"/>
-                <a:ea typeface="Open Sans Light"/>
-              </a:rPr>
-              <a:t>i</a:t>
-            </a:r>
-            <a:r>
-              <a:rPr b="1" lang="en-US" sz="1500" spc="-1" strike="noStrike">
-                <a:solidFill>
-                  <a:srgbClr val="445469"/>
-                </a:solidFill>
-                <a:latin typeface="Lato"/>
-                <a:ea typeface="Open Sans Light"/>
-              </a:rPr>
-              <a:t>o</a:t>
-            </a:r>
-            <a:r>
-              <a:rPr b="1" lang="en-US" sz="1500" spc="-1" strike="noStrike">
-                <a:solidFill>
-                  <a:srgbClr val="445469"/>
-                </a:solidFill>
-                <a:latin typeface="Lato"/>
-                <a:ea typeface="Open Sans Light"/>
-              </a:rPr>
-              <a:t>n</a:t>
-            </a:r>
-            <a:r>
-              <a:rPr b="1" lang="en-US" sz="1500" spc="-1" strike="noStrike">
-                <a:solidFill>
-                  <a:srgbClr val="445469"/>
-                </a:solidFill>
-                <a:latin typeface="Lato"/>
-                <a:ea typeface="Open Sans Light"/>
-              </a:rPr>
-              <a:t> </a:t>
-            </a:r>
-            <a:r>
-              <a:rPr b="1" lang="en-US" sz="1500" spc="-1" strike="noStrike">
-                <a:solidFill>
-                  <a:srgbClr val="445469"/>
-                </a:solidFill>
-                <a:latin typeface="Lato"/>
-                <a:ea typeface="Open Sans Light"/>
-              </a:rPr>
-              <a:t>a</a:t>
-            </a:r>
-            <a:r>
-              <a:rPr b="1" lang="en-US" sz="1500" spc="-1" strike="noStrike">
-                <a:solidFill>
-                  <a:srgbClr val="445469"/>
-                </a:solidFill>
-                <a:latin typeface="Lato"/>
-                <a:ea typeface="Open Sans Light"/>
-              </a:rPr>
-              <a:t>n</a:t>
-            </a:r>
-            <a:r>
-              <a:rPr b="1" lang="en-US" sz="1500" spc="-1" strike="noStrike">
-                <a:solidFill>
-                  <a:srgbClr val="445469"/>
-                </a:solidFill>
-                <a:latin typeface="Lato"/>
-                <a:ea typeface="Open Sans Light"/>
-              </a:rPr>
-              <a:t>d</a:t>
-            </a:r>
-            <a:r>
-              <a:rPr b="1" lang="en-US" sz="1500" spc="-1" strike="noStrike">
-                <a:solidFill>
-                  <a:srgbClr val="445469"/>
-                </a:solidFill>
-                <a:latin typeface="Lato"/>
-                <a:ea typeface="Open Sans Light"/>
-              </a:rPr>
-              <a:t> </a:t>
-            </a:r>
-            <a:r>
-              <a:rPr b="1" lang="en-US" sz="1500" spc="-1" strike="noStrike">
-                <a:solidFill>
-                  <a:srgbClr val="445469"/>
-                </a:solidFill>
-                <a:latin typeface="Lato"/>
-                <a:ea typeface="Open Sans Light"/>
-              </a:rPr>
-              <a:t>p</a:t>
-            </a:r>
-            <a:r>
-              <a:rPr b="1" lang="en-US" sz="1500" spc="-1" strike="noStrike">
-                <a:solidFill>
-                  <a:srgbClr val="445469"/>
-                </a:solidFill>
-                <a:latin typeface="Lato"/>
-                <a:ea typeface="Open Sans Light"/>
-              </a:rPr>
-              <a:t>r</a:t>
-            </a:r>
-            <a:r>
-              <a:rPr b="1" lang="en-US" sz="1500" spc="-1" strike="noStrike">
-                <a:solidFill>
-                  <a:srgbClr val="445469"/>
-                </a:solidFill>
-                <a:latin typeface="Lato"/>
-                <a:ea typeface="Open Sans Light"/>
-              </a:rPr>
-              <a:t>o</a:t>
-            </a:r>
-            <a:r>
-              <a:rPr b="1" lang="en-US" sz="1500" spc="-1" strike="noStrike">
-                <a:solidFill>
-                  <a:srgbClr val="445469"/>
-                </a:solidFill>
-                <a:latin typeface="Lato"/>
-                <a:ea typeface="Open Sans Light"/>
-              </a:rPr>
-              <a:t>s</a:t>
-            </a:r>
-            <a:r>
-              <a:rPr b="1" lang="en-US" sz="1500" spc="-1" strike="noStrike">
-                <a:solidFill>
-                  <a:srgbClr val="445469"/>
-                </a:solidFill>
-                <a:latin typeface="Lato"/>
-                <a:ea typeface="Open Sans Light"/>
-              </a:rPr>
-              <a:t>p</a:t>
-            </a:r>
-            <a:r>
-              <a:rPr b="1" lang="en-US" sz="1500" spc="-1" strike="noStrike">
-                <a:solidFill>
-                  <a:srgbClr val="445469"/>
-                </a:solidFill>
-                <a:latin typeface="Lato"/>
-                <a:ea typeface="Open Sans Light"/>
-              </a:rPr>
-              <a:t>e</a:t>
-            </a:r>
-            <a:r>
-              <a:rPr b="1" lang="en-US" sz="1500" spc="-1" strike="noStrike">
-                <a:solidFill>
-                  <a:srgbClr val="445469"/>
-                </a:solidFill>
-                <a:latin typeface="Lato"/>
-                <a:ea typeface="Open Sans Light"/>
-              </a:rPr>
-              <a:t>c</a:t>
-            </a:r>
-            <a:r>
-              <a:rPr b="1" lang="en-US" sz="1500" spc="-1" strike="noStrike">
-                <a:solidFill>
-                  <a:srgbClr val="445469"/>
-                </a:solidFill>
-                <a:latin typeface="Lato"/>
-                <a:ea typeface="Open Sans Light"/>
-              </a:rPr>
-              <a:t>t</a:t>
-            </a:r>
-            <a:r>
-              <a:rPr b="1" lang="en-US" sz="1500" spc="-1" strike="noStrike">
-                <a:solidFill>
-                  <a:srgbClr val="445469"/>
-                </a:solidFill>
-                <a:latin typeface="Lato"/>
-                <a:ea typeface="Open Sans Light"/>
-              </a:rPr>
-              <a:t>s</a:t>
-            </a:r>
-            <a:r>
-              <a:rPr b="1" lang="en-US" sz="1500" spc="-1" strike="noStrike">
-                <a:solidFill>
-                  <a:srgbClr val="445469"/>
-                </a:solidFill>
-                <a:latin typeface="Lato"/>
-                <a:ea typeface="Open Sans Light"/>
-              </a:rPr>
-              <a:t> </a:t>
-            </a:r>
-            <a:r>
-              <a:rPr b="1" lang="en-US" sz="1500" spc="-1" strike="noStrike">
-                <a:solidFill>
-                  <a:srgbClr val="445469"/>
-                </a:solidFill>
-                <a:latin typeface="Lato"/>
-                <a:ea typeface="Open Sans Light"/>
-              </a:rPr>
-              <a:t>o</a:t>
-            </a:r>
-            <a:r>
-              <a:rPr b="1" lang="en-US" sz="1500" spc="-1" strike="noStrike">
-                <a:solidFill>
-                  <a:srgbClr val="445469"/>
-                </a:solidFill>
-                <a:latin typeface="Lato"/>
-                <a:ea typeface="Open Sans Light"/>
-              </a:rPr>
-              <a:t>f</a:t>
-            </a:r>
-            <a:r>
-              <a:rPr b="1" lang="en-US" sz="1500" spc="-1" strike="noStrike">
-                <a:solidFill>
-                  <a:srgbClr val="445469"/>
-                </a:solidFill>
-                <a:latin typeface="Lato"/>
-                <a:ea typeface="Open Sans Light"/>
-              </a:rPr>
-              <a:t> </a:t>
-            </a:r>
-            <a:r>
-              <a:rPr b="1" lang="en-US" sz="1500" spc="-1" strike="noStrike">
-                <a:solidFill>
-                  <a:srgbClr val="445469"/>
-                </a:solidFill>
-                <a:latin typeface="Lato"/>
-                <a:ea typeface="Open Sans Light"/>
-              </a:rPr>
-              <a:t>s</a:t>
-            </a:r>
-            <a:r>
-              <a:rPr b="1" lang="en-US" sz="1500" spc="-1" strike="noStrike">
-                <a:solidFill>
-                  <a:srgbClr val="445469"/>
-                </a:solidFill>
-                <a:latin typeface="Lato"/>
-                <a:ea typeface="Open Sans Light"/>
-              </a:rPr>
-              <a:t>o</a:t>
-            </a:r>
-            <a:r>
-              <a:rPr b="1" lang="en-US" sz="1500" spc="-1" strike="noStrike">
-                <a:solidFill>
-                  <a:srgbClr val="445469"/>
-                </a:solidFill>
-                <a:latin typeface="Lato"/>
-                <a:ea typeface="Open Sans Light"/>
-              </a:rPr>
-              <a:t>c</a:t>
-            </a:r>
-            <a:r>
-              <a:rPr b="1" lang="en-US" sz="1500" spc="-1" strike="noStrike">
-                <a:solidFill>
-                  <a:srgbClr val="445469"/>
-                </a:solidFill>
-                <a:latin typeface="Lato"/>
-                <a:ea typeface="Open Sans Light"/>
-              </a:rPr>
-              <a:t>i</a:t>
-            </a:r>
-            <a:r>
-              <a:rPr b="1" lang="en-US" sz="1500" spc="-1" strike="noStrike">
-                <a:solidFill>
-                  <a:srgbClr val="445469"/>
-                </a:solidFill>
-                <a:latin typeface="Lato"/>
-                <a:ea typeface="Open Sans Light"/>
-              </a:rPr>
-              <a:t>e</a:t>
-            </a:r>
-            <a:r>
-              <a:rPr b="1" lang="en-US" sz="1500" spc="-1" strike="noStrike">
-                <a:solidFill>
-                  <a:srgbClr val="445469"/>
-                </a:solidFill>
-                <a:latin typeface="Lato"/>
-                <a:ea typeface="Open Sans Light"/>
-              </a:rPr>
-              <a:t>t</a:t>
-            </a:r>
-            <a:r>
-              <a:rPr b="1" lang="en-US" sz="1500" spc="-1" strike="noStrike">
-                <a:solidFill>
-                  <a:srgbClr val="445469"/>
-                </a:solidFill>
-                <a:latin typeface="Lato"/>
-                <a:ea typeface="Open Sans Light"/>
-              </a:rPr>
-              <a:t>y</a:t>
-            </a:r>
-            <a:r>
-              <a:rPr b="1" lang="en-US" sz="1500" spc="-1" strike="noStrike">
-                <a:solidFill>
-                  <a:srgbClr val="445469"/>
-                </a:solidFill>
-                <a:latin typeface="Lato"/>
-                <a:ea typeface="Open Sans Light"/>
-              </a:rPr>
-              <a:t>”</a:t>
+              <a:t>The Questionnaire although commonly used today has a history of less than 200 years. It’s origins have been attributed to the Statistical Society of London in 1838 whose main goal was ”procuring, arranging and publishing facts to illustrate the condition and prospects of society”</a:t>
             </a:r>
             <a:endParaRPr b="0" lang="en-AU" sz="1500" spc="-1" strike="noStrike">
               <a:latin typeface="Arial"/>
@@ -8848,1017 +6118,7 @@
                 <a:latin typeface="Lato"/>
                 <a:ea typeface="Open Sans Light"/>
               </a:rPr>
-              <a:t>T</a:t>
-            </a:r>
-            <a:r>
-              <a:rPr b="1" lang="en-US" sz="1500" spc="-1" strike="noStrike">
-                <a:solidFill>
-                  <a:srgbClr val="445469"/>
-                </a:solidFill>
-                <a:latin typeface="Lato"/>
-                <a:ea typeface="Open Sans Light"/>
-              </a:rPr>
-              <a:t>h</a:t>
-            </a:r>
-            <a:r>
-              <a:rPr b="1" lang="en-US" sz="1500" spc="-1" strike="noStrike">
-                <a:solidFill>
-                  <a:srgbClr val="445469"/>
-                </a:solidFill>
-                <a:latin typeface="Lato"/>
-                <a:ea typeface="Open Sans Light"/>
-              </a:rPr>
-              <a:t>e</a:t>
-            </a:r>
-            <a:r>
-              <a:rPr b="1" lang="en-US" sz="1500" spc="-1" strike="noStrike">
-                <a:solidFill>
-                  <a:srgbClr val="445469"/>
-                </a:solidFill>
-                <a:latin typeface="Lato"/>
-                <a:ea typeface="Open Sans Light"/>
-              </a:rPr>
-              <a:t> </a:t>
-            </a:r>
-            <a:r>
-              <a:rPr b="1" lang="en-US" sz="1500" spc="-1" strike="noStrike">
-                <a:solidFill>
-                  <a:srgbClr val="445469"/>
-                </a:solidFill>
-                <a:latin typeface="Lato"/>
-                <a:ea typeface="Open Sans Light"/>
-              </a:rPr>
-              <a:t>a</a:t>
-            </a:r>
-            <a:r>
-              <a:rPr b="1" lang="en-US" sz="1500" spc="-1" strike="noStrike">
-                <a:solidFill>
-                  <a:srgbClr val="445469"/>
-                </a:solidFill>
-                <a:latin typeface="Lato"/>
-                <a:ea typeface="Open Sans Light"/>
-              </a:rPr>
-              <a:t>n</a:t>
-            </a:r>
-            <a:r>
-              <a:rPr b="1" lang="en-US" sz="1500" spc="-1" strike="noStrike">
-                <a:solidFill>
-                  <a:srgbClr val="445469"/>
-                </a:solidFill>
-                <a:latin typeface="Lato"/>
-                <a:ea typeface="Open Sans Light"/>
-              </a:rPr>
-              <a:t>s</a:t>
-            </a:r>
-            <a:r>
-              <a:rPr b="1" lang="en-US" sz="1500" spc="-1" strike="noStrike">
-                <a:solidFill>
-                  <a:srgbClr val="445469"/>
-                </a:solidFill>
-                <a:latin typeface="Lato"/>
-                <a:ea typeface="Open Sans Light"/>
-              </a:rPr>
-              <a:t>w</a:t>
-            </a:r>
-            <a:r>
-              <a:rPr b="1" lang="en-US" sz="1500" spc="-1" strike="noStrike">
-                <a:solidFill>
-                  <a:srgbClr val="445469"/>
-                </a:solidFill>
-                <a:latin typeface="Lato"/>
-                <a:ea typeface="Open Sans Light"/>
-              </a:rPr>
-              <a:t>e</a:t>
-            </a:r>
-            <a:r>
-              <a:rPr b="1" lang="en-US" sz="1500" spc="-1" strike="noStrike">
-                <a:solidFill>
-                  <a:srgbClr val="445469"/>
-                </a:solidFill>
-                <a:latin typeface="Lato"/>
-                <a:ea typeface="Open Sans Light"/>
-              </a:rPr>
-              <a:t>r</a:t>
-            </a:r>
-            <a:r>
-              <a:rPr b="1" lang="en-US" sz="1500" spc="-1" strike="noStrike">
-                <a:solidFill>
-                  <a:srgbClr val="445469"/>
-                </a:solidFill>
-                <a:latin typeface="Lato"/>
-                <a:ea typeface="Open Sans Light"/>
-              </a:rPr>
-              <a:t>s</a:t>
-            </a:r>
-            <a:r>
-              <a:rPr b="1" lang="en-US" sz="1500" spc="-1" strike="noStrike">
-                <a:solidFill>
-                  <a:srgbClr val="445469"/>
-                </a:solidFill>
-                <a:latin typeface="Lato"/>
-                <a:ea typeface="Open Sans Light"/>
-              </a:rPr>
-              <a:t> </a:t>
-            </a:r>
-            <a:r>
-              <a:rPr b="1" lang="en-US" sz="1500" spc="-1" strike="noStrike">
-                <a:solidFill>
-                  <a:srgbClr val="445469"/>
-                </a:solidFill>
-                <a:latin typeface="Lato"/>
-                <a:ea typeface="Open Sans Light"/>
-              </a:rPr>
-              <a:t>t</a:t>
-            </a:r>
-            <a:r>
-              <a:rPr b="1" lang="en-US" sz="1500" spc="-1" strike="noStrike">
-                <a:solidFill>
-                  <a:srgbClr val="445469"/>
-                </a:solidFill>
-                <a:latin typeface="Lato"/>
-                <a:ea typeface="Open Sans Light"/>
-              </a:rPr>
-              <a:t>o</a:t>
-            </a:r>
-            <a:r>
-              <a:rPr b="1" lang="en-US" sz="1500" spc="-1" strike="noStrike">
-                <a:solidFill>
-                  <a:srgbClr val="445469"/>
-                </a:solidFill>
-                <a:latin typeface="Lato"/>
-                <a:ea typeface="Open Sans Light"/>
-              </a:rPr>
-              <a:t> </a:t>
-            </a:r>
-            <a:r>
-              <a:rPr b="1" lang="en-US" sz="1500" spc="-1" strike="noStrike">
-                <a:solidFill>
-                  <a:srgbClr val="445469"/>
-                </a:solidFill>
-                <a:latin typeface="Lato"/>
-                <a:ea typeface="Open Sans Light"/>
-              </a:rPr>
-              <a:t>s</a:t>
-            </a:r>
-            <a:r>
-              <a:rPr b="1" lang="en-US" sz="1500" spc="-1" strike="noStrike">
-                <a:solidFill>
-                  <a:srgbClr val="445469"/>
-                </a:solidFill>
-                <a:latin typeface="Lato"/>
-                <a:ea typeface="Open Sans Light"/>
-              </a:rPr>
-              <a:t>u</a:t>
-            </a:r>
-            <a:r>
-              <a:rPr b="1" lang="en-US" sz="1500" spc="-1" strike="noStrike">
-                <a:solidFill>
-                  <a:srgbClr val="445469"/>
-                </a:solidFill>
-                <a:latin typeface="Lato"/>
-                <a:ea typeface="Open Sans Light"/>
-              </a:rPr>
-              <a:t>c</a:t>
-            </a:r>
-            <a:r>
-              <a:rPr b="1" lang="en-US" sz="1500" spc="-1" strike="noStrike">
-                <a:solidFill>
-                  <a:srgbClr val="445469"/>
-                </a:solidFill>
-                <a:latin typeface="Lato"/>
-                <a:ea typeface="Open Sans Light"/>
-              </a:rPr>
-              <a:t>h</a:t>
-            </a:r>
-            <a:r>
-              <a:rPr b="1" lang="en-US" sz="1500" spc="-1" strike="noStrike">
-                <a:solidFill>
-                  <a:srgbClr val="445469"/>
-                </a:solidFill>
-                <a:latin typeface="Lato"/>
-                <a:ea typeface="Open Sans Light"/>
-              </a:rPr>
-              <a:t> </a:t>
-            </a:r>
-            <a:r>
-              <a:rPr b="1" lang="en-US" sz="1500" spc="-1" strike="noStrike">
-                <a:solidFill>
-                  <a:srgbClr val="445469"/>
-                </a:solidFill>
-                <a:latin typeface="Lato"/>
-                <a:ea typeface="Open Sans Light"/>
-              </a:rPr>
-              <a:t>q</a:t>
-            </a:r>
-            <a:r>
-              <a:rPr b="1" lang="en-US" sz="1500" spc="-1" strike="noStrike">
-                <a:solidFill>
-                  <a:srgbClr val="445469"/>
-                </a:solidFill>
-                <a:latin typeface="Lato"/>
-                <a:ea typeface="Open Sans Light"/>
-              </a:rPr>
-              <a:t>u</a:t>
-            </a:r>
-            <a:r>
-              <a:rPr b="1" lang="en-US" sz="1500" spc="-1" strike="noStrike">
-                <a:solidFill>
-                  <a:srgbClr val="445469"/>
-                </a:solidFill>
-                <a:latin typeface="Lato"/>
-                <a:ea typeface="Open Sans Light"/>
-              </a:rPr>
-              <a:t>e</a:t>
-            </a:r>
-            <a:r>
-              <a:rPr b="1" lang="en-US" sz="1500" spc="-1" strike="noStrike">
-                <a:solidFill>
-                  <a:srgbClr val="445469"/>
-                </a:solidFill>
-                <a:latin typeface="Lato"/>
-                <a:ea typeface="Open Sans Light"/>
-              </a:rPr>
-              <a:t>s</a:t>
-            </a:r>
-            <a:r>
-              <a:rPr b="1" lang="en-US" sz="1500" spc="-1" strike="noStrike">
-                <a:solidFill>
-                  <a:srgbClr val="445469"/>
-                </a:solidFill>
-                <a:latin typeface="Lato"/>
-                <a:ea typeface="Open Sans Light"/>
-              </a:rPr>
-              <a:t>t</a:t>
-            </a:r>
-            <a:r>
-              <a:rPr b="1" lang="en-US" sz="1500" spc="-1" strike="noStrike">
-                <a:solidFill>
-                  <a:srgbClr val="445469"/>
-                </a:solidFill>
-                <a:latin typeface="Lato"/>
-                <a:ea typeface="Open Sans Light"/>
-              </a:rPr>
-              <a:t>i</a:t>
-            </a:r>
-            <a:r>
-              <a:rPr b="1" lang="en-US" sz="1500" spc="-1" strike="noStrike">
-                <a:solidFill>
-                  <a:srgbClr val="445469"/>
-                </a:solidFill>
-                <a:latin typeface="Lato"/>
-                <a:ea typeface="Open Sans Light"/>
-              </a:rPr>
-              <a:t>o</a:t>
-            </a:r>
-            <a:r>
-              <a:rPr b="1" lang="en-US" sz="1500" spc="-1" strike="noStrike">
-                <a:solidFill>
-                  <a:srgbClr val="445469"/>
-                </a:solidFill>
-                <a:latin typeface="Lato"/>
-                <a:ea typeface="Open Sans Light"/>
-              </a:rPr>
-              <a:t>n</a:t>
-            </a:r>
-            <a:r>
-              <a:rPr b="1" lang="en-US" sz="1500" spc="-1" strike="noStrike">
-                <a:solidFill>
-                  <a:srgbClr val="445469"/>
-                </a:solidFill>
-                <a:latin typeface="Lato"/>
-                <a:ea typeface="Open Sans Light"/>
-              </a:rPr>
-              <a:t>n</a:t>
-            </a:r>
-            <a:r>
-              <a:rPr b="1" lang="en-US" sz="1500" spc="-1" strike="noStrike">
-                <a:solidFill>
-                  <a:srgbClr val="445469"/>
-                </a:solidFill>
-                <a:latin typeface="Lato"/>
-                <a:ea typeface="Open Sans Light"/>
-              </a:rPr>
-              <a:t>a</a:t>
-            </a:r>
-            <a:r>
-              <a:rPr b="1" lang="en-US" sz="1500" spc="-1" strike="noStrike">
-                <a:solidFill>
-                  <a:srgbClr val="445469"/>
-                </a:solidFill>
-                <a:latin typeface="Lato"/>
-                <a:ea typeface="Open Sans Light"/>
-              </a:rPr>
-              <a:t>i</a:t>
-            </a:r>
-            <a:r>
-              <a:rPr b="1" lang="en-US" sz="1500" spc="-1" strike="noStrike">
-                <a:solidFill>
-                  <a:srgbClr val="445469"/>
-                </a:solidFill>
-                <a:latin typeface="Lato"/>
-                <a:ea typeface="Open Sans Light"/>
-              </a:rPr>
-              <a:t>r</a:t>
-            </a:r>
-            <a:r>
-              <a:rPr b="1" lang="en-US" sz="1500" spc="-1" strike="noStrike">
-                <a:solidFill>
-                  <a:srgbClr val="445469"/>
-                </a:solidFill>
-                <a:latin typeface="Lato"/>
-                <a:ea typeface="Open Sans Light"/>
-              </a:rPr>
-              <a:t>e</a:t>
-            </a:r>
-            <a:r>
-              <a:rPr b="1" lang="en-US" sz="1500" spc="-1" strike="noStrike">
-                <a:solidFill>
-                  <a:srgbClr val="445469"/>
-                </a:solidFill>
-                <a:latin typeface="Lato"/>
-                <a:ea typeface="Open Sans Light"/>
-              </a:rPr>
-              <a:t>’</a:t>
-            </a:r>
-            <a:r>
-              <a:rPr b="1" lang="en-US" sz="1500" spc="-1" strike="noStrike">
-                <a:solidFill>
-                  <a:srgbClr val="445469"/>
-                </a:solidFill>
-                <a:latin typeface="Lato"/>
-                <a:ea typeface="Open Sans Light"/>
-              </a:rPr>
-              <a:t>s</a:t>
-            </a:r>
-            <a:r>
-              <a:rPr b="1" lang="en-US" sz="1500" spc="-1" strike="noStrike">
-                <a:solidFill>
-                  <a:srgbClr val="445469"/>
-                </a:solidFill>
-                <a:latin typeface="Lato"/>
-                <a:ea typeface="Open Sans Light"/>
-              </a:rPr>
-              <a:t> </a:t>
-            </a:r>
-            <a:r>
-              <a:rPr b="1" lang="en-US" sz="1500" spc="-1" strike="noStrike">
-                <a:solidFill>
-                  <a:srgbClr val="445469"/>
-                </a:solidFill>
-                <a:latin typeface="Lato"/>
-                <a:ea typeface="Open Sans Light"/>
-              </a:rPr>
-              <a:t>c</a:t>
-            </a:r>
-            <a:r>
-              <a:rPr b="1" lang="en-US" sz="1500" spc="-1" strike="noStrike">
-                <a:solidFill>
-                  <a:srgbClr val="445469"/>
-                </a:solidFill>
-                <a:latin typeface="Lato"/>
-                <a:ea typeface="Open Sans Light"/>
-              </a:rPr>
-              <a:t>a</a:t>
-            </a:r>
-            <a:r>
-              <a:rPr b="1" lang="en-US" sz="1500" spc="-1" strike="noStrike">
-                <a:solidFill>
-                  <a:srgbClr val="445469"/>
-                </a:solidFill>
-                <a:latin typeface="Lato"/>
-                <a:ea typeface="Open Sans Light"/>
-              </a:rPr>
-              <a:t>n</a:t>
-            </a:r>
-            <a:r>
-              <a:rPr b="1" lang="en-US" sz="1500" spc="-1" strike="noStrike">
-                <a:solidFill>
-                  <a:srgbClr val="445469"/>
-                </a:solidFill>
-                <a:latin typeface="Lato"/>
-                <a:ea typeface="Open Sans Light"/>
-              </a:rPr>
-              <a:t> </a:t>
-            </a:r>
-            <a:r>
-              <a:rPr b="1" lang="en-US" sz="1500" spc="-1" strike="noStrike">
-                <a:solidFill>
-                  <a:srgbClr val="445469"/>
-                </a:solidFill>
-                <a:latin typeface="Lato"/>
-                <a:ea typeface="Open Sans Light"/>
-              </a:rPr>
-              <a:t>b</a:t>
-            </a:r>
-            <a:r>
-              <a:rPr b="1" lang="en-US" sz="1500" spc="-1" strike="noStrike">
-                <a:solidFill>
-                  <a:srgbClr val="445469"/>
-                </a:solidFill>
-                <a:latin typeface="Lato"/>
-                <a:ea typeface="Open Sans Light"/>
-              </a:rPr>
-              <a:t>e</a:t>
-            </a:r>
-            <a:r>
-              <a:rPr b="1" lang="en-US" sz="1500" spc="-1" strike="noStrike">
-                <a:solidFill>
-                  <a:srgbClr val="445469"/>
-                </a:solidFill>
-                <a:latin typeface="Lato"/>
-                <a:ea typeface="Open Sans Light"/>
-              </a:rPr>
-              <a:t> </a:t>
-            </a:r>
-            <a:r>
-              <a:rPr b="1" lang="en-US" sz="1500" spc="-1" strike="noStrike">
-                <a:solidFill>
-                  <a:srgbClr val="445469"/>
-                </a:solidFill>
-                <a:latin typeface="Lato"/>
-                <a:ea typeface="Open Sans Light"/>
-              </a:rPr>
-              <a:t>s</a:t>
-            </a:r>
-            <a:r>
-              <a:rPr b="1" lang="en-US" sz="1500" spc="-1" strike="noStrike">
-                <a:solidFill>
-                  <a:srgbClr val="445469"/>
-                </a:solidFill>
-                <a:latin typeface="Lato"/>
-                <a:ea typeface="Open Sans Light"/>
-              </a:rPr>
-              <a:t>u</a:t>
-            </a:r>
-            <a:r>
-              <a:rPr b="1" lang="en-US" sz="1500" spc="-1" strike="noStrike">
-                <a:solidFill>
-                  <a:srgbClr val="445469"/>
-                </a:solidFill>
-                <a:latin typeface="Lato"/>
-                <a:ea typeface="Open Sans Light"/>
-              </a:rPr>
-              <a:t>m</a:t>
-            </a:r>
-            <a:r>
-              <a:rPr b="1" lang="en-US" sz="1500" spc="-1" strike="noStrike">
-                <a:solidFill>
-                  <a:srgbClr val="445469"/>
-                </a:solidFill>
-                <a:latin typeface="Lato"/>
-                <a:ea typeface="Open Sans Light"/>
-              </a:rPr>
-              <a:t>m</a:t>
-            </a:r>
-            <a:r>
-              <a:rPr b="1" lang="en-US" sz="1500" spc="-1" strike="noStrike">
-                <a:solidFill>
-                  <a:srgbClr val="445469"/>
-                </a:solidFill>
-                <a:latin typeface="Lato"/>
-                <a:ea typeface="Open Sans Light"/>
-              </a:rPr>
-              <a:t>a</a:t>
-            </a:r>
-            <a:r>
-              <a:rPr b="1" lang="en-US" sz="1500" spc="-1" strike="noStrike">
-                <a:solidFill>
-                  <a:srgbClr val="445469"/>
-                </a:solidFill>
-                <a:latin typeface="Lato"/>
-                <a:ea typeface="Open Sans Light"/>
-              </a:rPr>
-              <a:t>r</a:t>
-            </a:r>
-            <a:r>
-              <a:rPr b="1" lang="en-US" sz="1500" spc="-1" strike="noStrike">
-                <a:solidFill>
-                  <a:srgbClr val="445469"/>
-                </a:solidFill>
-                <a:latin typeface="Lato"/>
-                <a:ea typeface="Open Sans Light"/>
-              </a:rPr>
-              <a:t>i</a:t>
-            </a:r>
-            <a:r>
-              <a:rPr b="1" lang="en-US" sz="1500" spc="-1" strike="noStrike">
-                <a:solidFill>
-                  <a:srgbClr val="445469"/>
-                </a:solidFill>
-                <a:latin typeface="Lato"/>
-                <a:ea typeface="Open Sans Light"/>
-              </a:rPr>
-              <a:t>s</a:t>
-            </a:r>
-            <a:r>
-              <a:rPr b="1" lang="en-US" sz="1500" spc="-1" strike="noStrike">
-                <a:solidFill>
-                  <a:srgbClr val="445469"/>
-                </a:solidFill>
-                <a:latin typeface="Lato"/>
-                <a:ea typeface="Open Sans Light"/>
-              </a:rPr>
-              <a:t>e</a:t>
-            </a:r>
-            <a:r>
-              <a:rPr b="1" lang="en-US" sz="1500" spc="-1" strike="noStrike">
-                <a:solidFill>
-                  <a:srgbClr val="445469"/>
-                </a:solidFill>
-                <a:latin typeface="Lato"/>
-                <a:ea typeface="Open Sans Light"/>
-              </a:rPr>
-              <a:t>d</a:t>
-            </a:r>
-            <a:r>
-              <a:rPr b="1" lang="en-US" sz="1500" spc="-1" strike="noStrike">
-                <a:solidFill>
-                  <a:srgbClr val="445469"/>
-                </a:solidFill>
-                <a:latin typeface="Lato"/>
-                <a:ea typeface="Open Sans Light"/>
-              </a:rPr>
-              <a:t> </a:t>
-            </a:r>
-            <a:r>
-              <a:rPr b="1" lang="en-US" sz="1500" spc="-1" strike="noStrike">
-                <a:solidFill>
-                  <a:srgbClr val="445469"/>
-                </a:solidFill>
-                <a:latin typeface="Lato"/>
-                <a:ea typeface="Open Sans Light"/>
-              </a:rPr>
-              <a:t>i</a:t>
-            </a:r>
-            <a:r>
-              <a:rPr b="1" lang="en-US" sz="1500" spc="-1" strike="noStrike">
-                <a:solidFill>
-                  <a:srgbClr val="445469"/>
-                </a:solidFill>
-                <a:latin typeface="Lato"/>
-                <a:ea typeface="Open Sans Light"/>
-              </a:rPr>
-              <a:t>n</a:t>
-            </a:r>
-            <a:r>
-              <a:rPr b="1" lang="en-US" sz="1500" spc="-1" strike="noStrike">
-                <a:solidFill>
-                  <a:srgbClr val="445469"/>
-                </a:solidFill>
-                <a:latin typeface="Lato"/>
-                <a:ea typeface="Open Sans Light"/>
-              </a:rPr>
-              <a:t>t</a:t>
-            </a:r>
-            <a:r>
-              <a:rPr b="1" lang="en-US" sz="1500" spc="-1" strike="noStrike">
-                <a:solidFill>
-                  <a:srgbClr val="445469"/>
-                </a:solidFill>
-                <a:latin typeface="Lato"/>
-                <a:ea typeface="Open Sans Light"/>
-              </a:rPr>
-              <a:t>o</a:t>
-            </a:r>
-            <a:r>
-              <a:rPr b="1" lang="en-US" sz="1500" spc="-1" strike="noStrike">
-                <a:solidFill>
-                  <a:srgbClr val="445469"/>
-                </a:solidFill>
-                <a:latin typeface="Lato"/>
-                <a:ea typeface="Open Sans Light"/>
-              </a:rPr>
-              <a:t> </a:t>
-            </a:r>
-            <a:r>
-              <a:rPr b="1" lang="en-US" sz="1500" spc="-1" strike="noStrike">
-                <a:solidFill>
-                  <a:srgbClr val="445469"/>
-                </a:solidFill>
-                <a:latin typeface="Lato"/>
-                <a:ea typeface="Open Sans Light"/>
-              </a:rPr>
-              <a:t>t</a:t>
-            </a:r>
-            <a:r>
-              <a:rPr b="1" lang="en-US" sz="1500" spc="-1" strike="noStrike">
-                <a:solidFill>
-                  <a:srgbClr val="445469"/>
-                </a:solidFill>
-                <a:latin typeface="Lato"/>
-                <a:ea typeface="Open Sans Light"/>
-              </a:rPr>
-              <a:t>w</a:t>
-            </a:r>
-            <a:r>
-              <a:rPr b="1" lang="en-US" sz="1500" spc="-1" strike="noStrike">
-                <a:solidFill>
-                  <a:srgbClr val="445469"/>
-                </a:solidFill>
-                <a:latin typeface="Lato"/>
-                <a:ea typeface="Open Sans Light"/>
-              </a:rPr>
-              <a:t>o</a:t>
-            </a:r>
-            <a:r>
-              <a:rPr b="1" lang="en-US" sz="1500" spc="-1" strike="noStrike">
-                <a:solidFill>
-                  <a:srgbClr val="445469"/>
-                </a:solidFill>
-                <a:latin typeface="Lato"/>
-                <a:ea typeface="Open Sans Light"/>
-              </a:rPr>
-              <a:t> </a:t>
-            </a:r>
-            <a:r>
-              <a:rPr b="1" lang="en-US" sz="1500" spc="-1" strike="noStrike">
-                <a:solidFill>
-                  <a:srgbClr val="445469"/>
-                </a:solidFill>
-                <a:latin typeface="Lato"/>
-                <a:ea typeface="Open Sans Light"/>
-              </a:rPr>
-              <a:t>b</a:t>
-            </a:r>
-            <a:r>
-              <a:rPr b="1" lang="en-US" sz="1500" spc="-1" strike="noStrike">
-                <a:solidFill>
-                  <a:srgbClr val="445469"/>
-                </a:solidFill>
-                <a:latin typeface="Lato"/>
-                <a:ea typeface="Open Sans Light"/>
-              </a:rPr>
-              <a:t>r</a:t>
-            </a:r>
-            <a:r>
-              <a:rPr b="1" lang="en-US" sz="1500" spc="-1" strike="noStrike">
-                <a:solidFill>
-                  <a:srgbClr val="445469"/>
-                </a:solidFill>
-                <a:latin typeface="Lato"/>
-                <a:ea typeface="Open Sans Light"/>
-              </a:rPr>
-              <a:t>o</a:t>
-            </a:r>
-            <a:r>
-              <a:rPr b="1" lang="en-US" sz="1500" spc="-1" strike="noStrike">
-                <a:solidFill>
-                  <a:srgbClr val="445469"/>
-                </a:solidFill>
-                <a:latin typeface="Lato"/>
-                <a:ea typeface="Open Sans Light"/>
-              </a:rPr>
-              <a:t>a</a:t>
-            </a:r>
-            <a:r>
-              <a:rPr b="1" lang="en-US" sz="1500" spc="-1" strike="noStrike">
-                <a:solidFill>
-                  <a:srgbClr val="445469"/>
-                </a:solidFill>
-                <a:latin typeface="Lato"/>
-                <a:ea typeface="Open Sans Light"/>
-              </a:rPr>
-              <a:t>d</a:t>
-            </a:r>
-            <a:r>
-              <a:rPr b="1" lang="en-US" sz="1500" spc="-1" strike="noStrike">
-                <a:solidFill>
-                  <a:srgbClr val="445469"/>
-                </a:solidFill>
-                <a:latin typeface="Lato"/>
-                <a:ea typeface="Open Sans Light"/>
-              </a:rPr>
-              <a:t> </a:t>
-            </a:r>
-            <a:r>
-              <a:rPr b="1" lang="en-US" sz="1500" spc="-1" strike="noStrike">
-                <a:solidFill>
-                  <a:srgbClr val="445469"/>
-                </a:solidFill>
-                <a:latin typeface="Lato"/>
-                <a:ea typeface="Open Sans Light"/>
-              </a:rPr>
-              <a:t>c</a:t>
-            </a:r>
-            <a:r>
-              <a:rPr b="1" lang="en-US" sz="1500" spc="-1" strike="noStrike">
-                <a:solidFill>
-                  <a:srgbClr val="445469"/>
-                </a:solidFill>
-                <a:latin typeface="Lato"/>
-                <a:ea typeface="Open Sans Light"/>
-              </a:rPr>
-              <a:t>a</a:t>
-            </a:r>
-            <a:r>
-              <a:rPr b="1" lang="en-US" sz="1500" spc="-1" strike="noStrike">
-                <a:solidFill>
-                  <a:srgbClr val="445469"/>
-                </a:solidFill>
-                <a:latin typeface="Lato"/>
-                <a:ea typeface="Open Sans Light"/>
-              </a:rPr>
-              <a:t>t</a:t>
-            </a:r>
-            <a:r>
-              <a:rPr b="1" lang="en-US" sz="1500" spc="-1" strike="noStrike">
-                <a:solidFill>
-                  <a:srgbClr val="445469"/>
-                </a:solidFill>
-                <a:latin typeface="Lato"/>
-                <a:ea typeface="Open Sans Light"/>
-              </a:rPr>
-              <a:t>e</a:t>
-            </a:r>
-            <a:r>
-              <a:rPr b="1" lang="en-US" sz="1500" spc="-1" strike="noStrike">
-                <a:solidFill>
-                  <a:srgbClr val="445469"/>
-                </a:solidFill>
-                <a:latin typeface="Lato"/>
-                <a:ea typeface="Open Sans Light"/>
-              </a:rPr>
-              <a:t>g</a:t>
-            </a:r>
-            <a:r>
-              <a:rPr b="1" lang="en-US" sz="1500" spc="-1" strike="noStrike">
-                <a:solidFill>
-                  <a:srgbClr val="445469"/>
-                </a:solidFill>
-                <a:latin typeface="Lato"/>
-                <a:ea typeface="Open Sans Light"/>
-              </a:rPr>
-              <a:t>o</a:t>
-            </a:r>
-            <a:r>
-              <a:rPr b="1" lang="en-US" sz="1500" spc="-1" strike="noStrike">
-                <a:solidFill>
-                  <a:srgbClr val="445469"/>
-                </a:solidFill>
-                <a:latin typeface="Lato"/>
-                <a:ea typeface="Open Sans Light"/>
-              </a:rPr>
-              <a:t>r</a:t>
-            </a:r>
-            <a:r>
-              <a:rPr b="1" lang="en-US" sz="1500" spc="-1" strike="noStrike">
-                <a:solidFill>
-                  <a:srgbClr val="445469"/>
-                </a:solidFill>
-                <a:latin typeface="Lato"/>
-                <a:ea typeface="Open Sans Light"/>
-              </a:rPr>
-              <a:t>i</a:t>
-            </a:r>
-            <a:r>
-              <a:rPr b="1" lang="en-US" sz="1500" spc="-1" strike="noStrike">
-                <a:solidFill>
-                  <a:srgbClr val="445469"/>
-                </a:solidFill>
-                <a:latin typeface="Lato"/>
-                <a:ea typeface="Open Sans Light"/>
-              </a:rPr>
-              <a:t>e</a:t>
-            </a:r>
-            <a:r>
-              <a:rPr b="1" lang="en-US" sz="1500" spc="-1" strike="noStrike">
-                <a:solidFill>
-                  <a:srgbClr val="445469"/>
-                </a:solidFill>
-                <a:latin typeface="Lato"/>
-                <a:ea typeface="Open Sans Light"/>
-              </a:rPr>
-              <a:t>s</a:t>
-            </a:r>
-            <a:r>
-              <a:rPr b="1" lang="en-US" sz="1500" spc="-1" strike="noStrike">
-                <a:solidFill>
-                  <a:srgbClr val="445469"/>
-                </a:solidFill>
-                <a:latin typeface="Lato"/>
-                <a:ea typeface="Open Sans Light"/>
-              </a:rPr>
-              <a:t> </a:t>
-            </a:r>
-            <a:r>
-              <a:rPr b="1" lang="en-US" sz="1500" spc="-1" strike="noStrike">
-                <a:solidFill>
-                  <a:srgbClr val="445469"/>
-                </a:solidFill>
-                <a:latin typeface="Lato"/>
-                <a:ea typeface="Open Sans Light"/>
-              </a:rPr>
-              <a:t>(</a:t>
-            </a:r>
-            <a:r>
-              <a:rPr b="1" lang="en-US" sz="1500" spc="-1" strike="noStrike">
-                <a:solidFill>
-                  <a:srgbClr val="445469"/>
-                </a:solidFill>
-                <a:latin typeface="Lato"/>
-                <a:ea typeface="Open Sans Light"/>
-              </a:rPr>
-              <a:t>M</a:t>
-            </a:r>
-            <a:r>
-              <a:rPr b="1" lang="en-US" sz="1500" spc="-1" strike="noStrike">
-                <a:solidFill>
-                  <a:srgbClr val="445469"/>
-                </a:solidFill>
-                <a:latin typeface="Lato"/>
-                <a:ea typeface="Open Sans Light"/>
-              </a:rPr>
-              <a:t>a</a:t>
-            </a:r>
-            <a:r>
-              <a:rPr b="1" lang="en-US" sz="1500" spc="-1" strike="noStrike">
-                <a:solidFill>
-                  <a:srgbClr val="445469"/>
-                </a:solidFill>
-                <a:latin typeface="Lato"/>
-                <a:ea typeface="Open Sans Light"/>
-              </a:rPr>
-              <a:t>r</a:t>
-            </a:r>
-            <a:r>
-              <a:rPr b="1" lang="en-US" sz="1500" spc="-1" strike="noStrike">
-                <a:solidFill>
-                  <a:srgbClr val="445469"/>
-                </a:solidFill>
-                <a:latin typeface="Lato"/>
-                <a:ea typeface="Open Sans Light"/>
-              </a:rPr>
-              <a:t>s</a:t>
-            </a:r>
-            <a:r>
-              <a:rPr b="1" lang="en-US" sz="1500" spc="-1" strike="noStrike">
-                <a:solidFill>
-                  <a:srgbClr val="445469"/>
-                </a:solidFill>
-                <a:latin typeface="Lato"/>
-                <a:ea typeface="Open Sans Light"/>
-              </a:rPr>
-              <a:t>h</a:t>
-            </a:r>
-            <a:r>
-              <a:rPr b="1" lang="en-US" sz="1500" spc="-1" strike="noStrike">
-                <a:solidFill>
-                  <a:srgbClr val="445469"/>
-                </a:solidFill>
-                <a:latin typeface="Lato"/>
-                <a:ea typeface="Open Sans Light"/>
-              </a:rPr>
-              <a:t>a</a:t>
-            </a:r>
-            <a:r>
-              <a:rPr b="1" lang="en-US" sz="1500" spc="-1" strike="noStrike">
-                <a:solidFill>
-                  <a:srgbClr val="445469"/>
-                </a:solidFill>
-                <a:latin typeface="Lato"/>
-                <a:ea typeface="Open Sans Light"/>
-              </a:rPr>
-              <a:t>l</a:t>
-            </a:r>
-            <a:r>
-              <a:rPr b="1" lang="en-US" sz="1500" spc="-1" strike="noStrike">
-                <a:solidFill>
-                  <a:srgbClr val="445469"/>
-                </a:solidFill>
-                <a:latin typeface="Lato"/>
-                <a:ea typeface="Open Sans Light"/>
-              </a:rPr>
-              <a:t>l</a:t>
-            </a:r>
-            <a:r>
-              <a:rPr b="1" lang="en-US" sz="1500" spc="-1" strike="noStrike">
-                <a:solidFill>
-                  <a:srgbClr val="445469"/>
-                </a:solidFill>
-                <a:latin typeface="Lato"/>
-                <a:ea typeface="Open Sans Light"/>
-              </a:rPr>
-              <a:t>,</a:t>
-            </a:r>
-            <a:r>
-              <a:rPr b="1" lang="en-US" sz="1500" spc="-1" strike="noStrike">
-                <a:solidFill>
-                  <a:srgbClr val="445469"/>
-                </a:solidFill>
-                <a:latin typeface="Lato"/>
-                <a:ea typeface="Open Sans Light"/>
-              </a:rPr>
-              <a:t> </a:t>
-            </a:r>
-            <a:r>
-              <a:rPr b="1" lang="en-US" sz="1500" spc="-1" strike="noStrike">
-                <a:solidFill>
-                  <a:srgbClr val="445469"/>
-                </a:solidFill>
-                <a:latin typeface="Lato"/>
-                <a:ea typeface="Open Sans Light"/>
-              </a:rPr>
-              <a:t>2</a:t>
-            </a:r>
-            <a:r>
-              <a:rPr b="1" lang="en-US" sz="1500" spc="-1" strike="noStrike">
-                <a:solidFill>
-                  <a:srgbClr val="445469"/>
-                </a:solidFill>
-                <a:latin typeface="Lato"/>
-                <a:ea typeface="Open Sans Light"/>
-              </a:rPr>
-              <a:t>0</a:t>
-            </a:r>
-            <a:r>
-              <a:rPr b="1" lang="en-US" sz="1500" spc="-1" strike="noStrike">
-                <a:solidFill>
-                  <a:srgbClr val="445469"/>
-                </a:solidFill>
-                <a:latin typeface="Lato"/>
-                <a:ea typeface="Open Sans Light"/>
-              </a:rPr>
-              <a:t>0</a:t>
-            </a:r>
-            <a:r>
-              <a:rPr b="1" lang="en-US" sz="1500" spc="-1" strike="noStrike">
-                <a:solidFill>
-                  <a:srgbClr val="445469"/>
-                </a:solidFill>
-                <a:latin typeface="Lato"/>
-                <a:ea typeface="Open Sans Light"/>
-              </a:rPr>
-              <a:t>5</a:t>
-            </a:r>
-            <a:r>
-              <a:rPr b="1" lang="en-US" sz="1500" spc="-1" strike="noStrike">
-                <a:solidFill>
-                  <a:srgbClr val="445469"/>
-                </a:solidFill>
-                <a:latin typeface="Lato"/>
-                <a:ea typeface="Open Sans Light"/>
-              </a:rPr>
-              <a:t> </a:t>
-            </a:r>
-            <a:r>
-              <a:rPr b="1" lang="en-US" sz="1500" spc="-1" strike="noStrike">
-                <a:solidFill>
-                  <a:srgbClr val="445469"/>
-                </a:solidFill>
-                <a:latin typeface="Lato"/>
-                <a:ea typeface="Open Sans Light"/>
-              </a:rPr>
-              <a:t>[</a:t>
-            </a:r>
-            <a:r>
-              <a:rPr b="1" lang="en-US" sz="1500" spc="-1" strike="noStrike">
-                <a:solidFill>
-                  <a:srgbClr val="445469"/>
-                </a:solidFill>
-                <a:latin typeface="Lato"/>
-                <a:ea typeface="Open Sans Light"/>
-              </a:rPr>
-              <a:t>3</a:t>
-            </a:r>
-            <a:r>
-              <a:rPr b="1" lang="en-US" sz="1500" spc="-1" strike="noStrike">
-                <a:solidFill>
-                  <a:srgbClr val="445469"/>
-                </a:solidFill>
-                <a:latin typeface="Lato"/>
-                <a:ea typeface="Open Sans Light"/>
-              </a:rPr>
-              <a:t>8</a:t>
-            </a:r>
-            <a:r>
-              <a:rPr b="1" lang="en-US" sz="1500" spc="-1" strike="noStrike">
-                <a:solidFill>
-                  <a:srgbClr val="445469"/>
-                </a:solidFill>
-                <a:latin typeface="Lato"/>
-                <a:ea typeface="Open Sans Light"/>
-              </a:rPr>
-              <a:t>]</a:t>
-            </a:r>
-            <a:r>
-              <a:rPr b="1" lang="en-US" sz="1500" spc="-1" strike="noStrike">
-                <a:solidFill>
-                  <a:srgbClr val="445469"/>
-                </a:solidFill>
-                <a:latin typeface="Lato"/>
-                <a:ea typeface="Open Sans Light"/>
-              </a:rPr>
-              <a:t>)</a:t>
-            </a:r>
-            <a:r>
-              <a:rPr b="1" lang="en-US" sz="1500" spc="-1" strike="noStrike">
-                <a:solidFill>
-                  <a:srgbClr val="445469"/>
-                </a:solidFill>
-                <a:latin typeface="Lato"/>
-                <a:ea typeface="Open Sans Light"/>
-              </a:rPr>
-              <a:t> </a:t>
+              <a:t>The answers to such questionnaire’s can be summarised into two broad categories (Marshall, 2005 [38]) </a:t>
             </a:r>
             <a:endParaRPr b="0" lang="en-AU" sz="1500" spc="-1" strike="noStrike">
               <a:latin typeface="Arial"/>
@@ -9894,7 +6154,7 @@
                 <a:latin typeface="Lato"/>
                 <a:ea typeface="Open Sans Light"/>
               </a:rPr>
-              <a:t>1</a:t>
+              <a:t>1.</a:t>
             </a:r>
             <a:r>
               <a:rPr b="1" lang="en-US" sz="1500" spc="-1" strike="noStrike">
@@ -9904,7 +6164,7 @@
                 <a:latin typeface="Lato"/>
                 <a:ea typeface="Open Sans Light"/>
               </a:rPr>
-              <a:t>.</a:t>
+              <a:t>	</a:t>
             </a:r>
             <a:r>
               <a:rPr b="1" lang="en-US" sz="1500" spc="-1" strike="noStrike">
@@ -9924,7 +6184,7 @@
                 <a:latin typeface="Lato"/>
                 <a:ea typeface="Open Sans Light"/>
               </a:rPr>
-              <a:t>	</a:t>
+              <a:t>Open-ended – where the question allows the participant to enter whatever they feel is </a:t>
             </a:r>
             <a:r>
               <a:rPr b="1" lang="en-US" sz="1500" spc="-1" strike="noStrike">
@@ -9934,7 +6194,7 @@
                 <a:latin typeface="Lato"/>
                 <a:ea typeface="Open Sans Light"/>
               </a:rPr>
-              <a:t>O</a:t>
+              <a:t>	</a:t>
             </a:r>
             <a:r>
               <a:rPr b="1" lang="en-US" sz="1500" spc="-1" strike="noStrike">
@@ -9944,7 +6204,7 @@
                 <a:latin typeface="Lato"/>
                 <a:ea typeface="Open Sans Light"/>
               </a:rPr>
-              <a:t>p</a:t>
+              <a:t>	</a:t>
             </a:r>
             <a:r>
               <a:rPr b="1" lang="en-US" sz="1500" spc="-1" strike="noStrike">
@@ -9954,7 +6214,7 @@
                 <a:latin typeface="Lato"/>
                 <a:ea typeface="Open Sans Light"/>
               </a:rPr>
-              <a:t>e</a:t>
+              <a:t>	</a:t>
             </a:r>
             <a:r>
               <a:rPr b="1" lang="en-US" sz="1500" spc="-1" strike="noStrike">
@@ -9964,7 +6224,7 @@
                 <a:latin typeface="Lato"/>
                 <a:ea typeface="Open Sans Light"/>
               </a:rPr>
-              <a:t>n</a:t>
+              <a:t>	</a:t>
             </a:r>
             <a:r>
               <a:rPr b="1" lang="en-US" sz="1500" spc="-1" strike="noStrike">
@@ -9974,7 +6234,7 @@
                 <a:latin typeface="Lato"/>
                 <a:ea typeface="Open Sans Light"/>
               </a:rPr>
-              <a:t>-</a:t>
+              <a:t>appropriate with no restrictions being </a:t>
             </a:r>
             <a:r>
               <a:rPr b="1" lang="en-US" sz="1500" spc="-1" strike="noStrike">
@@ -9984,7 +6244,7 @@
                 <a:latin typeface="Lato"/>
                 <a:ea typeface="Open Sans Light"/>
               </a:rPr>
-              <a:t>e</a:t>
+              <a:t>	</a:t>
             </a:r>
             <a:r>
               <a:rPr b="1" lang="en-US" sz="1500" spc="-1" strike="noStrike">
@@ -9994,1357 +6254,7 @@
                 <a:latin typeface="Lato"/>
                 <a:ea typeface="Open Sans Light"/>
               </a:rPr>
-              <a:t>n</a:t>
-            </a:r>
-            <a:r>
-              <a:rPr b="1" lang="en-US" sz="1500" spc="-1" strike="noStrike">
-                <a:solidFill>
-                  <a:srgbClr val="445469"/>
-                </a:solidFill>
-                <a:latin typeface="Lato"/>
-                <a:ea typeface="Open Sans Light"/>
-              </a:rPr>
-              <a:t>d</a:t>
-            </a:r>
-            <a:r>
-              <a:rPr b="1" lang="en-US" sz="1500" spc="-1" strike="noStrike">
-                <a:solidFill>
-                  <a:srgbClr val="445469"/>
-                </a:solidFill>
-                <a:latin typeface="Lato"/>
-                <a:ea typeface="Open Sans Light"/>
-              </a:rPr>
-              <a:t>e</a:t>
-            </a:r>
-            <a:r>
-              <a:rPr b="1" lang="en-US" sz="1500" spc="-1" strike="noStrike">
-                <a:solidFill>
-                  <a:srgbClr val="445469"/>
-                </a:solidFill>
-                <a:latin typeface="Lato"/>
-                <a:ea typeface="Open Sans Light"/>
-              </a:rPr>
-              <a:t>d</a:t>
-            </a:r>
-            <a:r>
-              <a:rPr b="1" lang="en-US" sz="1500" spc="-1" strike="noStrike">
-                <a:solidFill>
-                  <a:srgbClr val="445469"/>
-                </a:solidFill>
-                <a:latin typeface="Lato"/>
-                <a:ea typeface="Open Sans Light"/>
-              </a:rPr>
-              <a:t> </a:t>
-            </a:r>
-            <a:r>
-              <a:rPr b="1" lang="en-US" sz="1500" spc="-1" strike="noStrike">
-                <a:solidFill>
-                  <a:srgbClr val="445469"/>
-                </a:solidFill>
-                <a:latin typeface="Lato"/>
-                <a:ea typeface="Open Sans Light"/>
-              </a:rPr>
-              <a:t>–</a:t>
-            </a:r>
-            <a:r>
-              <a:rPr b="1" lang="en-US" sz="1500" spc="-1" strike="noStrike">
-                <a:solidFill>
-                  <a:srgbClr val="445469"/>
-                </a:solidFill>
-                <a:latin typeface="Lato"/>
-                <a:ea typeface="Open Sans Light"/>
-              </a:rPr>
-              <a:t> </a:t>
-            </a:r>
-            <a:r>
-              <a:rPr b="1" lang="en-US" sz="1500" spc="-1" strike="noStrike">
-                <a:solidFill>
-                  <a:srgbClr val="445469"/>
-                </a:solidFill>
-                <a:latin typeface="Lato"/>
-                <a:ea typeface="Open Sans Light"/>
-              </a:rPr>
-              <a:t>w</a:t>
-            </a:r>
-            <a:r>
-              <a:rPr b="1" lang="en-US" sz="1500" spc="-1" strike="noStrike">
-                <a:solidFill>
-                  <a:srgbClr val="445469"/>
-                </a:solidFill>
-                <a:latin typeface="Lato"/>
-                <a:ea typeface="Open Sans Light"/>
-              </a:rPr>
-              <a:t>h</a:t>
-            </a:r>
-            <a:r>
-              <a:rPr b="1" lang="en-US" sz="1500" spc="-1" strike="noStrike">
-                <a:solidFill>
-                  <a:srgbClr val="445469"/>
-                </a:solidFill>
-                <a:latin typeface="Lato"/>
-                <a:ea typeface="Open Sans Light"/>
-              </a:rPr>
-              <a:t>e</a:t>
-            </a:r>
-            <a:r>
-              <a:rPr b="1" lang="en-US" sz="1500" spc="-1" strike="noStrike">
-                <a:solidFill>
-                  <a:srgbClr val="445469"/>
-                </a:solidFill>
-                <a:latin typeface="Lato"/>
-                <a:ea typeface="Open Sans Light"/>
-              </a:rPr>
-              <a:t>r</a:t>
-            </a:r>
-            <a:r>
-              <a:rPr b="1" lang="en-US" sz="1500" spc="-1" strike="noStrike">
-                <a:solidFill>
-                  <a:srgbClr val="445469"/>
-                </a:solidFill>
-                <a:latin typeface="Lato"/>
-                <a:ea typeface="Open Sans Light"/>
-              </a:rPr>
-              <a:t>e</a:t>
-            </a:r>
-            <a:r>
-              <a:rPr b="1" lang="en-US" sz="1500" spc="-1" strike="noStrike">
-                <a:solidFill>
-                  <a:srgbClr val="445469"/>
-                </a:solidFill>
-                <a:latin typeface="Lato"/>
-                <a:ea typeface="Open Sans Light"/>
-              </a:rPr>
-              <a:t> </a:t>
-            </a:r>
-            <a:r>
-              <a:rPr b="1" lang="en-US" sz="1500" spc="-1" strike="noStrike">
-                <a:solidFill>
-                  <a:srgbClr val="445469"/>
-                </a:solidFill>
-                <a:latin typeface="Lato"/>
-                <a:ea typeface="Open Sans Light"/>
-              </a:rPr>
-              <a:t>t</a:t>
-            </a:r>
-            <a:r>
-              <a:rPr b="1" lang="en-US" sz="1500" spc="-1" strike="noStrike">
-                <a:solidFill>
-                  <a:srgbClr val="445469"/>
-                </a:solidFill>
-                <a:latin typeface="Lato"/>
-                <a:ea typeface="Open Sans Light"/>
-              </a:rPr>
-              <a:t>h</a:t>
-            </a:r>
-            <a:r>
-              <a:rPr b="1" lang="en-US" sz="1500" spc="-1" strike="noStrike">
-                <a:solidFill>
-                  <a:srgbClr val="445469"/>
-                </a:solidFill>
-                <a:latin typeface="Lato"/>
-                <a:ea typeface="Open Sans Light"/>
-              </a:rPr>
-              <a:t>e</a:t>
-            </a:r>
-            <a:r>
-              <a:rPr b="1" lang="en-US" sz="1500" spc="-1" strike="noStrike">
-                <a:solidFill>
-                  <a:srgbClr val="445469"/>
-                </a:solidFill>
-                <a:latin typeface="Lato"/>
-                <a:ea typeface="Open Sans Light"/>
-              </a:rPr>
-              <a:t> </a:t>
-            </a:r>
-            <a:r>
-              <a:rPr b="1" lang="en-US" sz="1500" spc="-1" strike="noStrike">
-                <a:solidFill>
-                  <a:srgbClr val="445469"/>
-                </a:solidFill>
-                <a:latin typeface="Lato"/>
-                <a:ea typeface="Open Sans Light"/>
-              </a:rPr>
-              <a:t>q</a:t>
-            </a:r>
-            <a:r>
-              <a:rPr b="1" lang="en-US" sz="1500" spc="-1" strike="noStrike">
-                <a:solidFill>
-                  <a:srgbClr val="445469"/>
-                </a:solidFill>
-                <a:latin typeface="Lato"/>
-                <a:ea typeface="Open Sans Light"/>
-              </a:rPr>
-              <a:t>u</a:t>
-            </a:r>
-            <a:r>
-              <a:rPr b="1" lang="en-US" sz="1500" spc="-1" strike="noStrike">
-                <a:solidFill>
-                  <a:srgbClr val="445469"/>
-                </a:solidFill>
-                <a:latin typeface="Lato"/>
-                <a:ea typeface="Open Sans Light"/>
-              </a:rPr>
-              <a:t>e</a:t>
-            </a:r>
-            <a:r>
-              <a:rPr b="1" lang="en-US" sz="1500" spc="-1" strike="noStrike">
-                <a:solidFill>
-                  <a:srgbClr val="445469"/>
-                </a:solidFill>
-                <a:latin typeface="Lato"/>
-                <a:ea typeface="Open Sans Light"/>
-              </a:rPr>
-              <a:t>s</a:t>
-            </a:r>
-            <a:r>
-              <a:rPr b="1" lang="en-US" sz="1500" spc="-1" strike="noStrike">
-                <a:solidFill>
-                  <a:srgbClr val="445469"/>
-                </a:solidFill>
-                <a:latin typeface="Lato"/>
-                <a:ea typeface="Open Sans Light"/>
-              </a:rPr>
-              <a:t>t</a:t>
-            </a:r>
-            <a:r>
-              <a:rPr b="1" lang="en-US" sz="1500" spc="-1" strike="noStrike">
-                <a:solidFill>
-                  <a:srgbClr val="445469"/>
-                </a:solidFill>
-                <a:latin typeface="Lato"/>
-                <a:ea typeface="Open Sans Light"/>
-              </a:rPr>
-              <a:t>i</a:t>
-            </a:r>
-            <a:r>
-              <a:rPr b="1" lang="en-US" sz="1500" spc="-1" strike="noStrike">
-                <a:solidFill>
-                  <a:srgbClr val="445469"/>
-                </a:solidFill>
-                <a:latin typeface="Lato"/>
-                <a:ea typeface="Open Sans Light"/>
-              </a:rPr>
-              <a:t>o</a:t>
-            </a:r>
-            <a:r>
-              <a:rPr b="1" lang="en-US" sz="1500" spc="-1" strike="noStrike">
-                <a:solidFill>
-                  <a:srgbClr val="445469"/>
-                </a:solidFill>
-                <a:latin typeface="Lato"/>
-                <a:ea typeface="Open Sans Light"/>
-              </a:rPr>
-              <a:t>n</a:t>
-            </a:r>
-            <a:r>
-              <a:rPr b="1" lang="en-US" sz="1500" spc="-1" strike="noStrike">
-                <a:solidFill>
-                  <a:srgbClr val="445469"/>
-                </a:solidFill>
-                <a:latin typeface="Lato"/>
-                <a:ea typeface="Open Sans Light"/>
-              </a:rPr>
-              <a:t> </a:t>
-            </a:r>
-            <a:r>
-              <a:rPr b="1" lang="en-US" sz="1500" spc="-1" strike="noStrike">
-                <a:solidFill>
-                  <a:srgbClr val="445469"/>
-                </a:solidFill>
-                <a:latin typeface="Lato"/>
-                <a:ea typeface="Open Sans Light"/>
-              </a:rPr>
-              <a:t>a</a:t>
-            </a:r>
-            <a:r>
-              <a:rPr b="1" lang="en-US" sz="1500" spc="-1" strike="noStrike">
-                <a:solidFill>
-                  <a:srgbClr val="445469"/>
-                </a:solidFill>
-                <a:latin typeface="Lato"/>
-                <a:ea typeface="Open Sans Light"/>
-              </a:rPr>
-              <a:t>l</a:t>
-            </a:r>
-            <a:r>
-              <a:rPr b="1" lang="en-US" sz="1500" spc="-1" strike="noStrike">
-                <a:solidFill>
-                  <a:srgbClr val="445469"/>
-                </a:solidFill>
-                <a:latin typeface="Lato"/>
-                <a:ea typeface="Open Sans Light"/>
-              </a:rPr>
-              <a:t>l</a:t>
-            </a:r>
-            <a:r>
-              <a:rPr b="1" lang="en-US" sz="1500" spc="-1" strike="noStrike">
-                <a:solidFill>
-                  <a:srgbClr val="445469"/>
-                </a:solidFill>
-                <a:latin typeface="Lato"/>
-                <a:ea typeface="Open Sans Light"/>
-              </a:rPr>
-              <a:t>o</a:t>
-            </a:r>
-            <a:r>
-              <a:rPr b="1" lang="en-US" sz="1500" spc="-1" strike="noStrike">
-                <a:solidFill>
-                  <a:srgbClr val="445469"/>
-                </a:solidFill>
-                <a:latin typeface="Lato"/>
-                <a:ea typeface="Open Sans Light"/>
-              </a:rPr>
-              <a:t>w</a:t>
-            </a:r>
-            <a:r>
-              <a:rPr b="1" lang="en-US" sz="1500" spc="-1" strike="noStrike">
-                <a:solidFill>
-                  <a:srgbClr val="445469"/>
-                </a:solidFill>
-                <a:latin typeface="Lato"/>
-                <a:ea typeface="Open Sans Light"/>
-              </a:rPr>
-              <a:t>s</a:t>
-            </a:r>
-            <a:r>
-              <a:rPr b="1" lang="en-US" sz="1500" spc="-1" strike="noStrike">
-                <a:solidFill>
-                  <a:srgbClr val="445469"/>
-                </a:solidFill>
-                <a:latin typeface="Lato"/>
-                <a:ea typeface="Open Sans Light"/>
-              </a:rPr>
-              <a:t> </a:t>
-            </a:r>
-            <a:r>
-              <a:rPr b="1" lang="en-US" sz="1500" spc="-1" strike="noStrike">
-                <a:solidFill>
-                  <a:srgbClr val="445469"/>
-                </a:solidFill>
-                <a:latin typeface="Lato"/>
-                <a:ea typeface="Open Sans Light"/>
-              </a:rPr>
-              <a:t>t</a:t>
-            </a:r>
-            <a:r>
-              <a:rPr b="1" lang="en-US" sz="1500" spc="-1" strike="noStrike">
-                <a:solidFill>
-                  <a:srgbClr val="445469"/>
-                </a:solidFill>
-                <a:latin typeface="Lato"/>
-                <a:ea typeface="Open Sans Light"/>
-              </a:rPr>
-              <a:t>h</a:t>
-            </a:r>
-            <a:r>
-              <a:rPr b="1" lang="en-US" sz="1500" spc="-1" strike="noStrike">
-                <a:solidFill>
-                  <a:srgbClr val="445469"/>
-                </a:solidFill>
-                <a:latin typeface="Lato"/>
-                <a:ea typeface="Open Sans Light"/>
-              </a:rPr>
-              <a:t>e</a:t>
-            </a:r>
-            <a:r>
-              <a:rPr b="1" lang="en-US" sz="1500" spc="-1" strike="noStrike">
-                <a:solidFill>
-                  <a:srgbClr val="445469"/>
-                </a:solidFill>
-                <a:latin typeface="Lato"/>
-                <a:ea typeface="Open Sans Light"/>
-              </a:rPr>
-              <a:t> </a:t>
-            </a:r>
-            <a:r>
-              <a:rPr b="1" lang="en-US" sz="1500" spc="-1" strike="noStrike">
-                <a:solidFill>
-                  <a:srgbClr val="445469"/>
-                </a:solidFill>
-                <a:latin typeface="Lato"/>
-                <a:ea typeface="Open Sans Light"/>
-              </a:rPr>
-              <a:t>p</a:t>
-            </a:r>
-            <a:r>
-              <a:rPr b="1" lang="en-US" sz="1500" spc="-1" strike="noStrike">
-                <a:solidFill>
-                  <a:srgbClr val="445469"/>
-                </a:solidFill>
-                <a:latin typeface="Lato"/>
-                <a:ea typeface="Open Sans Light"/>
-              </a:rPr>
-              <a:t>a</a:t>
-            </a:r>
-            <a:r>
-              <a:rPr b="1" lang="en-US" sz="1500" spc="-1" strike="noStrike">
-                <a:solidFill>
-                  <a:srgbClr val="445469"/>
-                </a:solidFill>
-                <a:latin typeface="Lato"/>
-                <a:ea typeface="Open Sans Light"/>
-              </a:rPr>
-              <a:t>r</a:t>
-            </a:r>
-            <a:r>
-              <a:rPr b="1" lang="en-US" sz="1500" spc="-1" strike="noStrike">
-                <a:solidFill>
-                  <a:srgbClr val="445469"/>
-                </a:solidFill>
-                <a:latin typeface="Lato"/>
-                <a:ea typeface="Open Sans Light"/>
-              </a:rPr>
-              <a:t>t</a:t>
-            </a:r>
-            <a:r>
-              <a:rPr b="1" lang="en-US" sz="1500" spc="-1" strike="noStrike">
-                <a:solidFill>
-                  <a:srgbClr val="445469"/>
-                </a:solidFill>
-                <a:latin typeface="Lato"/>
-                <a:ea typeface="Open Sans Light"/>
-              </a:rPr>
-              <a:t>i</a:t>
-            </a:r>
-            <a:r>
-              <a:rPr b="1" lang="en-US" sz="1500" spc="-1" strike="noStrike">
-                <a:solidFill>
-                  <a:srgbClr val="445469"/>
-                </a:solidFill>
-                <a:latin typeface="Lato"/>
-                <a:ea typeface="Open Sans Light"/>
-              </a:rPr>
-              <a:t>c</a:t>
-            </a:r>
-            <a:r>
-              <a:rPr b="1" lang="en-US" sz="1500" spc="-1" strike="noStrike">
-                <a:solidFill>
-                  <a:srgbClr val="445469"/>
-                </a:solidFill>
-                <a:latin typeface="Lato"/>
-                <a:ea typeface="Open Sans Light"/>
-              </a:rPr>
-              <a:t>i</a:t>
-            </a:r>
-            <a:r>
-              <a:rPr b="1" lang="en-US" sz="1500" spc="-1" strike="noStrike">
-                <a:solidFill>
-                  <a:srgbClr val="445469"/>
-                </a:solidFill>
-                <a:latin typeface="Lato"/>
-                <a:ea typeface="Open Sans Light"/>
-              </a:rPr>
-              <a:t>p</a:t>
-            </a:r>
-            <a:r>
-              <a:rPr b="1" lang="en-US" sz="1500" spc="-1" strike="noStrike">
-                <a:solidFill>
-                  <a:srgbClr val="445469"/>
-                </a:solidFill>
-                <a:latin typeface="Lato"/>
-                <a:ea typeface="Open Sans Light"/>
-              </a:rPr>
-              <a:t>a</a:t>
-            </a:r>
-            <a:r>
-              <a:rPr b="1" lang="en-US" sz="1500" spc="-1" strike="noStrike">
-                <a:solidFill>
-                  <a:srgbClr val="445469"/>
-                </a:solidFill>
-                <a:latin typeface="Lato"/>
-                <a:ea typeface="Open Sans Light"/>
-              </a:rPr>
-              <a:t>n</a:t>
-            </a:r>
-            <a:r>
-              <a:rPr b="1" lang="en-US" sz="1500" spc="-1" strike="noStrike">
-                <a:solidFill>
-                  <a:srgbClr val="445469"/>
-                </a:solidFill>
-                <a:latin typeface="Lato"/>
-                <a:ea typeface="Open Sans Light"/>
-              </a:rPr>
-              <a:t>t</a:t>
-            </a:r>
-            <a:r>
-              <a:rPr b="1" lang="en-US" sz="1500" spc="-1" strike="noStrike">
-                <a:solidFill>
-                  <a:srgbClr val="445469"/>
-                </a:solidFill>
-                <a:latin typeface="Lato"/>
-                <a:ea typeface="Open Sans Light"/>
-              </a:rPr>
-              <a:t> </a:t>
-            </a:r>
-            <a:r>
-              <a:rPr b="1" lang="en-US" sz="1500" spc="-1" strike="noStrike">
-                <a:solidFill>
-                  <a:srgbClr val="445469"/>
-                </a:solidFill>
-                <a:latin typeface="Lato"/>
-                <a:ea typeface="Open Sans Light"/>
-              </a:rPr>
-              <a:t>t</a:t>
-            </a:r>
-            <a:r>
-              <a:rPr b="1" lang="en-US" sz="1500" spc="-1" strike="noStrike">
-                <a:solidFill>
-                  <a:srgbClr val="445469"/>
-                </a:solidFill>
-                <a:latin typeface="Lato"/>
-                <a:ea typeface="Open Sans Light"/>
-              </a:rPr>
-              <a:t>o</a:t>
-            </a:r>
-            <a:r>
-              <a:rPr b="1" lang="en-US" sz="1500" spc="-1" strike="noStrike">
-                <a:solidFill>
-                  <a:srgbClr val="445469"/>
-                </a:solidFill>
-                <a:latin typeface="Lato"/>
-                <a:ea typeface="Open Sans Light"/>
-              </a:rPr>
-              <a:t> </a:t>
-            </a:r>
-            <a:r>
-              <a:rPr b="1" lang="en-US" sz="1500" spc="-1" strike="noStrike">
-                <a:solidFill>
-                  <a:srgbClr val="445469"/>
-                </a:solidFill>
-                <a:latin typeface="Lato"/>
-                <a:ea typeface="Open Sans Light"/>
-              </a:rPr>
-              <a:t>e</a:t>
-            </a:r>
-            <a:r>
-              <a:rPr b="1" lang="en-US" sz="1500" spc="-1" strike="noStrike">
-                <a:solidFill>
-                  <a:srgbClr val="445469"/>
-                </a:solidFill>
-                <a:latin typeface="Lato"/>
-                <a:ea typeface="Open Sans Light"/>
-              </a:rPr>
-              <a:t>n</a:t>
-            </a:r>
-            <a:r>
-              <a:rPr b="1" lang="en-US" sz="1500" spc="-1" strike="noStrike">
-                <a:solidFill>
-                  <a:srgbClr val="445469"/>
-                </a:solidFill>
-                <a:latin typeface="Lato"/>
-                <a:ea typeface="Open Sans Light"/>
-              </a:rPr>
-              <a:t>t</a:t>
-            </a:r>
-            <a:r>
-              <a:rPr b="1" lang="en-US" sz="1500" spc="-1" strike="noStrike">
-                <a:solidFill>
-                  <a:srgbClr val="445469"/>
-                </a:solidFill>
-                <a:latin typeface="Lato"/>
-                <a:ea typeface="Open Sans Light"/>
-              </a:rPr>
-              <a:t>e</a:t>
-            </a:r>
-            <a:r>
-              <a:rPr b="1" lang="en-US" sz="1500" spc="-1" strike="noStrike">
-                <a:solidFill>
-                  <a:srgbClr val="445469"/>
-                </a:solidFill>
-                <a:latin typeface="Lato"/>
-                <a:ea typeface="Open Sans Light"/>
-              </a:rPr>
-              <a:t>r</a:t>
-            </a:r>
-            <a:r>
-              <a:rPr b="1" lang="en-US" sz="1500" spc="-1" strike="noStrike">
-                <a:solidFill>
-                  <a:srgbClr val="445469"/>
-                </a:solidFill>
-                <a:latin typeface="Lato"/>
-                <a:ea typeface="Open Sans Light"/>
-              </a:rPr>
-              <a:t> </a:t>
-            </a:r>
-            <a:r>
-              <a:rPr b="1" lang="en-US" sz="1500" spc="-1" strike="noStrike">
-                <a:solidFill>
-                  <a:srgbClr val="445469"/>
-                </a:solidFill>
-                <a:latin typeface="Lato"/>
-                <a:ea typeface="Open Sans Light"/>
-              </a:rPr>
-              <a:t>w</a:t>
-            </a:r>
-            <a:r>
-              <a:rPr b="1" lang="en-US" sz="1500" spc="-1" strike="noStrike">
-                <a:solidFill>
-                  <a:srgbClr val="445469"/>
-                </a:solidFill>
-                <a:latin typeface="Lato"/>
-                <a:ea typeface="Open Sans Light"/>
-              </a:rPr>
-              <a:t>h</a:t>
-            </a:r>
-            <a:r>
-              <a:rPr b="1" lang="en-US" sz="1500" spc="-1" strike="noStrike">
-                <a:solidFill>
-                  <a:srgbClr val="445469"/>
-                </a:solidFill>
-                <a:latin typeface="Lato"/>
-                <a:ea typeface="Open Sans Light"/>
-              </a:rPr>
-              <a:t>a</a:t>
-            </a:r>
-            <a:r>
-              <a:rPr b="1" lang="en-US" sz="1500" spc="-1" strike="noStrike">
-                <a:solidFill>
-                  <a:srgbClr val="445469"/>
-                </a:solidFill>
-                <a:latin typeface="Lato"/>
-                <a:ea typeface="Open Sans Light"/>
-              </a:rPr>
-              <a:t>t</a:t>
-            </a:r>
-            <a:r>
-              <a:rPr b="1" lang="en-US" sz="1500" spc="-1" strike="noStrike">
-                <a:solidFill>
-                  <a:srgbClr val="445469"/>
-                </a:solidFill>
-                <a:latin typeface="Lato"/>
-                <a:ea typeface="Open Sans Light"/>
-              </a:rPr>
-              <a:t>e</a:t>
-            </a:r>
-            <a:r>
-              <a:rPr b="1" lang="en-US" sz="1500" spc="-1" strike="noStrike">
-                <a:solidFill>
-                  <a:srgbClr val="445469"/>
-                </a:solidFill>
-                <a:latin typeface="Lato"/>
-                <a:ea typeface="Open Sans Light"/>
-              </a:rPr>
-              <a:t>v</a:t>
-            </a:r>
-            <a:r>
-              <a:rPr b="1" lang="en-US" sz="1500" spc="-1" strike="noStrike">
-                <a:solidFill>
-                  <a:srgbClr val="445469"/>
-                </a:solidFill>
-                <a:latin typeface="Lato"/>
-                <a:ea typeface="Open Sans Light"/>
-              </a:rPr>
-              <a:t>e</a:t>
-            </a:r>
-            <a:r>
-              <a:rPr b="1" lang="en-US" sz="1500" spc="-1" strike="noStrike">
-                <a:solidFill>
-                  <a:srgbClr val="445469"/>
-                </a:solidFill>
-                <a:latin typeface="Lato"/>
-                <a:ea typeface="Open Sans Light"/>
-              </a:rPr>
-              <a:t>r</a:t>
-            </a:r>
-            <a:r>
-              <a:rPr b="1" lang="en-US" sz="1500" spc="-1" strike="noStrike">
-                <a:solidFill>
-                  <a:srgbClr val="445469"/>
-                </a:solidFill>
-                <a:latin typeface="Lato"/>
-                <a:ea typeface="Open Sans Light"/>
-              </a:rPr>
-              <a:t> </a:t>
-            </a:r>
-            <a:r>
-              <a:rPr b="1" lang="en-US" sz="1500" spc="-1" strike="noStrike">
-                <a:solidFill>
-                  <a:srgbClr val="445469"/>
-                </a:solidFill>
-                <a:latin typeface="Lato"/>
-                <a:ea typeface="Open Sans Light"/>
-              </a:rPr>
-              <a:t>t</a:t>
-            </a:r>
-            <a:r>
-              <a:rPr b="1" lang="en-US" sz="1500" spc="-1" strike="noStrike">
-                <a:solidFill>
-                  <a:srgbClr val="445469"/>
-                </a:solidFill>
-                <a:latin typeface="Lato"/>
-                <a:ea typeface="Open Sans Light"/>
-              </a:rPr>
-              <a:t>h</a:t>
-            </a:r>
-            <a:r>
-              <a:rPr b="1" lang="en-US" sz="1500" spc="-1" strike="noStrike">
-                <a:solidFill>
-                  <a:srgbClr val="445469"/>
-                </a:solidFill>
-                <a:latin typeface="Lato"/>
-                <a:ea typeface="Open Sans Light"/>
-              </a:rPr>
-              <a:t>e</a:t>
-            </a:r>
-            <a:r>
-              <a:rPr b="1" lang="en-US" sz="1500" spc="-1" strike="noStrike">
-                <a:solidFill>
-                  <a:srgbClr val="445469"/>
-                </a:solidFill>
-                <a:latin typeface="Lato"/>
-                <a:ea typeface="Open Sans Light"/>
-              </a:rPr>
-              <a:t>y</a:t>
-            </a:r>
-            <a:r>
-              <a:rPr b="1" lang="en-US" sz="1500" spc="-1" strike="noStrike">
-                <a:solidFill>
-                  <a:srgbClr val="445469"/>
-                </a:solidFill>
-                <a:latin typeface="Lato"/>
-                <a:ea typeface="Open Sans Light"/>
-              </a:rPr>
-              <a:t> </a:t>
-            </a:r>
-            <a:r>
-              <a:rPr b="1" lang="en-US" sz="1500" spc="-1" strike="noStrike">
-                <a:solidFill>
-                  <a:srgbClr val="445469"/>
-                </a:solidFill>
-                <a:latin typeface="Lato"/>
-                <a:ea typeface="Open Sans Light"/>
-              </a:rPr>
-              <a:t>f</a:t>
-            </a:r>
-            <a:r>
-              <a:rPr b="1" lang="en-US" sz="1500" spc="-1" strike="noStrike">
-                <a:solidFill>
-                  <a:srgbClr val="445469"/>
-                </a:solidFill>
-                <a:latin typeface="Lato"/>
-                <a:ea typeface="Open Sans Light"/>
-              </a:rPr>
-              <a:t>e</a:t>
-            </a:r>
-            <a:r>
-              <a:rPr b="1" lang="en-US" sz="1500" spc="-1" strike="noStrike">
-                <a:solidFill>
-                  <a:srgbClr val="445469"/>
-                </a:solidFill>
-                <a:latin typeface="Lato"/>
-                <a:ea typeface="Open Sans Light"/>
-              </a:rPr>
-              <a:t>e</a:t>
-            </a:r>
-            <a:r>
-              <a:rPr b="1" lang="en-US" sz="1500" spc="-1" strike="noStrike">
-                <a:solidFill>
-                  <a:srgbClr val="445469"/>
-                </a:solidFill>
-                <a:latin typeface="Lato"/>
-                <a:ea typeface="Open Sans Light"/>
-              </a:rPr>
-              <a:t>l</a:t>
-            </a:r>
-            <a:r>
-              <a:rPr b="1" lang="en-US" sz="1500" spc="-1" strike="noStrike">
-                <a:solidFill>
-                  <a:srgbClr val="445469"/>
-                </a:solidFill>
-                <a:latin typeface="Lato"/>
-                <a:ea typeface="Open Sans Light"/>
-              </a:rPr>
-              <a:t> </a:t>
-            </a:r>
-            <a:r>
-              <a:rPr b="1" lang="en-US" sz="1500" spc="-1" strike="noStrike">
-                <a:solidFill>
-                  <a:srgbClr val="445469"/>
-                </a:solidFill>
-                <a:latin typeface="Lato"/>
-                <a:ea typeface="Open Sans Light"/>
-              </a:rPr>
-              <a:t>i</a:t>
-            </a:r>
-            <a:r>
-              <a:rPr b="1" lang="en-US" sz="1500" spc="-1" strike="noStrike">
-                <a:solidFill>
-                  <a:srgbClr val="445469"/>
-                </a:solidFill>
-                <a:latin typeface="Lato"/>
-                <a:ea typeface="Open Sans Light"/>
-              </a:rPr>
-              <a:t>s</a:t>
-            </a:r>
-            <a:r>
-              <a:rPr b="1" lang="en-US" sz="1500" spc="-1" strike="noStrike">
-                <a:solidFill>
-                  <a:srgbClr val="445469"/>
-                </a:solidFill>
-                <a:latin typeface="Lato"/>
-                <a:ea typeface="Open Sans Light"/>
-              </a:rPr>
-              <a:t> </a:t>
-            </a:r>
-            <a:r>
-              <a:rPr b="1" lang="en-US" sz="1500" spc="-1" strike="noStrike">
-                <a:solidFill>
-                  <a:srgbClr val="445469"/>
-                </a:solidFill>
-                <a:latin typeface="Lato"/>
-                <a:ea typeface="Open Sans Light"/>
-              </a:rPr>
-              <a:t>	</a:t>
-            </a:r>
-            <a:r>
-              <a:rPr b="1" lang="en-US" sz="1500" spc="-1" strike="noStrike">
-                <a:solidFill>
-                  <a:srgbClr val="445469"/>
-                </a:solidFill>
-                <a:latin typeface="Lato"/>
-                <a:ea typeface="Open Sans Light"/>
-              </a:rPr>
-              <a:t>	</a:t>
-            </a:r>
-            <a:r>
-              <a:rPr b="1" lang="en-US" sz="1500" spc="-1" strike="noStrike">
-                <a:solidFill>
-                  <a:srgbClr val="445469"/>
-                </a:solidFill>
-                <a:latin typeface="Lato"/>
-                <a:ea typeface="Open Sans Light"/>
-              </a:rPr>
-              <a:t>	</a:t>
-            </a:r>
-            <a:r>
-              <a:rPr b="1" lang="en-US" sz="1500" spc="-1" strike="noStrike">
-                <a:solidFill>
-                  <a:srgbClr val="445469"/>
-                </a:solidFill>
-                <a:latin typeface="Lato"/>
-                <a:ea typeface="Open Sans Light"/>
-              </a:rPr>
-              <a:t>	</a:t>
-            </a:r>
-            <a:r>
-              <a:rPr b="1" lang="en-US" sz="1500" spc="-1" strike="noStrike">
-                <a:solidFill>
-                  <a:srgbClr val="445469"/>
-                </a:solidFill>
-                <a:latin typeface="Lato"/>
-                <a:ea typeface="Open Sans Light"/>
-              </a:rPr>
-              <a:t>a</a:t>
-            </a:r>
-            <a:r>
-              <a:rPr b="1" lang="en-US" sz="1500" spc="-1" strike="noStrike">
-                <a:solidFill>
-                  <a:srgbClr val="445469"/>
-                </a:solidFill>
-                <a:latin typeface="Lato"/>
-                <a:ea typeface="Open Sans Light"/>
-              </a:rPr>
-              <a:t>p</a:t>
-            </a:r>
-            <a:r>
-              <a:rPr b="1" lang="en-US" sz="1500" spc="-1" strike="noStrike">
-                <a:solidFill>
-                  <a:srgbClr val="445469"/>
-                </a:solidFill>
-                <a:latin typeface="Lato"/>
-                <a:ea typeface="Open Sans Light"/>
-              </a:rPr>
-              <a:t>p</a:t>
-            </a:r>
-            <a:r>
-              <a:rPr b="1" lang="en-US" sz="1500" spc="-1" strike="noStrike">
-                <a:solidFill>
-                  <a:srgbClr val="445469"/>
-                </a:solidFill>
-                <a:latin typeface="Lato"/>
-                <a:ea typeface="Open Sans Light"/>
-              </a:rPr>
-              <a:t>r</a:t>
-            </a:r>
-            <a:r>
-              <a:rPr b="1" lang="en-US" sz="1500" spc="-1" strike="noStrike">
-                <a:solidFill>
-                  <a:srgbClr val="445469"/>
-                </a:solidFill>
-                <a:latin typeface="Lato"/>
-                <a:ea typeface="Open Sans Light"/>
-              </a:rPr>
-              <a:t>o</a:t>
-            </a:r>
-            <a:r>
-              <a:rPr b="1" lang="en-US" sz="1500" spc="-1" strike="noStrike">
-                <a:solidFill>
-                  <a:srgbClr val="445469"/>
-                </a:solidFill>
-                <a:latin typeface="Lato"/>
-                <a:ea typeface="Open Sans Light"/>
-              </a:rPr>
-              <a:t>p</a:t>
-            </a:r>
-            <a:r>
-              <a:rPr b="1" lang="en-US" sz="1500" spc="-1" strike="noStrike">
-                <a:solidFill>
-                  <a:srgbClr val="445469"/>
-                </a:solidFill>
-                <a:latin typeface="Lato"/>
-                <a:ea typeface="Open Sans Light"/>
-              </a:rPr>
-              <a:t>r</a:t>
-            </a:r>
-            <a:r>
-              <a:rPr b="1" lang="en-US" sz="1500" spc="-1" strike="noStrike">
-                <a:solidFill>
-                  <a:srgbClr val="445469"/>
-                </a:solidFill>
-                <a:latin typeface="Lato"/>
-                <a:ea typeface="Open Sans Light"/>
-              </a:rPr>
-              <a:t>i</a:t>
-            </a:r>
-            <a:r>
-              <a:rPr b="1" lang="en-US" sz="1500" spc="-1" strike="noStrike">
-                <a:solidFill>
-                  <a:srgbClr val="445469"/>
-                </a:solidFill>
-                <a:latin typeface="Lato"/>
-                <a:ea typeface="Open Sans Light"/>
-              </a:rPr>
-              <a:t>a</a:t>
-            </a:r>
-            <a:r>
-              <a:rPr b="1" lang="en-US" sz="1500" spc="-1" strike="noStrike">
-                <a:solidFill>
-                  <a:srgbClr val="445469"/>
-                </a:solidFill>
-                <a:latin typeface="Lato"/>
-                <a:ea typeface="Open Sans Light"/>
-              </a:rPr>
-              <a:t>t</a:t>
-            </a:r>
-            <a:r>
-              <a:rPr b="1" lang="en-US" sz="1500" spc="-1" strike="noStrike">
-                <a:solidFill>
-                  <a:srgbClr val="445469"/>
-                </a:solidFill>
-                <a:latin typeface="Lato"/>
-                <a:ea typeface="Open Sans Light"/>
-              </a:rPr>
-              <a:t>e</a:t>
-            </a:r>
-            <a:r>
-              <a:rPr b="1" lang="en-US" sz="1500" spc="-1" strike="noStrike">
-                <a:solidFill>
-                  <a:srgbClr val="445469"/>
-                </a:solidFill>
-                <a:latin typeface="Lato"/>
-                <a:ea typeface="Open Sans Light"/>
-              </a:rPr>
-              <a:t> </a:t>
-            </a:r>
-            <a:r>
-              <a:rPr b="1" lang="en-US" sz="1500" spc="-1" strike="noStrike">
-                <a:solidFill>
-                  <a:srgbClr val="445469"/>
-                </a:solidFill>
-                <a:latin typeface="Lato"/>
-                <a:ea typeface="Open Sans Light"/>
-              </a:rPr>
-              <a:t>w</a:t>
-            </a:r>
-            <a:r>
-              <a:rPr b="1" lang="en-US" sz="1500" spc="-1" strike="noStrike">
-                <a:solidFill>
-                  <a:srgbClr val="445469"/>
-                </a:solidFill>
-                <a:latin typeface="Lato"/>
-                <a:ea typeface="Open Sans Light"/>
-              </a:rPr>
-              <a:t>i</a:t>
-            </a:r>
-            <a:r>
-              <a:rPr b="1" lang="en-US" sz="1500" spc="-1" strike="noStrike">
-                <a:solidFill>
-                  <a:srgbClr val="445469"/>
-                </a:solidFill>
-                <a:latin typeface="Lato"/>
-                <a:ea typeface="Open Sans Light"/>
-              </a:rPr>
-              <a:t>t</a:t>
-            </a:r>
-            <a:r>
-              <a:rPr b="1" lang="en-US" sz="1500" spc="-1" strike="noStrike">
-                <a:solidFill>
-                  <a:srgbClr val="445469"/>
-                </a:solidFill>
-                <a:latin typeface="Lato"/>
-                <a:ea typeface="Open Sans Light"/>
-              </a:rPr>
-              <a:t>h</a:t>
-            </a:r>
-            <a:r>
-              <a:rPr b="1" lang="en-US" sz="1500" spc="-1" strike="noStrike">
-                <a:solidFill>
-                  <a:srgbClr val="445469"/>
-                </a:solidFill>
-                <a:latin typeface="Lato"/>
-                <a:ea typeface="Open Sans Light"/>
-              </a:rPr>
-              <a:t> </a:t>
-            </a:r>
-            <a:r>
-              <a:rPr b="1" lang="en-US" sz="1500" spc="-1" strike="noStrike">
-                <a:solidFill>
-                  <a:srgbClr val="445469"/>
-                </a:solidFill>
-                <a:latin typeface="Lato"/>
-                <a:ea typeface="Open Sans Light"/>
-              </a:rPr>
-              <a:t>n</a:t>
-            </a:r>
-            <a:r>
-              <a:rPr b="1" lang="en-US" sz="1500" spc="-1" strike="noStrike">
-                <a:solidFill>
-                  <a:srgbClr val="445469"/>
-                </a:solidFill>
-                <a:latin typeface="Lato"/>
-                <a:ea typeface="Open Sans Light"/>
-              </a:rPr>
-              <a:t>o</a:t>
-            </a:r>
-            <a:r>
-              <a:rPr b="1" lang="en-US" sz="1500" spc="-1" strike="noStrike">
-                <a:solidFill>
-                  <a:srgbClr val="445469"/>
-                </a:solidFill>
-                <a:latin typeface="Lato"/>
-                <a:ea typeface="Open Sans Light"/>
-              </a:rPr>
-              <a:t> </a:t>
-            </a:r>
-            <a:r>
-              <a:rPr b="1" lang="en-US" sz="1500" spc="-1" strike="noStrike">
-                <a:solidFill>
-                  <a:srgbClr val="445469"/>
-                </a:solidFill>
-                <a:latin typeface="Lato"/>
-                <a:ea typeface="Open Sans Light"/>
-              </a:rPr>
-              <a:t>r</a:t>
-            </a:r>
-            <a:r>
-              <a:rPr b="1" lang="en-US" sz="1500" spc="-1" strike="noStrike">
-                <a:solidFill>
-                  <a:srgbClr val="445469"/>
-                </a:solidFill>
-                <a:latin typeface="Lato"/>
-                <a:ea typeface="Open Sans Light"/>
-              </a:rPr>
-              <a:t>e</a:t>
-            </a:r>
-            <a:r>
-              <a:rPr b="1" lang="en-US" sz="1500" spc="-1" strike="noStrike">
-                <a:solidFill>
-                  <a:srgbClr val="445469"/>
-                </a:solidFill>
-                <a:latin typeface="Lato"/>
-                <a:ea typeface="Open Sans Light"/>
-              </a:rPr>
-              <a:t>s</a:t>
-            </a:r>
-            <a:r>
-              <a:rPr b="1" lang="en-US" sz="1500" spc="-1" strike="noStrike">
-                <a:solidFill>
-                  <a:srgbClr val="445469"/>
-                </a:solidFill>
-                <a:latin typeface="Lato"/>
-                <a:ea typeface="Open Sans Light"/>
-              </a:rPr>
-              <a:t>t</a:t>
-            </a:r>
-            <a:r>
-              <a:rPr b="1" lang="en-US" sz="1500" spc="-1" strike="noStrike">
-                <a:solidFill>
-                  <a:srgbClr val="445469"/>
-                </a:solidFill>
-                <a:latin typeface="Lato"/>
-                <a:ea typeface="Open Sans Light"/>
-              </a:rPr>
-              <a:t>r</a:t>
-            </a:r>
-            <a:r>
-              <a:rPr b="1" lang="en-US" sz="1500" spc="-1" strike="noStrike">
-                <a:solidFill>
-                  <a:srgbClr val="445469"/>
-                </a:solidFill>
-                <a:latin typeface="Lato"/>
-                <a:ea typeface="Open Sans Light"/>
-              </a:rPr>
-              <a:t>i</a:t>
-            </a:r>
-            <a:r>
-              <a:rPr b="1" lang="en-US" sz="1500" spc="-1" strike="noStrike">
-                <a:solidFill>
-                  <a:srgbClr val="445469"/>
-                </a:solidFill>
-                <a:latin typeface="Lato"/>
-                <a:ea typeface="Open Sans Light"/>
-              </a:rPr>
-              <a:t>c</a:t>
-            </a:r>
-            <a:r>
-              <a:rPr b="1" lang="en-US" sz="1500" spc="-1" strike="noStrike">
-                <a:solidFill>
-                  <a:srgbClr val="445469"/>
-                </a:solidFill>
-                <a:latin typeface="Lato"/>
-                <a:ea typeface="Open Sans Light"/>
-              </a:rPr>
-              <a:t>t</a:t>
-            </a:r>
-            <a:r>
-              <a:rPr b="1" lang="en-US" sz="1500" spc="-1" strike="noStrike">
-                <a:solidFill>
-                  <a:srgbClr val="445469"/>
-                </a:solidFill>
-                <a:latin typeface="Lato"/>
-                <a:ea typeface="Open Sans Light"/>
-              </a:rPr>
-              <a:t>i</a:t>
-            </a:r>
-            <a:r>
-              <a:rPr b="1" lang="en-US" sz="1500" spc="-1" strike="noStrike">
-                <a:solidFill>
-                  <a:srgbClr val="445469"/>
-                </a:solidFill>
-                <a:latin typeface="Lato"/>
-                <a:ea typeface="Open Sans Light"/>
-              </a:rPr>
-              <a:t>o</a:t>
-            </a:r>
-            <a:r>
-              <a:rPr b="1" lang="en-US" sz="1500" spc="-1" strike="noStrike">
-                <a:solidFill>
-                  <a:srgbClr val="445469"/>
-                </a:solidFill>
-                <a:latin typeface="Lato"/>
-                <a:ea typeface="Open Sans Light"/>
-              </a:rPr>
-              <a:t>n</a:t>
-            </a:r>
-            <a:r>
-              <a:rPr b="1" lang="en-US" sz="1500" spc="-1" strike="noStrike">
-                <a:solidFill>
-                  <a:srgbClr val="445469"/>
-                </a:solidFill>
-                <a:latin typeface="Lato"/>
-                <a:ea typeface="Open Sans Light"/>
-              </a:rPr>
-              <a:t>s</a:t>
-            </a:r>
-            <a:r>
-              <a:rPr b="1" lang="en-US" sz="1500" spc="-1" strike="noStrike">
-                <a:solidFill>
-                  <a:srgbClr val="445469"/>
-                </a:solidFill>
-                <a:latin typeface="Lato"/>
-                <a:ea typeface="Open Sans Light"/>
-              </a:rPr>
-              <a:t> </a:t>
-            </a:r>
-            <a:r>
-              <a:rPr b="1" lang="en-US" sz="1500" spc="-1" strike="noStrike">
-                <a:solidFill>
-                  <a:srgbClr val="445469"/>
-                </a:solidFill>
-                <a:latin typeface="Lato"/>
-                <a:ea typeface="Open Sans Light"/>
-              </a:rPr>
-              <a:t>b</a:t>
-            </a:r>
-            <a:r>
-              <a:rPr b="1" lang="en-US" sz="1500" spc="-1" strike="noStrike">
-                <a:solidFill>
-                  <a:srgbClr val="445469"/>
-                </a:solidFill>
-                <a:latin typeface="Lato"/>
-                <a:ea typeface="Open Sans Light"/>
-              </a:rPr>
-              <a:t>e</a:t>
-            </a:r>
-            <a:r>
-              <a:rPr b="1" lang="en-US" sz="1500" spc="-1" strike="noStrike">
-                <a:solidFill>
-                  <a:srgbClr val="445469"/>
-                </a:solidFill>
-                <a:latin typeface="Lato"/>
-                <a:ea typeface="Open Sans Light"/>
-              </a:rPr>
-              <a:t>i</a:t>
-            </a:r>
-            <a:r>
-              <a:rPr b="1" lang="en-US" sz="1500" spc="-1" strike="noStrike">
-                <a:solidFill>
-                  <a:srgbClr val="445469"/>
-                </a:solidFill>
-                <a:latin typeface="Lato"/>
-                <a:ea typeface="Open Sans Light"/>
-              </a:rPr>
-              <a:t>n</a:t>
-            </a:r>
-            <a:r>
-              <a:rPr b="1" lang="en-US" sz="1500" spc="-1" strike="noStrike">
-                <a:solidFill>
-                  <a:srgbClr val="445469"/>
-                </a:solidFill>
-                <a:latin typeface="Lato"/>
-                <a:ea typeface="Open Sans Light"/>
-              </a:rPr>
-              <a:t>g</a:t>
-            </a:r>
-            <a:r>
-              <a:rPr b="1" lang="en-US" sz="1500" spc="-1" strike="noStrike">
-                <a:solidFill>
-                  <a:srgbClr val="445469"/>
-                </a:solidFill>
-                <a:latin typeface="Lato"/>
-                <a:ea typeface="Open Sans Light"/>
-              </a:rPr>
-              <a:t> </a:t>
-            </a:r>
-            <a:r>
-              <a:rPr b="1" lang="en-US" sz="1500" spc="-1" strike="noStrike">
-                <a:solidFill>
-                  <a:srgbClr val="445469"/>
-                </a:solidFill>
-                <a:latin typeface="Lato"/>
-                <a:ea typeface="Open Sans Light"/>
-              </a:rPr>
-              <a:t>	</a:t>
-            </a:r>
-            <a:r>
-              <a:rPr b="1" lang="en-US" sz="1500" spc="-1" strike="noStrike">
-                <a:solidFill>
-                  <a:srgbClr val="445469"/>
-                </a:solidFill>
-                <a:latin typeface="Lato"/>
-                <a:ea typeface="Open Sans Light"/>
-              </a:rPr>
-              <a:t>i</a:t>
-            </a:r>
-            <a:r>
-              <a:rPr b="1" lang="en-US" sz="1500" spc="-1" strike="noStrike">
-                <a:solidFill>
-                  <a:srgbClr val="445469"/>
-                </a:solidFill>
-                <a:latin typeface="Lato"/>
-                <a:ea typeface="Open Sans Light"/>
-              </a:rPr>
-              <a:t>n</a:t>
-            </a:r>
-            <a:r>
-              <a:rPr b="1" lang="en-US" sz="1500" spc="-1" strike="noStrike">
-                <a:solidFill>
-                  <a:srgbClr val="445469"/>
-                </a:solidFill>
-                <a:latin typeface="Lato"/>
-                <a:ea typeface="Open Sans Light"/>
-              </a:rPr>
-              <a:t>t</a:t>
-            </a:r>
-            <a:r>
-              <a:rPr b="1" lang="en-US" sz="1500" spc="-1" strike="noStrike">
-                <a:solidFill>
-                  <a:srgbClr val="445469"/>
-                </a:solidFill>
-                <a:latin typeface="Lato"/>
-                <a:ea typeface="Open Sans Light"/>
-              </a:rPr>
-              <a:t>r</a:t>
-            </a:r>
-            <a:r>
-              <a:rPr b="1" lang="en-US" sz="1500" spc="-1" strike="noStrike">
-                <a:solidFill>
-                  <a:srgbClr val="445469"/>
-                </a:solidFill>
-                <a:latin typeface="Lato"/>
-                <a:ea typeface="Open Sans Light"/>
-              </a:rPr>
-              <a:t>o</a:t>
-            </a:r>
-            <a:r>
-              <a:rPr b="1" lang="en-US" sz="1500" spc="-1" strike="noStrike">
-                <a:solidFill>
-                  <a:srgbClr val="445469"/>
-                </a:solidFill>
-                <a:latin typeface="Lato"/>
-                <a:ea typeface="Open Sans Light"/>
-              </a:rPr>
-              <a:t>d</a:t>
-            </a:r>
-            <a:r>
-              <a:rPr b="1" lang="en-US" sz="1500" spc="-1" strike="noStrike">
-                <a:solidFill>
-                  <a:srgbClr val="445469"/>
-                </a:solidFill>
-                <a:latin typeface="Lato"/>
-                <a:ea typeface="Open Sans Light"/>
-              </a:rPr>
-              <a:t>u</a:t>
-            </a:r>
-            <a:r>
-              <a:rPr b="1" lang="en-US" sz="1500" spc="-1" strike="noStrike">
-                <a:solidFill>
-                  <a:srgbClr val="445469"/>
-                </a:solidFill>
-                <a:latin typeface="Lato"/>
-                <a:ea typeface="Open Sans Light"/>
-              </a:rPr>
-              <a:t>c</a:t>
-            </a:r>
-            <a:r>
-              <a:rPr b="1" lang="en-US" sz="1500" spc="-1" strike="noStrike">
-                <a:solidFill>
-                  <a:srgbClr val="445469"/>
-                </a:solidFill>
-                <a:latin typeface="Lato"/>
-                <a:ea typeface="Open Sans Light"/>
-              </a:rPr>
-              <a:t>e</a:t>
-            </a:r>
-            <a:r>
-              <a:rPr b="1" lang="en-US" sz="1500" spc="-1" strike="noStrike">
-                <a:solidFill>
-                  <a:srgbClr val="445469"/>
-                </a:solidFill>
-                <a:latin typeface="Lato"/>
-                <a:ea typeface="Open Sans Light"/>
-              </a:rPr>
-              <a:t>d</a:t>
-            </a:r>
-            <a:r>
-              <a:rPr b="1" lang="en-US" sz="1500" spc="-1" strike="noStrike">
-                <a:solidFill>
-                  <a:srgbClr val="445469"/>
-                </a:solidFill>
-                <a:latin typeface="Lato"/>
-                <a:ea typeface="Open Sans Light"/>
-              </a:rPr>
-              <a:t>.</a:t>
-            </a:r>
-            <a:r>
-              <a:rPr b="1" lang="en-US" sz="1500" spc="-1" strike="noStrike">
-                <a:solidFill>
-                  <a:srgbClr val="445469"/>
-                </a:solidFill>
-                <a:latin typeface="Lato"/>
-                <a:ea typeface="Open Sans Light"/>
-              </a:rPr>
-              <a:t> </a:t>
+              <a:t>introduced. </a:t>
             </a:r>
             <a:endParaRPr b="0" lang="en-AU" sz="1500" spc="-1" strike="noStrike">
               <a:latin typeface="Arial"/>
@@ -11400,387 +6310,7 @@
                 <a:latin typeface="Lato"/>
                 <a:ea typeface="Open Sans Light"/>
               </a:rPr>
-              <a:t>W</a:t>
-            </a:r>
-            <a:r>
-              <a:rPr b="1" i="1" lang="en-US" sz="1500" spc="-1" strike="noStrike">
-                <a:solidFill>
-                  <a:srgbClr val="ff0000"/>
-                </a:solidFill>
-                <a:latin typeface="Lato"/>
-                <a:ea typeface="Open Sans Light"/>
-              </a:rPr>
-              <a:t>h</a:t>
-            </a:r>
-            <a:r>
-              <a:rPr b="1" i="1" lang="en-US" sz="1500" spc="-1" strike="noStrike">
-                <a:solidFill>
-                  <a:srgbClr val="ff0000"/>
-                </a:solidFill>
-                <a:latin typeface="Lato"/>
-                <a:ea typeface="Open Sans Light"/>
-              </a:rPr>
-              <a:t>a</a:t>
-            </a:r>
-            <a:r>
-              <a:rPr b="1" i="1" lang="en-US" sz="1500" spc="-1" strike="noStrike">
-                <a:solidFill>
-                  <a:srgbClr val="ff0000"/>
-                </a:solidFill>
-                <a:latin typeface="Lato"/>
-                <a:ea typeface="Open Sans Light"/>
-              </a:rPr>
-              <a:t>t</a:t>
-            </a:r>
-            <a:r>
-              <a:rPr b="1" i="1" lang="en-US" sz="1500" spc="-1" strike="noStrike">
-                <a:solidFill>
-                  <a:srgbClr val="ff0000"/>
-                </a:solidFill>
-                <a:latin typeface="Lato"/>
-                <a:ea typeface="Open Sans Light"/>
-              </a:rPr>
-              <a:t> </a:t>
-            </a:r>
-            <a:r>
-              <a:rPr b="1" i="1" lang="en-US" sz="1500" spc="-1" strike="noStrike">
-                <a:solidFill>
-                  <a:srgbClr val="ff0000"/>
-                </a:solidFill>
-                <a:latin typeface="Lato"/>
-                <a:ea typeface="Open Sans Light"/>
-              </a:rPr>
-              <a:t>d</a:t>
-            </a:r>
-            <a:r>
-              <a:rPr b="1" i="1" lang="en-US" sz="1500" spc="-1" strike="noStrike">
-                <a:solidFill>
-                  <a:srgbClr val="ff0000"/>
-                </a:solidFill>
-                <a:latin typeface="Lato"/>
-                <a:ea typeface="Open Sans Light"/>
-              </a:rPr>
-              <a:t>o</a:t>
-            </a:r>
-            <a:r>
-              <a:rPr b="1" i="1" lang="en-US" sz="1500" spc="-1" strike="noStrike">
-                <a:solidFill>
-                  <a:srgbClr val="ff0000"/>
-                </a:solidFill>
-                <a:latin typeface="Lato"/>
-                <a:ea typeface="Open Sans Light"/>
-              </a:rPr>
-              <a:t> </a:t>
-            </a:r>
-            <a:r>
-              <a:rPr b="1" i="1" lang="en-US" sz="1500" spc="-1" strike="noStrike">
-                <a:solidFill>
-                  <a:srgbClr val="ff0000"/>
-                </a:solidFill>
-                <a:latin typeface="Lato"/>
-                <a:ea typeface="Open Sans Light"/>
-              </a:rPr>
-              <a:t>y</a:t>
-            </a:r>
-            <a:r>
-              <a:rPr b="1" i="1" lang="en-US" sz="1500" spc="-1" strike="noStrike">
-                <a:solidFill>
-                  <a:srgbClr val="ff0000"/>
-                </a:solidFill>
-                <a:latin typeface="Lato"/>
-                <a:ea typeface="Open Sans Light"/>
-              </a:rPr>
-              <a:t>o</a:t>
-            </a:r>
-            <a:r>
-              <a:rPr b="1" i="1" lang="en-US" sz="1500" spc="-1" strike="noStrike">
-                <a:solidFill>
-                  <a:srgbClr val="ff0000"/>
-                </a:solidFill>
-                <a:latin typeface="Lato"/>
-                <a:ea typeface="Open Sans Light"/>
-              </a:rPr>
-              <a:t>u</a:t>
-            </a:r>
-            <a:r>
-              <a:rPr b="1" i="1" lang="en-US" sz="1500" spc="-1" strike="noStrike">
-                <a:solidFill>
-                  <a:srgbClr val="ff0000"/>
-                </a:solidFill>
-                <a:latin typeface="Lato"/>
-                <a:ea typeface="Open Sans Light"/>
-              </a:rPr>
-              <a:t> </a:t>
-            </a:r>
-            <a:r>
-              <a:rPr b="1" i="1" lang="en-US" sz="1500" spc="-1" strike="noStrike">
-                <a:solidFill>
-                  <a:srgbClr val="ff0000"/>
-                </a:solidFill>
-                <a:latin typeface="Lato"/>
-                <a:ea typeface="Open Sans Light"/>
-              </a:rPr>
-              <a:t>l</a:t>
-            </a:r>
-            <a:r>
-              <a:rPr b="1" i="1" lang="en-US" sz="1500" spc="-1" strike="noStrike">
-                <a:solidFill>
-                  <a:srgbClr val="ff0000"/>
-                </a:solidFill>
-                <a:latin typeface="Lato"/>
-                <a:ea typeface="Open Sans Light"/>
-              </a:rPr>
-              <a:t>i</a:t>
-            </a:r>
-            <a:r>
-              <a:rPr b="1" i="1" lang="en-US" sz="1500" spc="-1" strike="noStrike">
-                <a:solidFill>
-                  <a:srgbClr val="ff0000"/>
-                </a:solidFill>
-                <a:latin typeface="Lato"/>
-                <a:ea typeface="Open Sans Light"/>
-              </a:rPr>
-              <a:t>k</a:t>
-            </a:r>
-            <a:r>
-              <a:rPr b="1" i="1" lang="en-US" sz="1500" spc="-1" strike="noStrike">
-                <a:solidFill>
-                  <a:srgbClr val="ff0000"/>
-                </a:solidFill>
-                <a:latin typeface="Lato"/>
-                <a:ea typeface="Open Sans Light"/>
-              </a:rPr>
-              <a:t>e</a:t>
-            </a:r>
-            <a:r>
-              <a:rPr b="1" i="1" lang="en-US" sz="1500" spc="-1" strike="noStrike">
-                <a:solidFill>
-                  <a:srgbClr val="ff0000"/>
-                </a:solidFill>
-                <a:latin typeface="Lato"/>
-                <a:ea typeface="Open Sans Light"/>
-              </a:rPr>
-              <a:t> </a:t>
-            </a:r>
-            <a:r>
-              <a:rPr b="1" i="1" lang="en-US" sz="1500" spc="-1" strike="noStrike">
-                <a:solidFill>
-                  <a:srgbClr val="ff0000"/>
-                </a:solidFill>
-                <a:latin typeface="Lato"/>
-                <a:ea typeface="Open Sans Light"/>
-              </a:rPr>
-              <a:t>t</a:t>
-            </a:r>
-            <a:r>
-              <a:rPr b="1" i="1" lang="en-US" sz="1500" spc="-1" strike="noStrike">
-                <a:solidFill>
-                  <a:srgbClr val="ff0000"/>
-                </a:solidFill>
-                <a:latin typeface="Lato"/>
-                <a:ea typeface="Open Sans Light"/>
-              </a:rPr>
-              <a:t>o</a:t>
-            </a:r>
-            <a:r>
-              <a:rPr b="1" i="1" lang="en-US" sz="1500" spc="-1" strike="noStrike">
-                <a:solidFill>
-                  <a:srgbClr val="ff0000"/>
-                </a:solidFill>
-                <a:latin typeface="Lato"/>
-                <a:ea typeface="Open Sans Light"/>
-              </a:rPr>
-              <a:t> </a:t>
-            </a:r>
-            <a:r>
-              <a:rPr b="1" i="1" lang="en-US" sz="1500" spc="-1" strike="noStrike">
-                <a:solidFill>
-                  <a:srgbClr val="ff0000"/>
-                </a:solidFill>
-                <a:latin typeface="Lato"/>
-                <a:ea typeface="Open Sans Light"/>
-              </a:rPr>
-              <a:t>d</a:t>
-            </a:r>
-            <a:r>
-              <a:rPr b="1" i="1" lang="en-US" sz="1500" spc="-1" strike="noStrike">
-                <a:solidFill>
-                  <a:srgbClr val="ff0000"/>
-                </a:solidFill>
-                <a:latin typeface="Lato"/>
-                <a:ea typeface="Open Sans Light"/>
-              </a:rPr>
-              <a:t>o</a:t>
-            </a:r>
-            <a:r>
-              <a:rPr b="1" i="1" lang="en-US" sz="1500" spc="-1" strike="noStrike">
-                <a:solidFill>
-                  <a:srgbClr val="ff0000"/>
-                </a:solidFill>
-                <a:latin typeface="Lato"/>
-                <a:ea typeface="Open Sans Light"/>
-              </a:rPr>
-              <a:t> </a:t>
-            </a:r>
-            <a:r>
-              <a:rPr b="1" i="1" lang="en-US" sz="1500" spc="-1" strike="noStrike">
-                <a:solidFill>
-                  <a:srgbClr val="ff0000"/>
-                </a:solidFill>
-                <a:latin typeface="Lato"/>
-                <a:ea typeface="Open Sans Light"/>
-              </a:rPr>
-              <a:t>o</a:t>
-            </a:r>
-            <a:r>
-              <a:rPr b="1" i="1" lang="en-US" sz="1500" spc="-1" strike="noStrike">
-                <a:solidFill>
-                  <a:srgbClr val="ff0000"/>
-                </a:solidFill>
-                <a:latin typeface="Lato"/>
-                <a:ea typeface="Open Sans Light"/>
-              </a:rPr>
-              <a:t>n</a:t>
-            </a:r>
-            <a:r>
-              <a:rPr b="1" i="1" lang="en-US" sz="1500" spc="-1" strike="noStrike">
-                <a:solidFill>
-                  <a:srgbClr val="ff0000"/>
-                </a:solidFill>
-                <a:latin typeface="Lato"/>
-                <a:ea typeface="Open Sans Light"/>
-              </a:rPr>
-              <a:t> </a:t>
-            </a:r>
-            <a:r>
-              <a:rPr b="1" i="1" lang="en-US" sz="1500" spc="-1" strike="noStrike">
-                <a:solidFill>
-                  <a:srgbClr val="ff0000"/>
-                </a:solidFill>
-                <a:latin typeface="Lato"/>
-                <a:ea typeface="Open Sans Light"/>
-              </a:rPr>
-              <a:t>t</a:t>
-            </a:r>
-            <a:r>
-              <a:rPr b="1" i="1" lang="en-US" sz="1500" spc="-1" strike="noStrike">
-                <a:solidFill>
-                  <a:srgbClr val="ff0000"/>
-                </a:solidFill>
-                <a:latin typeface="Lato"/>
-                <a:ea typeface="Open Sans Light"/>
-              </a:rPr>
-              <a:t>h</a:t>
-            </a:r>
-            <a:r>
-              <a:rPr b="1" i="1" lang="en-US" sz="1500" spc="-1" strike="noStrike">
-                <a:solidFill>
-                  <a:srgbClr val="ff0000"/>
-                </a:solidFill>
-                <a:latin typeface="Lato"/>
-                <a:ea typeface="Open Sans Light"/>
-              </a:rPr>
-              <a:t>e</a:t>
-            </a:r>
-            <a:r>
-              <a:rPr b="1" i="1" lang="en-US" sz="1500" spc="-1" strike="noStrike">
-                <a:solidFill>
-                  <a:srgbClr val="ff0000"/>
-                </a:solidFill>
-                <a:latin typeface="Lato"/>
-                <a:ea typeface="Open Sans Light"/>
-              </a:rPr>
-              <a:t> </a:t>
-            </a:r>
-            <a:r>
-              <a:rPr b="1" i="1" lang="en-US" sz="1500" spc="-1" strike="noStrike">
-                <a:solidFill>
-                  <a:srgbClr val="ff0000"/>
-                </a:solidFill>
-                <a:latin typeface="Lato"/>
-                <a:ea typeface="Open Sans Light"/>
-              </a:rPr>
-              <a:t>w</a:t>
-            </a:r>
-            <a:r>
-              <a:rPr b="1" i="1" lang="en-US" sz="1500" spc="-1" strike="noStrike">
-                <a:solidFill>
-                  <a:srgbClr val="ff0000"/>
-                </a:solidFill>
-                <a:latin typeface="Lato"/>
-                <a:ea typeface="Open Sans Light"/>
-              </a:rPr>
-              <a:t>e</a:t>
-            </a:r>
-            <a:r>
-              <a:rPr b="1" i="1" lang="en-US" sz="1500" spc="-1" strike="noStrike">
-                <a:solidFill>
-                  <a:srgbClr val="ff0000"/>
-                </a:solidFill>
-                <a:latin typeface="Lato"/>
-                <a:ea typeface="Open Sans Light"/>
-              </a:rPr>
-              <a:t>e</a:t>
-            </a:r>
-            <a:r>
-              <a:rPr b="1" i="1" lang="en-US" sz="1500" spc="-1" strike="noStrike">
-                <a:solidFill>
-                  <a:srgbClr val="ff0000"/>
-                </a:solidFill>
-                <a:latin typeface="Lato"/>
-                <a:ea typeface="Open Sans Light"/>
-              </a:rPr>
-              <a:t>k</a:t>
-            </a:r>
-            <a:r>
-              <a:rPr b="1" i="1" lang="en-US" sz="1500" spc="-1" strike="noStrike">
-                <a:solidFill>
-                  <a:srgbClr val="ff0000"/>
-                </a:solidFill>
-                <a:latin typeface="Lato"/>
-                <a:ea typeface="Open Sans Light"/>
-              </a:rPr>
-              <a:t>e</a:t>
-            </a:r>
-            <a:r>
-              <a:rPr b="1" i="1" lang="en-US" sz="1500" spc="-1" strike="noStrike">
-                <a:solidFill>
-                  <a:srgbClr val="ff0000"/>
-                </a:solidFill>
-                <a:latin typeface="Lato"/>
-                <a:ea typeface="Open Sans Light"/>
-              </a:rPr>
-              <a:t>n</a:t>
-            </a:r>
-            <a:r>
-              <a:rPr b="1" i="1" lang="en-US" sz="1500" spc="-1" strike="noStrike">
-                <a:solidFill>
-                  <a:srgbClr val="ff0000"/>
-                </a:solidFill>
-                <a:latin typeface="Lato"/>
-                <a:ea typeface="Open Sans Light"/>
-              </a:rPr>
-              <a:t>d</a:t>
-            </a:r>
-            <a:r>
-              <a:rPr b="1" i="1" lang="en-US" sz="1500" spc="-1" strike="noStrike">
-                <a:solidFill>
-                  <a:srgbClr val="ff0000"/>
-                </a:solidFill>
-                <a:latin typeface="Lato"/>
-                <a:ea typeface="Open Sans Light"/>
-              </a:rPr>
-              <a:t>?</a:t>
-            </a:r>
-            <a:r>
-              <a:rPr b="1" i="1" lang="en-US" sz="1500" spc="-1" strike="noStrike">
-                <a:solidFill>
-                  <a:srgbClr val="ff0000"/>
-                </a:solidFill>
-                <a:latin typeface="Lato"/>
-                <a:ea typeface="Open Sans Light"/>
-              </a:rPr>
-              <a:t> </a:t>
+              <a:t>What do you like to do on the weekend? </a:t>
             </a:r>
             <a:endParaRPr b="0" lang="en-AU" sz="1500" spc="-1" strike="noStrike">
               <a:latin typeface="Arial"/>
@@ -11816,7 +6346,7 @@
                 <a:latin typeface="Lato"/>
                 <a:ea typeface="Open Sans Light"/>
               </a:rPr>
-              <a:t>2</a:t>
+              <a:t>2.</a:t>
             </a:r>
             <a:r>
               <a:rPr b="1" lang="en-US" sz="1500" spc="-1" strike="noStrike">
@@ -11826,7 +6356,7 @@
                 <a:latin typeface="Lato"/>
                 <a:ea typeface="Open Sans Light"/>
               </a:rPr>
-              <a:t>.</a:t>
+              <a:t>	</a:t>
             </a:r>
             <a:r>
               <a:rPr b="1" lang="en-US" sz="1500" spc="-1" strike="noStrike">
@@ -11846,7 +6376,7 @@
                 <a:latin typeface="Lato"/>
                 <a:ea typeface="Open Sans Light"/>
               </a:rPr>
-              <a:t>	</a:t>
+              <a:t>Closed-ended – where the question would have one correct answer or a limited number of </a:t>
             </a:r>
             <a:r>
               <a:rPr b="1" lang="en-US" sz="1500" spc="-1" strike="noStrike">
@@ -11856,7 +6386,7 @@
                 <a:latin typeface="Lato"/>
                 <a:ea typeface="Open Sans Light"/>
               </a:rPr>
-              <a:t>C</a:t>
+              <a:t>	</a:t>
             </a:r>
             <a:r>
               <a:rPr b="1" lang="en-US" sz="1500" spc="-1" strike="noStrike">
@@ -11866,7 +6396,7 @@
                 <a:latin typeface="Lato"/>
                 <a:ea typeface="Open Sans Light"/>
               </a:rPr>
-              <a:t>l</a:t>
+              <a:t>	</a:t>
             </a:r>
             <a:r>
               <a:rPr b="1" lang="en-US" sz="1500" spc="-1" strike="noStrike">
@@ -11876,947 +6406,7 @@
                 <a:latin typeface="Lato"/>
                 <a:ea typeface="Open Sans Light"/>
               </a:rPr>
-              <a:t>o</a:t>
-            </a:r>
-            <a:r>
-              <a:rPr b="1" lang="en-US" sz="1500" spc="-1" strike="noStrike">
-                <a:solidFill>
-                  <a:srgbClr val="445469"/>
-                </a:solidFill>
-                <a:latin typeface="Lato"/>
-                <a:ea typeface="Open Sans Light"/>
-              </a:rPr>
-              <a:t>s</a:t>
-            </a:r>
-            <a:r>
-              <a:rPr b="1" lang="en-US" sz="1500" spc="-1" strike="noStrike">
-                <a:solidFill>
-                  <a:srgbClr val="445469"/>
-                </a:solidFill>
-                <a:latin typeface="Lato"/>
-                <a:ea typeface="Open Sans Light"/>
-              </a:rPr>
-              <a:t>e</a:t>
-            </a:r>
-            <a:r>
-              <a:rPr b="1" lang="en-US" sz="1500" spc="-1" strike="noStrike">
-                <a:solidFill>
-                  <a:srgbClr val="445469"/>
-                </a:solidFill>
-                <a:latin typeface="Lato"/>
-                <a:ea typeface="Open Sans Light"/>
-              </a:rPr>
-              <a:t>d</a:t>
-            </a:r>
-            <a:r>
-              <a:rPr b="1" lang="en-US" sz="1500" spc="-1" strike="noStrike">
-                <a:solidFill>
-                  <a:srgbClr val="445469"/>
-                </a:solidFill>
-                <a:latin typeface="Lato"/>
-                <a:ea typeface="Open Sans Light"/>
-              </a:rPr>
-              <a:t>-</a:t>
-            </a:r>
-            <a:r>
-              <a:rPr b="1" lang="en-US" sz="1500" spc="-1" strike="noStrike">
-                <a:solidFill>
-                  <a:srgbClr val="445469"/>
-                </a:solidFill>
-                <a:latin typeface="Lato"/>
-                <a:ea typeface="Open Sans Light"/>
-              </a:rPr>
-              <a:t>e</a:t>
-            </a:r>
-            <a:r>
-              <a:rPr b="1" lang="en-US" sz="1500" spc="-1" strike="noStrike">
-                <a:solidFill>
-                  <a:srgbClr val="445469"/>
-                </a:solidFill>
-                <a:latin typeface="Lato"/>
-                <a:ea typeface="Open Sans Light"/>
-              </a:rPr>
-              <a:t>n</a:t>
-            </a:r>
-            <a:r>
-              <a:rPr b="1" lang="en-US" sz="1500" spc="-1" strike="noStrike">
-                <a:solidFill>
-                  <a:srgbClr val="445469"/>
-                </a:solidFill>
-                <a:latin typeface="Lato"/>
-                <a:ea typeface="Open Sans Light"/>
-              </a:rPr>
-              <a:t>d</a:t>
-            </a:r>
-            <a:r>
-              <a:rPr b="1" lang="en-US" sz="1500" spc="-1" strike="noStrike">
-                <a:solidFill>
-                  <a:srgbClr val="445469"/>
-                </a:solidFill>
-                <a:latin typeface="Lato"/>
-                <a:ea typeface="Open Sans Light"/>
-              </a:rPr>
-              <a:t>e</a:t>
-            </a:r>
-            <a:r>
-              <a:rPr b="1" lang="en-US" sz="1500" spc="-1" strike="noStrike">
-                <a:solidFill>
-                  <a:srgbClr val="445469"/>
-                </a:solidFill>
-                <a:latin typeface="Lato"/>
-                <a:ea typeface="Open Sans Light"/>
-              </a:rPr>
-              <a:t>d</a:t>
-            </a:r>
-            <a:r>
-              <a:rPr b="1" lang="en-US" sz="1500" spc="-1" strike="noStrike">
-                <a:solidFill>
-                  <a:srgbClr val="445469"/>
-                </a:solidFill>
-                <a:latin typeface="Lato"/>
-                <a:ea typeface="Open Sans Light"/>
-              </a:rPr>
-              <a:t> </a:t>
-            </a:r>
-            <a:r>
-              <a:rPr b="1" lang="en-US" sz="1500" spc="-1" strike="noStrike">
-                <a:solidFill>
-                  <a:srgbClr val="445469"/>
-                </a:solidFill>
-                <a:latin typeface="Lato"/>
-                <a:ea typeface="Open Sans Light"/>
-              </a:rPr>
-              <a:t>–</a:t>
-            </a:r>
-            <a:r>
-              <a:rPr b="1" lang="en-US" sz="1500" spc="-1" strike="noStrike">
-                <a:solidFill>
-                  <a:srgbClr val="445469"/>
-                </a:solidFill>
-                <a:latin typeface="Lato"/>
-                <a:ea typeface="Open Sans Light"/>
-              </a:rPr>
-              <a:t> </a:t>
-            </a:r>
-            <a:r>
-              <a:rPr b="1" lang="en-US" sz="1500" spc="-1" strike="noStrike">
-                <a:solidFill>
-                  <a:srgbClr val="445469"/>
-                </a:solidFill>
-                <a:latin typeface="Lato"/>
-                <a:ea typeface="Open Sans Light"/>
-              </a:rPr>
-              <a:t>w</a:t>
-            </a:r>
-            <a:r>
-              <a:rPr b="1" lang="en-US" sz="1500" spc="-1" strike="noStrike">
-                <a:solidFill>
-                  <a:srgbClr val="445469"/>
-                </a:solidFill>
-                <a:latin typeface="Lato"/>
-                <a:ea typeface="Open Sans Light"/>
-              </a:rPr>
-              <a:t>h</a:t>
-            </a:r>
-            <a:r>
-              <a:rPr b="1" lang="en-US" sz="1500" spc="-1" strike="noStrike">
-                <a:solidFill>
-                  <a:srgbClr val="445469"/>
-                </a:solidFill>
-                <a:latin typeface="Lato"/>
-                <a:ea typeface="Open Sans Light"/>
-              </a:rPr>
-              <a:t>e</a:t>
-            </a:r>
-            <a:r>
-              <a:rPr b="1" lang="en-US" sz="1500" spc="-1" strike="noStrike">
-                <a:solidFill>
-                  <a:srgbClr val="445469"/>
-                </a:solidFill>
-                <a:latin typeface="Lato"/>
-                <a:ea typeface="Open Sans Light"/>
-              </a:rPr>
-              <a:t>r</a:t>
-            </a:r>
-            <a:r>
-              <a:rPr b="1" lang="en-US" sz="1500" spc="-1" strike="noStrike">
-                <a:solidFill>
-                  <a:srgbClr val="445469"/>
-                </a:solidFill>
-                <a:latin typeface="Lato"/>
-                <a:ea typeface="Open Sans Light"/>
-              </a:rPr>
-              <a:t>e</a:t>
-            </a:r>
-            <a:r>
-              <a:rPr b="1" lang="en-US" sz="1500" spc="-1" strike="noStrike">
-                <a:solidFill>
-                  <a:srgbClr val="445469"/>
-                </a:solidFill>
-                <a:latin typeface="Lato"/>
-                <a:ea typeface="Open Sans Light"/>
-              </a:rPr>
-              <a:t> </a:t>
-            </a:r>
-            <a:r>
-              <a:rPr b="1" lang="en-US" sz="1500" spc="-1" strike="noStrike">
-                <a:solidFill>
-                  <a:srgbClr val="445469"/>
-                </a:solidFill>
-                <a:latin typeface="Lato"/>
-                <a:ea typeface="Open Sans Light"/>
-              </a:rPr>
-              <a:t>t</a:t>
-            </a:r>
-            <a:r>
-              <a:rPr b="1" lang="en-US" sz="1500" spc="-1" strike="noStrike">
-                <a:solidFill>
-                  <a:srgbClr val="445469"/>
-                </a:solidFill>
-                <a:latin typeface="Lato"/>
-                <a:ea typeface="Open Sans Light"/>
-              </a:rPr>
-              <a:t>h</a:t>
-            </a:r>
-            <a:r>
-              <a:rPr b="1" lang="en-US" sz="1500" spc="-1" strike="noStrike">
-                <a:solidFill>
-                  <a:srgbClr val="445469"/>
-                </a:solidFill>
-                <a:latin typeface="Lato"/>
-                <a:ea typeface="Open Sans Light"/>
-              </a:rPr>
-              <a:t>e</a:t>
-            </a:r>
-            <a:r>
-              <a:rPr b="1" lang="en-US" sz="1500" spc="-1" strike="noStrike">
-                <a:solidFill>
-                  <a:srgbClr val="445469"/>
-                </a:solidFill>
-                <a:latin typeface="Lato"/>
-                <a:ea typeface="Open Sans Light"/>
-              </a:rPr>
-              <a:t> </a:t>
-            </a:r>
-            <a:r>
-              <a:rPr b="1" lang="en-US" sz="1500" spc="-1" strike="noStrike">
-                <a:solidFill>
-                  <a:srgbClr val="445469"/>
-                </a:solidFill>
-                <a:latin typeface="Lato"/>
-                <a:ea typeface="Open Sans Light"/>
-              </a:rPr>
-              <a:t>q</a:t>
-            </a:r>
-            <a:r>
-              <a:rPr b="1" lang="en-US" sz="1500" spc="-1" strike="noStrike">
-                <a:solidFill>
-                  <a:srgbClr val="445469"/>
-                </a:solidFill>
-                <a:latin typeface="Lato"/>
-                <a:ea typeface="Open Sans Light"/>
-              </a:rPr>
-              <a:t>u</a:t>
-            </a:r>
-            <a:r>
-              <a:rPr b="1" lang="en-US" sz="1500" spc="-1" strike="noStrike">
-                <a:solidFill>
-                  <a:srgbClr val="445469"/>
-                </a:solidFill>
-                <a:latin typeface="Lato"/>
-                <a:ea typeface="Open Sans Light"/>
-              </a:rPr>
-              <a:t>e</a:t>
-            </a:r>
-            <a:r>
-              <a:rPr b="1" lang="en-US" sz="1500" spc="-1" strike="noStrike">
-                <a:solidFill>
-                  <a:srgbClr val="445469"/>
-                </a:solidFill>
-                <a:latin typeface="Lato"/>
-                <a:ea typeface="Open Sans Light"/>
-              </a:rPr>
-              <a:t>s</a:t>
-            </a:r>
-            <a:r>
-              <a:rPr b="1" lang="en-US" sz="1500" spc="-1" strike="noStrike">
-                <a:solidFill>
-                  <a:srgbClr val="445469"/>
-                </a:solidFill>
-                <a:latin typeface="Lato"/>
-                <a:ea typeface="Open Sans Light"/>
-              </a:rPr>
-              <a:t>t</a:t>
-            </a:r>
-            <a:r>
-              <a:rPr b="1" lang="en-US" sz="1500" spc="-1" strike="noStrike">
-                <a:solidFill>
-                  <a:srgbClr val="445469"/>
-                </a:solidFill>
-                <a:latin typeface="Lato"/>
-                <a:ea typeface="Open Sans Light"/>
-              </a:rPr>
-              <a:t>i</a:t>
-            </a:r>
-            <a:r>
-              <a:rPr b="1" lang="en-US" sz="1500" spc="-1" strike="noStrike">
-                <a:solidFill>
-                  <a:srgbClr val="445469"/>
-                </a:solidFill>
-                <a:latin typeface="Lato"/>
-                <a:ea typeface="Open Sans Light"/>
-              </a:rPr>
-              <a:t>o</a:t>
-            </a:r>
-            <a:r>
-              <a:rPr b="1" lang="en-US" sz="1500" spc="-1" strike="noStrike">
-                <a:solidFill>
-                  <a:srgbClr val="445469"/>
-                </a:solidFill>
-                <a:latin typeface="Lato"/>
-                <a:ea typeface="Open Sans Light"/>
-              </a:rPr>
-              <a:t>n</a:t>
-            </a:r>
-            <a:r>
-              <a:rPr b="1" lang="en-US" sz="1500" spc="-1" strike="noStrike">
-                <a:solidFill>
-                  <a:srgbClr val="445469"/>
-                </a:solidFill>
-                <a:latin typeface="Lato"/>
-                <a:ea typeface="Open Sans Light"/>
-              </a:rPr>
-              <a:t> </a:t>
-            </a:r>
-            <a:r>
-              <a:rPr b="1" lang="en-US" sz="1500" spc="-1" strike="noStrike">
-                <a:solidFill>
-                  <a:srgbClr val="445469"/>
-                </a:solidFill>
-                <a:latin typeface="Lato"/>
-                <a:ea typeface="Open Sans Light"/>
-              </a:rPr>
-              <a:t>w</a:t>
-            </a:r>
-            <a:r>
-              <a:rPr b="1" lang="en-US" sz="1500" spc="-1" strike="noStrike">
-                <a:solidFill>
-                  <a:srgbClr val="445469"/>
-                </a:solidFill>
-                <a:latin typeface="Lato"/>
-                <a:ea typeface="Open Sans Light"/>
-              </a:rPr>
-              <a:t>o</a:t>
-            </a:r>
-            <a:r>
-              <a:rPr b="1" lang="en-US" sz="1500" spc="-1" strike="noStrike">
-                <a:solidFill>
-                  <a:srgbClr val="445469"/>
-                </a:solidFill>
-                <a:latin typeface="Lato"/>
-                <a:ea typeface="Open Sans Light"/>
-              </a:rPr>
-              <a:t>u</a:t>
-            </a:r>
-            <a:r>
-              <a:rPr b="1" lang="en-US" sz="1500" spc="-1" strike="noStrike">
-                <a:solidFill>
-                  <a:srgbClr val="445469"/>
-                </a:solidFill>
-                <a:latin typeface="Lato"/>
-                <a:ea typeface="Open Sans Light"/>
-              </a:rPr>
-              <a:t>l</a:t>
-            </a:r>
-            <a:r>
-              <a:rPr b="1" lang="en-US" sz="1500" spc="-1" strike="noStrike">
-                <a:solidFill>
-                  <a:srgbClr val="445469"/>
-                </a:solidFill>
-                <a:latin typeface="Lato"/>
-                <a:ea typeface="Open Sans Light"/>
-              </a:rPr>
-              <a:t>d</a:t>
-            </a:r>
-            <a:r>
-              <a:rPr b="1" lang="en-US" sz="1500" spc="-1" strike="noStrike">
-                <a:solidFill>
-                  <a:srgbClr val="445469"/>
-                </a:solidFill>
-                <a:latin typeface="Lato"/>
-                <a:ea typeface="Open Sans Light"/>
-              </a:rPr>
-              <a:t> </a:t>
-            </a:r>
-            <a:r>
-              <a:rPr b="1" lang="en-US" sz="1500" spc="-1" strike="noStrike">
-                <a:solidFill>
-                  <a:srgbClr val="445469"/>
-                </a:solidFill>
-                <a:latin typeface="Lato"/>
-                <a:ea typeface="Open Sans Light"/>
-              </a:rPr>
-              <a:t>h</a:t>
-            </a:r>
-            <a:r>
-              <a:rPr b="1" lang="en-US" sz="1500" spc="-1" strike="noStrike">
-                <a:solidFill>
-                  <a:srgbClr val="445469"/>
-                </a:solidFill>
-                <a:latin typeface="Lato"/>
-                <a:ea typeface="Open Sans Light"/>
-              </a:rPr>
-              <a:t>a</a:t>
-            </a:r>
-            <a:r>
-              <a:rPr b="1" lang="en-US" sz="1500" spc="-1" strike="noStrike">
-                <a:solidFill>
-                  <a:srgbClr val="445469"/>
-                </a:solidFill>
-                <a:latin typeface="Lato"/>
-                <a:ea typeface="Open Sans Light"/>
-              </a:rPr>
-              <a:t>v</a:t>
-            </a:r>
-            <a:r>
-              <a:rPr b="1" lang="en-US" sz="1500" spc="-1" strike="noStrike">
-                <a:solidFill>
-                  <a:srgbClr val="445469"/>
-                </a:solidFill>
-                <a:latin typeface="Lato"/>
-                <a:ea typeface="Open Sans Light"/>
-              </a:rPr>
-              <a:t>e</a:t>
-            </a:r>
-            <a:r>
-              <a:rPr b="1" lang="en-US" sz="1500" spc="-1" strike="noStrike">
-                <a:solidFill>
-                  <a:srgbClr val="445469"/>
-                </a:solidFill>
-                <a:latin typeface="Lato"/>
-                <a:ea typeface="Open Sans Light"/>
-              </a:rPr>
-              <a:t> </a:t>
-            </a:r>
-            <a:r>
-              <a:rPr b="1" lang="en-US" sz="1500" spc="-1" strike="noStrike">
-                <a:solidFill>
-                  <a:srgbClr val="445469"/>
-                </a:solidFill>
-                <a:latin typeface="Lato"/>
-                <a:ea typeface="Open Sans Light"/>
-              </a:rPr>
-              <a:t>o</a:t>
-            </a:r>
-            <a:r>
-              <a:rPr b="1" lang="en-US" sz="1500" spc="-1" strike="noStrike">
-                <a:solidFill>
-                  <a:srgbClr val="445469"/>
-                </a:solidFill>
-                <a:latin typeface="Lato"/>
-                <a:ea typeface="Open Sans Light"/>
-              </a:rPr>
-              <a:t>n</a:t>
-            </a:r>
-            <a:r>
-              <a:rPr b="1" lang="en-US" sz="1500" spc="-1" strike="noStrike">
-                <a:solidFill>
-                  <a:srgbClr val="445469"/>
-                </a:solidFill>
-                <a:latin typeface="Lato"/>
-                <a:ea typeface="Open Sans Light"/>
-              </a:rPr>
-              <a:t>e</a:t>
-            </a:r>
-            <a:r>
-              <a:rPr b="1" lang="en-US" sz="1500" spc="-1" strike="noStrike">
-                <a:solidFill>
-                  <a:srgbClr val="445469"/>
-                </a:solidFill>
-                <a:latin typeface="Lato"/>
-                <a:ea typeface="Open Sans Light"/>
-              </a:rPr>
-              <a:t> </a:t>
-            </a:r>
-            <a:r>
-              <a:rPr b="1" lang="en-US" sz="1500" spc="-1" strike="noStrike">
-                <a:solidFill>
-                  <a:srgbClr val="445469"/>
-                </a:solidFill>
-                <a:latin typeface="Lato"/>
-                <a:ea typeface="Open Sans Light"/>
-              </a:rPr>
-              <a:t>c</a:t>
-            </a:r>
-            <a:r>
-              <a:rPr b="1" lang="en-US" sz="1500" spc="-1" strike="noStrike">
-                <a:solidFill>
-                  <a:srgbClr val="445469"/>
-                </a:solidFill>
-                <a:latin typeface="Lato"/>
-                <a:ea typeface="Open Sans Light"/>
-              </a:rPr>
-              <a:t>o</a:t>
-            </a:r>
-            <a:r>
-              <a:rPr b="1" lang="en-US" sz="1500" spc="-1" strike="noStrike">
-                <a:solidFill>
-                  <a:srgbClr val="445469"/>
-                </a:solidFill>
-                <a:latin typeface="Lato"/>
-                <a:ea typeface="Open Sans Light"/>
-              </a:rPr>
-              <a:t>r</a:t>
-            </a:r>
-            <a:r>
-              <a:rPr b="1" lang="en-US" sz="1500" spc="-1" strike="noStrike">
-                <a:solidFill>
-                  <a:srgbClr val="445469"/>
-                </a:solidFill>
-                <a:latin typeface="Lato"/>
-                <a:ea typeface="Open Sans Light"/>
-              </a:rPr>
-              <a:t>r</a:t>
-            </a:r>
-            <a:r>
-              <a:rPr b="1" lang="en-US" sz="1500" spc="-1" strike="noStrike">
-                <a:solidFill>
-                  <a:srgbClr val="445469"/>
-                </a:solidFill>
-                <a:latin typeface="Lato"/>
-                <a:ea typeface="Open Sans Light"/>
-              </a:rPr>
-              <a:t>e</a:t>
-            </a:r>
-            <a:r>
-              <a:rPr b="1" lang="en-US" sz="1500" spc="-1" strike="noStrike">
-                <a:solidFill>
-                  <a:srgbClr val="445469"/>
-                </a:solidFill>
-                <a:latin typeface="Lato"/>
-                <a:ea typeface="Open Sans Light"/>
-              </a:rPr>
-              <a:t>c</a:t>
-            </a:r>
-            <a:r>
-              <a:rPr b="1" lang="en-US" sz="1500" spc="-1" strike="noStrike">
-                <a:solidFill>
-                  <a:srgbClr val="445469"/>
-                </a:solidFill>
-                <a:latin typeface="Lato"/>
-                <a:ea typeface="Open Sans Light"/>
-              </a:rPr>
-              <a:t>t</a:t>
-            </a:r>
-            <a:r>
-              <a:rPr b="1" lang="en-US" sz="1500" spc="-1" strike="noStrike">
-                <a:solidFill>
-                  <a:srgbClr val="445469"/>
-                </a:solidFill>
-                <a:latin typeface="Lato"/>
-                <a:ea typeface="Open Sans Light"/>
-              </a:rPr>
-              <a:t> </a:t>
-            </a:r>
-            <a:r>
-              <a:rPr b="1" lang="en-US" sz="1500" spc="-1" strike="noStrike">
-                <a:solidFill>
-                  <a:srgbClr val="445469"/>
-                </a:solidFill>
-                <a:latin typeface="Lato"/>
-                <a:ea typeface="Open Sans Light"/>
-              </a:rPr>
-              <a:t>a</a:t>
-            </a:r>
-            <a:r>
-              <a:rPr b="1" lang="en-US" sz="1500" spc="-1" strike="noStrike">
-                <a:solidFill>
-                  <a:srgbClr val="445469"/>
-                </a:solidFill>
-                <a:latin typeface="Lato"/>
-                <a:ea typeface="Open Sans Light"/>
-              </a:rPr>
-              <a:t>n</a:t>
-            </a:r>
-            <a:r>
-              <a:rPr b="1" lang="en-US" sz="1500" spc="-1" strike="noStrike">
-                <a:solidFill>
-                  <a:srgbClr val="445469"/>
-                </a:solidFill>
-                <a:latin typeface="Lato"/>
-                <a:ea typeface="Open Sans Light"/>
-              </a:rPr>
-              <a:t>s</a:t>
-            </a:r>
-            <a:r>
-              <a:rPr b="1" lang="en-US" sz="1500" spc="-1" strike="noStrike">
-                <a:solidFill>
-                  <a:srgbClr val="445469"/>
-                </a:solidFill>
-                <a:latin typeface="Lato"/>
-                <a:ea typeface="Open Sans Light"/>
-              </a:rPr>
-              <a:t>w</a:t>
-            </a:r>
-            <a:r>
-              <a:rPr b="1" lang="en-US" sz="1500" spc="-1" strike="noStrike">
-                <a:solidFill>
-                  <a:srgbClr val="445469"/>
-                </a:solidFill>
-                <a:latin typeface="Lato"/>
-                <a:ea typeface="Open Sans Light"/>
-              </a:rPr>
-              <a:t>e</a:t>
-            </a:r>
-            <a:r>
-              <a:rPr b="1" lang="en-US" sz="1500" spc="-1" strike="noStrike">
-                <a:solidFill>
-                  <a:srgbClr val="445469"/>
-                </a:solidFill>
-                <a:latin typeface="Lato"/>
-                <a:ea typeface="Open Sans Light"/>
-              </a:rPr>
-              <a:t>r</a:t>
-            </a:r>
-            <a:r>
-              <a:rPr b="1" lang="en-US" sz="1500" spc="-1" strike="noStrike">
-                <a:solidFill>
-                  <a:srgbClr val="445469"/>
-                </a:solidFill>
-                <a:latin typeface="Lato"/>
-                <a:ea typeface="Open Sans Light"/>
-              </a:rPr>
-              <a:t> </a:t>
-            </a:r>
-            <a:r>
-              <a:rPr b="1" lang="en-US" sz="1500" spc="-1" strike="noStrike">
-                <a:solidFill>
-                  <a:srgbClr val="445469"/>
-                </a:solidFill>
-                <a:latin typeface="Lato"/>
-                <a:ea typeface="Open Sans Light"/>
-              </a:rPr>
-              <a:t>o</a:t>
-            </a:r>
-            <a:r>
-              <a:rPr b="1" lang="en-US" sz="1500" spc="-1" strike="noStrike">
-                <a:solidFill>
-                  <a:srgbClr val="445469"/>
-                </a:solidFill>
-                <a:latin typeface="Lato"/>
-                <a:ea typeface="Open Sans Light"/>
-              </a:rPr>
-              <a:t>r</a:t>
-            </a:r>
-            <a:r>
-              <a:rPr b="1" lang="en-US" sz="1500" spc="-1" strike="noStrike">
-                <a:solidFill>
-                  <a:srgbClr val="445469"/>
-                </a:solidFill>
-                <a:latin typeface="Lato"/>
-                <a:ea typeface="Open Sans Light"/>
-              </a:rPr>
-              <a:t> </a:t>
-            </a:r>
-            <a:r>
-              <a:rPr b="1" lang="en-US" sz="1500" spc="-1" strike="noStrike">
-                <a:solidFill>
-                  <a:srgbClr val="445469"/>
-                </a:solidFill>
-                <a:latin typeface="Lato"/>
-                <a:ea typeface="Open Sans Light"/>
-              </a:rPr>
-              <a:t>a</a:t>
-            </a:r>
-            <a:r>
-              <a:rPr b="1" lang="en-US" sz="1500" spc="-1" strike="noStrike">
-                <a:solidFill>
-                  <a:srgbClr val="445469"/>
-                </a:solidFill>
-                <a:latin typeface="Lato"/>
-                <a:ea typeface="Open Sans Light"/>
-              </a:rPr>
-              <a:t> </a:t>
-            </a:r>
-            <a:r>
-              <a:rPr b="1" lang="en-US" sz="1500" spc="-1" strike="noStrike">
-                <a:solidFill>
-                  <a:srgbClr val="445469"/>
-                </a:solidFill>
-                <a:latin typeface="Lato"/>
-                <a:ea typeface="Open Sans Light"/>
-              </a:rPr>
-              <a:t>l</a:t>
-            </a:r>
-            <a:r>
-              <a:rPr b="1" lang="en-US" sz="1500" spc="-1" strike="noStrike">
-                <a:solidFill>
-                  <a:srgbClr val="445469"/>
-                </a:solidFill>
-                <a:latin typeface="Lato"/>
-                <a:ea typeface="Open Sans Light"/>
-              </a:rPr>
-              <a:t>i</a:t>
-            </a:r>
-            <a:r>
-              <a:rPr b="1" lang="en-US" sz="1500" spc="-1" strike="noStrike">
-                <a:solidFill>
-                  <a:srgbClr val="445469"/>
-                </a:solidFill>
-                <a:latin typeface="Lato"/>
-                <a:ea typeface="Open Sans Light"/>
-              </a:rPr>
-              <a:t>m</a:t>
-            </a:r>
-            <a:r>
-              <a:rPr b="1" lang="en-US" sz="1500" spc="-1" strike="noStrike">
-                <a:solidFill>
-                  <a:srgbClr val="445469"/>
-                </a:solidFill>
-                <a:latin typeface="Lato"/>
-                <a:ea typeface="Open Sans Light"/>
-              </a:rPr>
-              <a:t>i</a:t>
-            </a:r>
-            <a:r>
-              <a:rPr b="1" lang="en-US" sz="1500" spc="-1" strike="noStrike">
-                <a:solidFill>
-                  <a:srgbClr val="445469"/>
-                </a:solidFill>
-                <a:latin typeface="Lato"/>
-                <a:ea typeface="Open Sans Light"/>
-              </a:rPr>
-              <a:t>t</a:t>
-            </a:r>
-            <a:r>
-              <a:rPr b="1" lang="en-US" sz="1500" spc="-1" strike="noStrike">
-                <a:solidFill>
-                  <a:srgbClr val="445469"/>
-                </a:solidFill>
-                <a:latin typeface="Lato"/>
-                <a:ea typeface="Open Sans Light"/>
-              </a:rPr>
-              <a:t>e</a:t>
-            </a:r>
-            <a:r>
-              <a:rPr b="1" lang="en-US" sz="1500" spc="-1" strike="noStrike">
-                <a:solidFill>
-                  <a:srgbClr val="445469"/>
-                </a:solidFill>
-                <a:latin typeface="Lato"/>
-                <a:ea typeface="Open Sans Light"/>
-              </a:rPr>
-              <a:t>d</a:t>
-            </a:r>
-            <a:r>
-              <a:rPr b="1" lang="en-US" sz="1500" spc="-1" strike="noStrike">
-                <a:solidFill>
-                  <a:srgbClr val="445469"/>
-                </a:solidFill>
-                <a:latin typeface="Lato"/>
-                <a:ea typeface="Open Sans Light"/>
-              </a:rPr>
-              <a:t> </a:t>
-            </a:r>
-            <a:r>
-              <a:rPr b="1" lang="en-US" sz="1500" spc="-1" strike="noStrike">
-                <a:solidFill>
-                  <a:srgbClr val="445469"/>
-                </a:solidFill>
-                <a:latin typeface="Lato"/>
-                <a:ea typeface="Open Sans Light"/>
-              </a:rPr>
-              <a:t>n</a:t>
-            </a:r>
-            <a:r>
-              <a:rPr b="1" lang="en-US" sz="1500" spc="-1" strike="noStrike">
-                <a:solidFill>
-                  <a:srgbClr val="445469"/>
-                </a:solidFill>
-                <a:latin typeface="Lato"/>
-                <a:ea typeface="Open Sans Light"/>
-              </a:rPr>
-              <a:t>u</a:t>
-            </a:r>
-            <a:r>
-              <a:rPr b="1" lang="en-US" sz="1500" spc="-1" strike="noStrike">
-                <a:solidFill>
-                  <a:srgbClr val="445469"/>
-                </a:solidFill>
-                <a:latin typeface="Lato"/>
-                <a:ea typeface="Open Sans Light"/>
-              </a:rPr>
-              <a:t>m</a:t>
-            </a:r>
-            <a:r>
-              <a:rPr b="1" lang="en-US" sz="1500" spc="-1" strike="noStrike">
-                <a:solidFill>
-                  <a:srgbClr val="445469"/>
-                </a:solidFill>
-                <a:latin typeface="Lato"/>
-                <a:ea typeface="Open Sans Light"/>
-              </a:rPr>
-              <a:t>b</a:t>
-            </a:r>
-            <a:r>
-              <a:rPr b="1" lang="en-US" sz="1500" spc="-1" strike="noStrike">
-                <a:solidFill>
-                  <a:srgbClr val="445469"/>
-                </a:solidFill>
-                <a:latin typeface="Lato"/>
-                <a:ea typeface="Open Sans Light"/>
-              </a:rPr>
-              <a:t>e</a:t>
-            </a:r>
-            <a:r>
-              <a:rPr b="1" lang="en-US" sz="1500" spc="-1" strike="noStrike">
-                <a:solidFill>
-                  <a:srgbClr val="445469"/>
-                </a:solidFill>
-                <a:latin typeface="Lato"/>
-                <a:ea typeface="Open Sans Light"/>
-              </a:rPr>
-              <a:t>r</a:t>
-            </a:r>
-            <a:r>
-              <a:rPr b="1" lang="en-US" sz="1500" spc="-1" strike="noStrike">
-                <a:solidFill>
-                  <a:srgbClr val="445469"/>
-                </a:solidFill>
-                <a:latin typeface="Lato"/>
-                <a:ea typeface="Open Sans Light"/>
-              </a:rPr>
-              <a:t> </a:t>
-            </a:r>
-            <a:r>
-              <a:rPr b="1" lang="en-US" sz="1500" spc="-1" strike="noStrike">
-                <a:solidFill>
-                  <a:srgbClr val="445469"/>
-                </a:solidFill>
-                <a:latin typeface="Lato"/>
-                <a:ea typeface="Open Sans Light"/>
-              </a:rPr>
-              <a:t>o</a:t>
-            </a:r>
-            <a:r>
-              <a:rPr b="1" lang="en-US" sz="1500" spc="-1" strike="noStrike">
-                <a:solidFill>
-                  <a:srgbClr val="445469"/>
-                </a:solidFill>
-                <a:latin typeface="Lato"/>
-                <a:ea typeface="Open Sans Light"/>
-              </a:rPr>
-              <a:t>f</a:t>
-            </a:r>
-            <a:r>
-              <a:rPr b="1" lang="en-US" sz="1500" spc="-1" strike="noStrike">
-                <a:solidFill>
-                  <a:srgbClr val="445469"/>
-                </a:solidFill>
-                <a:latin typeface="Lato"/>
-                <a:ea typeface="Open Sans Light"/>
-              </a:rPr>
-              <a:t> </a:t>
-            </a:r>
-            <a:r>
-              <a:rPr b="1" lang="en-US" sz="1500" spc="-1" strike="noStrike">
-                <a:solidFill>
-                  <a:srgbClr val="445469"/>
-                </a:solidFill>
-                <a:latin typeface="Lato"/>
-                <a:ea typeface="Open Sans Light"/>
-              </a:rPr>
-              <a:t>	</a:t>
-            </a:r>
-            <a:r>
-              <a:rPr b="1" lang="en-US" sz="1500" spc="-1" strike="noStrike">
-                <a:solidFill>
-                  <a:srgbClr val="445469"/>
-                </a:solidFill>
-                <a:latin typeface="Lato"/>
-                <a:ea typeface="Open Sans Light"/>
-              </a:rPr>
-              <a:t>	</a:t>
-            </a:r>
-            <a:r>
-              <a:rPr b="1" lang="en-US" sz="1500" spc="-1" strike="noStrike">
-                <a:solidFill>
-                  <a:srgbClr val="445469"/>
-                </a:solidFill>
-                <a:latin typeface="Lato"/>
-                <a:ea typeface="Open Sans Light"/>
-              </a:rPr>
-              <a:t>o</a:t>
-            </a:r>
-            <a:r>
-              <a:rPr b="1" lang="en-US" sz="1500" spc="-1" strike="noStrike">
-                <a:solidFill>
-                  <a:srgbClr val="445469"/>
-                </a:solidFill>
-                <a:latin typeface="Lato"/>
-                <a:ea typeface="Open Sans Light"/>
-              </a:rPr>
-              <a:t>p</a:t>
-            </a:r>
-            <a:r>
-              <a:rPr b="1" lang="en-US" sz="1500" spc="-1" strike="noStrike">
-                <a:solidFill>
-                  <a:srgbClr val="445469"/>
-                </a:solidFill>
-                <a:latin typeface="Lato"/>
-                <a:ea typeface="Open Sans Light"/>
-              </a:rPr>
-              <a:t>t</a:t>
-            </a:r>
-            <a:r>
-              <a:rPr b="1" lang="en-US" sz="1500" spc="-1" strike="noStrike">
-                <a:solidFill>
-                  <a:srgbClr val="445469"/>
-                </a:solidFill>
-                <a:latin typeface="Lato"/>
-                <a:ea typeface="Open Sans Light"/>
-              </a:rPr>
-              <a:t>i</a:t>
-            </a:r>
-            <a:r>
-              <a:rPr b="1" lang="en-US" sz="1500" spc="-1" strike="noStrike">
-                <a:solidFill>
-                  <a:srgbClr val="445469"/>
-                </a:solidFill>
-                <a:latin typeface="Lato"/>
-                <a:ea typeface="Open Sans Light"/>
-              </a:rPr>
-              <a:t>o</a:t>
-            </a:r>
-            <a:r>
-              <a:rPr b="1" lang="en-US" sz="1500" spc="-1" strike="noStrike">
-                <a:solidFill>
-                  <a:srgbClr val="445469"/>
-                </a:solidFill>
-                <a:latin typeface="Lato"/>
-                <a:ea typeface="Open Sans Light"/>
-              </a:rPr>
-              <a:t>n</a:t>
-            </a:r>
-            <a:r>
-              <a:rPr b="1" lang="en-US" sz="1500" spc="-1" strike="noStrike">
-                <a:solidFill>
-                  <a:srgbClr val="445469"/>
-                </a:solidFill>
-                <a:latin typeface="Lato"/>
-                <a:ea typeface="Open Sans Light"/>
-              </a:rPr>
-              <a:t>s</a:t>
-            </a:r>
-            <a:r>
-              <a:rPr b="1" lang="en-US" sz="1500" spc="-1" strike="noStrike">
-                <a:solidFill>
-                  <a:srgbClr val="445469"/>
-                </a:solidFill>
-                <a:latin typeface="Lato"/>
-                <a:ea typeface="Open Sans Light"/>
-              </a:rPr>
-              <a:t>.</a:t>
+              <a:t>options.</a:t>
             </a:r>
             <a:endParaRPr b="0" lang="en-AU" sz="1500" spc="-1" strike="noStrike">
               <a:latin typeface="Arial"/>
@@ -12872,307 +6462,7 @@
                 <a:latin typeface="Lato"/>
                 <a:ea typeface="Open Sans Light"/>
               </a:rPr>
-              <a:t>S</a:t>
-            </a:r>
-            <a:r>
-              <a:rPr b="1" i="1" lang="en-US" sz="1500" spc="-1" strike="noStrike">
-                <a:solidFill>
-                  <a:srgbClr val="ff0000"/>
-                </a:solidFill>
-                <a:latin typeface="Lato"/>
-                <a:ea typeface="Open Sans Light"/>
-              </a:rPr>
-              <a:t>e</a:t>
-            </a:r>
-            <a:r>
-              <a:rPr b="1" i="1" lang="en-US" sz="1500" spc="-1" strike="noStrike">
-                <a:solidFill>
-                  <a:srgbClr val="ff0000"/>
-                </a:solidFill>
-                <a:latin typeface="Lato"/>
-                <a:ea typeface="Open Sans Light"/>
-              </a:rPr>
-              <a:t>l</a:t>
-            </a:r>
-            <a:r>
-              <a:rPr b="1" i="1" lang="en-US" sz="1500" spc="-1" strike="noStrike">
-                <a:solidFill>
-                  <a:srgbClr val="ff0000"/>
-                </a:solidFill>
-                <a:latin typeface="Lato"/>
-                <a:ea typeface="Open Sans Light"/>
-              </a:rPr>
-              <a:t>e</a:t>
-            </a:r>
-            <a:r>
-              <a:rPr b="1" i="1" lang="en-US" sz="1500" spc="-1" strike="noStrike">
-                <a:solidFill>
-                  <a:srgbClr val="ff0000"/>
-                </a:solidFill>
-                <a:latin typeface="Lato"/>
-                <a:ea typeface="Open Sans Light"/>
-              </a:rPr>
-              <a:t>c</a:t>
-            </a:r>
-            <a:r>
-              <a:rPr b="1" i="1" lang="en-US" sz="1500" spc="-1" strike="noStrike">
-                <a:solidFill>
-                  <a:srgbClr val="ff0000"/>
-                </a:solidFill>
-                <a:latin typeface="Lato"/>
-                <a:ea typeface="Open Sans Light"/>
-              </a:rPr>
-              <a:t>t</a:t>
-            </a:r>
-            <a:r>
-              <a:rPr b="1" i="1" lang="en-US" sz="1500" spc="-1" strike="noStrike">
-                <a:solidFill>
-                  <a:srgbClr val="ff0000"/>
-                </a:solidFill>
-                <a:latin typeface="Lato"/>
-                <a:ea typeface="Open Sans Light"/>
-              </a:rPr>
-              <a:t> </a:t>
-            </a:r>
-            <a:r>
-              <a:rPr b="1" i="1" lang="en-US" sz="1500" spc="-1" strike="noStrike">
-                <a:solidFill>
-                  <a:srgbClr val="ff0000"/>
-                </a:solidFill>
-                <a:latin typeface="Lato"/>
-                <a:ea typeface="Open Sans Light"/>
-              </a:rPr>
-              <a:t>t</a:t>
-            </a:r>
-            <a:r>
-              <a:rPr b="1" i="1" lang="en-US" sz="1500" spc="-1" strike="noStrike">
-                <a:solidFill>
-                  <a:srgbClr val="ff0000"/>
-                </a:solidFill>
-                <a:latin typeface="Lato"/>
-                <a:ea typeface="Open Sans Light"/>
-              </a:rPr>
-              <a:t>h</a:t>
-            </a:r>
-            <a:r>
-              <a:rPr b="1" i="1" lang="en-US" sz="1500" spc="-1" strike="noStrike">
-                <a:solidFill>
-                  <a:srgbClr val="ff0000"/>
-                </a:solidFill>
-                <a:latin typeface="Lato"/>
-                <a:ea typeface="Open Sans Light"/>
-              </a:rPr>
-              <a:t>e</a:t>
-            </a:r>
-            <a:r>
-              <a:rPr b="1" i="1" lang="en-US" sz="1500" spc="-1" strike="noStrike">
-                <a:solidFill>
-                  <a:srgbClr val="ff0000"/>
-                </a:solidFill>
-                <a:latin typeface="Lato"/>
-                <a:ea typeface="Open Sans Light"/>
-              </a:rPr>
-              <a:t> </a:t>
-            </a:r>
-            <a:r>
-              <a:rPr b="1" i="1" lang="en-US" sz="1500" spc="-1" strike="noStrike">
-                <a:solidFill>
-                  <a:srgbClr val="ff0000"/>
-                </a:solidFill>
-                <a:latin typeface="Lato"/>
-                <a:ea typeface="Open Sans Light"/>
-              </a:rPr>
-              <a:t>t</a:t>
-            </a:r>
-            <a:r>
-              <a:rPr b="1" i="1" lang="en-US" sz="1500" spc="-1" strike="noStrike">
-                <a:solidFill>
-                  <a:srgbClr val="ff0000"/>
-                </a:solidFill>
-                <a:latin typeface="Lato"/>
-                <a:ea typeface="Open Sans Light"/>
-              </a:rPr>
-              <a:t>h</a:t>
-            </a:r>
-            <a:r>
-              <a:rPr b="1" i="1" lang="en-US" sz="1500" spc="-1" strike="noStrike">
-                <a:solidFill>
-                  <a:srgbClr val="ff0000"/>
-                </a:solidFill>
-                <a:latin typeface="Lato"/>
-                <a:ea typeface="Open Sans Light"/>
-              </a:rPr>
-              <a:t>i</a:t>
-            </a:r>
-            <a:r>
-              <a:rPr b="1" i="1" lang="en-US" sz="1500" spc="-1" strike="noStrike">
-                <a:solidFill>
-                  <a:srgbClr val="ff0000"/>
-                </a:solidFill>
-                <a:latin typeface="Lato"/>
-                <a:ea typeface="Open Sans Light"/>
-              </a:rPr>
-              <a:t>n</a:t>
-            </a:r>
-            <a:r>
-              <a:rPr b="1" i="1" lang="en-US" sz="1500" spc="-1" strike="noStrike">
-                <a:solidFill>
-                  <a:srgbClr val="ff0000"/>
-                </a:solidFill>
-                <a:latin typeface="Lato"/>
-                <a:ea typeface="Open Sans Light"/>
-              </a:rPr>
-              <a:t>g</a:t>
-            </a:r>
-            <a:r>
-              <a:rPr b="1" i="1" lang="en-US" sz="1500" spc="-1" strike="noStrike">
-                <a:solidFill>
-                  <a:srgbClr val="ff0000"/>
-                </a:solidFill>
-                <a:latin typeface="Lato"/>
-                <a:ea typeface="Open Sans Light"/>
-              </a:rPr>
-              <a:t>s</a:t>
-            </a:r>
-            <a:r>
-              <a:rPr b="1" i="1" lang="en-US" sz="1500" spc="-1" strike="noStrike">
-                <a:solidFill>
-                  <a:srgbClr val="ff0000"/>
-                </a:solidFill>
-                <a:latin typeface="Lato"/>
-                <a:ea typeface="Open Sans Light"/>
-              </a:rPr>
-              <a:t> </a:t>
-            </a:r>
-            <a:r>
-              <a:rPr b="1" i="1" lang="en-US" sz="1500" spc="-1" strike="noStrike">
-                <a:solidFill>
-                  <a:srgbClr val="ff0000"/>
-                </a:solidFill>
-                <a:latin typeface="Lato"/>
-                <a:ea typeface="Open Sans Light"/>
-              </a:rPr>
-              <a:t>y</a:t>
-            </a:r>
-            <a:r>
-              <a:rPr b="1" i="1" lang="en-US" sz="1500" spc="-1" strike="noStrike">
-                <a:solidFill>
-                  <a:srgbClr val="ff0000"/>
-                </a:solidFill>
-                <a:latin typeface="Lato"/>
-                <a:ea typeface="Open Sans Light"/>
-              </a:rPr>
-              <a:t>o</a:t>
-            </a:r>
-            <a:r>
-              <a:rPr b="1" i="1" lang="en-US" sz="1500" spc="-1" strike="noStrike">
-                <a:solidFill>
-                  <a:srgbClr val="ff0000"/>
-                </a:solidFill>
-                <a:latin typeface="Lato"/>
-                <a:ea typeface="Open Sans Light"/>
-              </a:rPr>
-              <a:t>u</a:t>
-            </a:r>
-            <a:r>
-              <a:rPr b="1" i="1" lang="en-US" sz="1500" spc="-1" strike="noStrike">
-                <a:solidFill>
-                  <a:srgbClr val="ff0000"/>
-                </a:solidFill>
-                <a:latin typeface="Lato"/>
-                <a:ea typeface="Open Sans Light"/>
-              </a:rPr>
-              <a:t> </a:t>
-            </a:r>
-            <a:r>
-              <a:rPr b="1" i="1" lang="en-US" sz="1500" spc="-1" strike="noStrike">
-                <a:solidFill>
-                  <a:srgbClr val="ff0000"/>
-                </a:solidFill>
-                <a:latin typeface="Lato"/>
-                <a:ea typeface="Open Sans Light"/>
-              </a:rPr>
-              <a:t>d</a:t>
-            </a:r>
-            <a:r>
-              <a:rPr b="1" i="1" lang="en-US" sz="1500" spc="-1" strike="noStrike">
-                <a:solidFill>
-                  <a:srgbClr val="ff0000"/>
-                </a:solidFill>
-                <a:latin typeface="Lato"/>
-                <a:ea typeface="Open Sans Light"/>
-              </a:rPr>
-              <a:t>o</a:t>
-            </a:r>
-            <a:r>
-              <a:rPr b="1" i="1" lang="en-US" sz="1500" spc="-1" strike="noStrike">
-                <a:solidFill>
-                  <a:srgbClr val="ff0000"/>
-                </a:solidFill>
-                <a:latin typeface="Lato"/>
-                <a:ea typeface="Open Sans Light"/>
-              </a:rPr>
-              <a:t> </a:t>
-            </a:r>
-            <a:r>
-              <a:rPr b="1" i="1" lang="en-US" sz="1500" spc="-1" strike="noStrike">
-                <a:solidFill>
-                  <a:srgbClr val="ff0000"/>
-                </a:solidFill>
-                <a:latin typeface="Lato"/>
-                <a:ea typeface="Open Sans Light"/>
-              </a:rPr>
-              <a:t>o</a:t>
-            </a:r>
-            <a:r>
-              <a:rPr b="1" i="1" lang="en-US" sz="1500" spc="-1" strike="noStrike">
-                <a:solidFill>
-                  <a:srgbClr val="ff0000"/>
-                </a:solidFill>
-                <a:latin typeface="Lato"/>
-                <a:ea typeface="Open Sans Light"/>
-              </a:rPr>
-              <a:t>n</a:t>
-            </a:r>
-            <a:r>
-              <a:rPr b="1" i="1" lang="en-US" sz="1500" spc="-1" strike="noStrike">
-                <a:solidFill>
-                  <a:srgbClr val="ff0000"/>
-                </a:solidFill>
-                <a:latin typeface="Lato"/>
-                <a:ea typeface="Open Sans Light"/>
-              </a:rPr>
-              <a:t> </a:t>
-            </a:r>
-            <a:r>
-              <a:rPr b="1" i="1" lang="en-US" sz="1500" spc="-1" strike="noStrike">
-                <a:solidFill>
-                  <a:srgbClr val="ff0000"/>
-                </a:solidFill>
-                <a:latin typeface="Lato"/>
-                <a:ea typeface="Open Sans Light"/>
-              </a:rPr>
-              <a:t>t</a:t>
-            </a:r>
-            <a:r>
-              <a:rPr b="1" i="1" lang="en-US" sz="1500" spc="-1" strike="noStrike">
-                <a:solidFill>
-                  <a:srgbClr val="ff0000"/>
-                </a:solidFill>
-                <a:latin typeface="Lato"/>
-                <a:ea typeface="Open Sans Light"/>
-              </a:rPr>
-              <a:t>h</a:t>
-            </a:r>
-            <a:r>
-              <a:rPr b="1" i="1" lang="en-US" sz="1500" spc="-1" strike="noStrike">
-                <a:solidFill>
-                  <a:srgbClr val="ff0000"/>
-                </a:solidFill>
-                <a:latin typeface="Lato"/>
-                <a:ea typeface="Open Sans Light"/>
-              </a:rPr>
-              <a:t>e</a:t>
+              <a:t>Select the things you do on the</a:t>
             </a:r>
             <a:r>
               <a:rPr b="1" i="1" lang="en-US" sz="3200" spc="-1" strike="noStrike">
@@ -13192,467 +6482,17 @@
                 <a:latin typeface="Lato"/>
                 <a:ea typeface="Open Sans Light"/>
               </a:rPr>
-              <a:t>w</a:t>
-            </a:r>
-            <a:r>
-              <a:rPr b="1" i="1" lang="en-US" sz="1500" spc="-1" strike="noStrike">
-                <a:solidFill>
-                  <a:srgbClr val="ff0000"/>
+              <a:t>weekend? </a:t>
+            </a:r>
+            <a:r>
+              <a:rPr b="1" lang="en-US" sz="1500" spc="-1" strike="noStrike">
+                <a:solidFill>
+                  <a:srgbClr val="445469"/>
                 </a:solidFill>
                 <a:latin typeface="Lato"/>
                 <a:ea typeface="Open Sans Light"/>
               </a:rPr>
-              <a:t>e</a:t>
-            </a:r>
-            <a:r>
-              <a:rPr b="1" i="1" lang="en-US" sz="1500" spc="-1" strike="noStrike">
-                <a:solidFill>
-                  <a:srgbClr val="ff0000"/>
-                </a:solidFill>
-                <a:latin typeface="Lato"/>
-                <a:ea typeface="Open Sans Light"/>
-              </a:rPr>
-              <a:t>e</a:t>
-            </a:r>
-            <a:r>
-              <a:rPr b="1" i="1" lang="en-US" sz="1500" spc="-1" strike="noStrike">
-                <a:solidFill>
-                  <a:srgbClr val="ff0000"/>
-                </a:solidFill>
-                <a:latin typeface="Lato"/>
-                <a:ea typeface="Open Sans Light"/>
-              </a:rPr>
-              <a:t>k</a:t>
-            </a:r>
-            <a:r>
-              <a:rPr b="1" i="1" lang="en-US" sz="1500" spc="-1" strike="noStrike">
-                <a:solidFill>
-                  <a:srgbClr val="ff0000"/>
-                </a:solidFill>
-                <a:latin typeface="Lato"/>
-                <a:ea typeface="Open Sans Light"/>
-              </a:rPr>
-              <a:t>e</a:t>
-            </a:r>
-            <a:r>
-              <a:rPr b="1" i="1" lang="en-US" sz="1500" spc="-1" strike="noStrike">
-                <a:solidFill>
-                  <a:srgbClr val="ff0000"/>
-                </a:solidFill>
-                <a:latin typeface="Lato"/>
-                <a:ea typeface="Open Sans Light"/>
-              </a:rPr>
-              <a:t>n</a:t>
-            </a:r>
-            <a:r>
-              <a:rPr b="1" i="1" lang="en-US" sz="1500" spc="-1" strike="noStrike">
-                <a:solidFill>
-                  <a:srgbClr val="ff0000"/>
-                </a:solidFill>
-                <a:latin typeface="Lato"/>
-                <a:ea typeface="Open Sans Light"/>
-              </a:rPr>
-              <a:t>d</a:t>
-            </a:r>
-            <a:r>
-              <a:rPr b="1" i="1" lang="en-US" sz="1500" spc="-1" strike="noStrike">
-                <a:solidFill>
-                  <a:srgbClr val="ff0000"/>
-                </a:solidFill>
-                <a:latin typeface="Lato"/>
-                <a:ea typeface="Open Sans Light"/>
-              </a:rPr>
-              <a:t>?</a:t>
-            </a:r>
-            <a:r>
-              <a:rPr b="1" i="1" lang="en-US" sz="1500" spc="-1" strike="noStrike">
-                <a:solidFill>
-                  <a:srgbClr val="ff0000"/>
-                </a:solidFill>
-                <a:latin typeface="Lato"/>
-                <a:ea typeface="Open Sans Light"/>
-              </a:rPr>
-              <a:t> </a:t>
-            </a:r>
-            <a:r>
-              <a:rPr b="1" lang="en-US" sz="1500" spc="-1" strike="noStrike">
-                <a:solidFill>
-                  <a:srgbClr val="445469"/>
-                </a:solidFill>
-                <a:latin typeface="Lato"/>
-                <a:ea typeface="Open Sans Light"/>
-              </a:rPr>
-              <a:t> </a:t>
-            </a:r>
-            <a:r>
-              <a:rPr b="1" lang="en-US" sz="1500" spc="-1" strike="noStrike">
-                <a:solidFill>
-                  <a:srgbClr val="445469"/>
-                </a:solidFill>
-                <a:latin typeface="Lato"/>
-                <a:ea typeface="Open Sans Light"/>
-              </a:rPr>
-              <a:t> </a:t>
-            </a:r>
-            <a:r>
-              <a:rPr b="1" lang="en-US" sz="1500" spc="-1" strike="noStrike">
-                <a:solidFill>
-                  <a:srgbClr val="445469"/>
-                </a:solidFill>
-                <a:latin typeface="Lato"/>
-                <a:ea typeface="Open Sans Light"/>
-              </a:rPr>
-              <a:t> </a:t>
-            </a:r>
-            <a:r>
-              <a:rPr b="1" lang="en-US" sz="1500" spc="-1" strike="noStrike">
-                <a:solidFill>
-                  <a:srgbClr val="445469"/>
-                </a:solidFill>
-                <a:latin typeface="Lato"/>
-                <a:ea typeface="Open Sans Light"/>
-              </a:rPr>
-              <a:t>1</a:t>
-            </a:r>
-            <a:r>
-              <a:rPr b="1" lang="en-US" sz="1500" spc="-1" strike="noStrike">
-                <a:solidFill>
-                  <a:srgbClr val="445469"/>
-                </a:solidFill>
-                <a:latin typeface="Lato"/>
-                <a:ea typeface="Open Sans Light"/>
-              </a:rPr>
-              <a:t>.</a:t>
-            </a:r>
-            <a:r>
-              <a:rPr b="1" lang="en-US" sz="1500" spc="-1" strike="noStrike">
-                <a:solidFill>
-                  <a:srgbClr val="445469"/>
-                </a:solidFill>
-                <a:latin typeface="Lato"/>
-                <a:ea typeface="Open Sans Light"/>
-              </a:rPr>
-              <a:t> </a:t>
-            </a:r>
-            <a:r>
-              <a:rPr b="1" lang="en-US" sz="1500" spc="-1" strike="noStrike">
-                <a:solidFill>
-                  <a:srgbClr val="445469"/>
-                </a:solidFill>
-                <a:latin typeface="Lato"/>
-                <a:ea typeface="Open Sans Light"/>
-              </a:rPr>
-              <a:t>R</a:t>
-            </a:r>
-            <a:r>
-              <a:rPr b="1" lang="en-US" sz="1500" spc="-1" strike="noStrike">
-                <a:solidFill>
-                  <a:srgbClr val="445469"/>
-                </a:solidFill>
-                <a:latin typeface="Lato"/>
-                <a:ea typeface="Open Sans Light"/>
-              </a:rPr>
-              <a:t>e</a:t>
-            </a:r>
-            <a:r>
-              <a:rPr b="1" lang="en-US" sz="1500" spc="-1" strike="noStrike">
-                <a:solidFill>
-                  <a:srgbClr val="445469"/>
-                </a:solidFill>
-                <a:latin typeface="Lato"/>
-                <a:ea typeface="Open Sans Light"/>
-              </a:rPr>
-              <a:t>a</a:t>
-            </a:r>
-            <a:r>
-              <a:rPr b="1" lang="en-US" sz="1500" spc="-1" strike="noStrike">
-                <a:solidFill>
-                  <a:srgbClr val="445469"/>
-                </a:solidFill>
-                <a:latin typeface="Lato"/>
-                <a:ea typeface="Open Sans Light"/>
-              </a:rPr>
-              <a:t>d</a:t>
-            </a:r>
-            <a:r>
-              <a:rPr b="1" lang="en-US" sz="1500" spc="-1" strike="noStrike">
-                <a:solidFill>
-                  <a:srgbClr val="445469"/>
-                </a:solidFill>
-                <a:latin typeface="Lato"/>
-                <a:ea typeface="Open Sans Light"/>
-              </a:rPr>
-              <a:t>,</a:t>
-            </a:r>
-            <a:r>
-              <a:rPr b="1" lang="en-US" sz="1500" spc="-1" strike="noStrike">
-                <a:solidFill>
-                  <a:srgbClr val="445469"/>
-                </a:solidFill>
-                <a:latin typeface="Lato"/>
-                <a:ea typeface="Open Sans Light"/>
-              </a:rPr>
-              <a:t> </a:t>
-            </a:r>
-            <a:r>
-              <a:rPr b="1" lang="en-US" sz="1500" spc="-1" strike="noStrike">
-                <a:solidFill>
-                  <a:srgbClr val="445469"/>
-                </a:solidFill>
-                <a:latin typeface="Lato"/>
-                <a:ea typeface="Open Sans Light"/>
-              </a:rPr>
-              <a:t> </a:t>
-            </a:r>
-            <a:r>
-              <a:rPr b="1" lang="en-US" sz="1500" spc="-1" strike="noStrike">
-                <a:solidFill>
-                  <a:srgbClr val="445469"/>
-                </a:solidFill>
-                <a:latin typeface="Lato"/>
-                <a:ea typeface="Open Sans Light"/>
-              </a:rPr>
-              <a:t>2</a:t>
-            </a:r>
-            <a:r>
-              <a:rPr b="1" lang="en-US" sz="1500" spc="-1" strike="noStrike">
-                <a:solidFill>
-                  <a:srgbClr val="445469"/>
-                </a:solidFill>
-                <a:latin typeface="Lato"/>
-                <a:ea typeface="Open Sans Light"/>
-              </a:rPr>
-              <a:t>.</a:t>
-            </a:r>
-            <a:r>
-              <a:rPr b="1" lang="en-US" sz="1500" spc="-1" strike="noStrike">
-                <a:solidFill>
-                  <a:srgbClr val="445469"/>
-                </a:solidFill>
-                <a:latin typeface="Lato"/>
-                <a:ea typeface="Open Sans Light"/>
-              </a:rPr>
-              <a:t> </a:t>
-            </a:r>
-            <a:r>
-              <a:rPr b="1" lang="en-US" sz="1500" spc="-1" strike="noStrike">
-                <a:solidFill>
-                  <a:srgbClr val="445469"/>
-                </a:solidFill>
-                <a:latin typeface="Lato"/>
-                <a:ea typeface="Open Sans Light"/>
-              </a:rPr>
-              <a:t>H</a:t>
-            </a:r>
-            <a:r>
-              <a:rPr b="1" lang="en-US" sz="1500" spc="-1" strike="noStrike">
-                <a:solidFill>
-                  <a:srgbClr val="445469"/>
-                </a:solidFill>
-                <a:latin typeface="Lato"/>
-                <a:ea typeface="Open Sans Light"/>
-              </a:rPr>
-              <a:t>o</a:t>
-            </a:r>
-            <a:r>
-              <a:rPr b="1" lang="en-US" sz="1500" spc="-1" strike="noStrike">
-                <a:solidFill>
-                  <a:srgbClr val="445469"/>
-                </a:solidFill>
-                <a:latin typeface="Lato"/>
-                <a:ea typeface="Open Sans Light"/>
-              </a:rPr>
-              <a:t>u</a:t>
-            </a:r>
-            <a:r>
-              <a:rPr b="1" lang="en-US" sz="1500" spc="-1" strike="noStrike">
-                <a:solidFill>
-                  <a:srgbClr val="445469"/>
-                </a:solidFill>
-                <a:latin typeface="Lato"/>
-                <a:ea typeface="Open Sans Light"/>
-              </a:rPr>
-              <a:t>s</a:t>
-            </a:r>
-            <a:r>
-              <a:rPr b="1" lang="en-US" sz="1500" spc="-1" strike="noStrike">
-                <a:solidFill>
-                  <a:srgbClr val="445469"/>
-                </a:solidFill>
-                <a:latin typeface="Lato"/>
-                <a:ea typeface="Open Sans Light"/>
-              </a:rPr>
-              <a:t>e</a:t>
-            </a:r>
-            <a:r>
-              <a:rPr b="1" lang="en-US" sz="1500" spc="-1" strike="noStrike">
-                <a:solidFill>
-                  <a:srgbClr val="445469"/>
-                </a:solidFill>
-                <a:latin typeface="Lato"/>
-                <a:ea typeface="Open Sans Light"/>
-              </a:rPr>
-              <a:t>w</a:t>
-            </a:r>
-            <a:r>
-              <a:rPr b="1" lang="en-US" sz="1500" spc="-1" strike="noStrike">
-                <a:solidFill>
-                  <a:srgbClr val="445469"/>
-                </a:solidFill>
-                <a:latin typeface="Lato"/>
-                <a:ea typeface="Open Sans Light"/>
-              </a:rPr>
-              <a:t>o</a:t>
-            </a:r>
-            <a:r>
-              <a:rPr b="1" lang="en-US" sz="1500" spc="-1" strike="noStrike">
-                <a:solidFill>
-                  <a:srgbClr val="445469"/>
-                </a:solidFill>
-                <a:latin typeface="Lato"/>
-                <a:ea typeface="Open Sans Light"/>
-              </a:rPr>
-              <a:t>r</a:t>
-            </a:r>
-            <a:r>
-              <a:rPr b="1" lang="en-US" sz="1500" spc="-1" strike="noStrike">
-                <a:solidFill>
-                  <a:srgbClr val="445469"/>
-                </a:solidFill>
-                <a:latin typeface="Lato"/>
-                <a:ea typeface="Open Sans Light"/>
-              </a:rPr>
-              <a:t>k</a:t>
-            </a:r>
-            <a:r>
-              <a:rPr b="1" lang="en-US" sz="1500" spc="-1" strike="noStrike">
-                <a:solidFill>
-                  <a:srgbClr val="445469"/>
-                </a:solidFill>
-                <a:latin typeface="Lato"/>
-                <a:ea typeface="Open Sans Light"/>
-              </a:rPr>
-              <a:t>,</a:t>
-            </a:r>
-            <a:r>
-              <a:rPr b="1" lang="en-US" sz="1500" spc="-1" strike="noStrike">
-                <a:solidFill>
-                  <a:srgbClr val="445469"/>
-                </a:solidFill>
-                <a:latin typeface="Lato"/>
-                <a:ea typeface="Open Sans Light"/>
-              </a:rPr>
-              <a:t> </a:t>
-            </a:r>
-            <a:r>
-              <a:rPr b="1" lang="en-US" sz="1500" spc="-1" strike="noStrike">
-                <a:solidFill>
-                  <a:srgbClr val="445469"/>
-                </a:solidFill>
-                <a:latin typeface="Lato"/>
-                <a:ea typeface="Open Sans Light"/>
-              </a:rPr>
-              <a:t> </a:t>
-            </a:r>
-            <a:r>
-              <a:rPr b="1" lang="en-US" sz="1500" spc="-1" strike="noStrike">
-                <a:solidFill>
-                  <a:srgbClr val="445469"/>
-                </a:solidFill>
-                <a:latin typeface="Lato"/>
-                <a:ea typeface="Open Sans Light"/>
-              </a:rPr>
-              <a:t>3</a:t>
-            </a:r>
-            <a:r>
-              <a:rPr b="1" lang="en-US" sz="1500" spc="-1" strike="noStrike">
-                <a:solidFill>
-                  <a:srgbClr val="445469"/>
-                </a:solidFill>
-                <a:latin typeface="Lato"/>
-                <a:ea typeface="Open Sans Light"/>
-              </a:rPr>
-              <a:t>.</a:t>
-            </a:r>
-            <a:r>
-              <a:rPr b="1" lang="en-US" sz="1500" spc="-1" strike="noStrike">
-                <a:solidFill>
-                  <a:srgbClr val="445469"/>
-                </a:solidFill>
-                <a:latin typeface="Lato"/>
-                <a:ea typeface="Open Sans Light"/>
-              </a:rPr>
-              <a:t> </a:t>
-            </a:r>
-            <a:r>
-              <a:rPr b="1" lang="en-US" sz="1500" spc="-1" strike="noStrike">
-                <a:solidFill>
-                  <a:srgbClr val="445469"/>
-                </a:solidFill>
-                <a:latin typeface="Lato"/>
-                <a:ea typeface="Open Sans Light"/>
-              </a:rPr>
-              <a:t>E</a:t>
-            </a:r>
-            <a:r>
-              <a:rPr b="1" lang="en-US" sz="1500" spc="-1" strike="noStrike">
-                <a:solidFill>
-                  <a:srgbClr val="445469"/>
-                </a:solidFill>
-                <a:latin typeface="Lato"/>
-                <a:ea typeface="Open Sans Light"/>
-              </a:rPr>
-              <a:t>a</a:t>
-            </a:r>
-            <a:r>
-              <a:rPr b="1" lang="en-US" sz="1500" spc="-1" strike="noStrike">
-                <a:solidFill>
-                  <a:srgbClr val="445469"/>
-                </a:solidFill>
-                <a:latin typeface="Lato"/>
-                <a:ea typeface="Open Sans Light"/>
-              </a:rPr>
-              <a:t>t</a:t>
-            </a:r>
-            <a:r>
-              <a:rPr b="1" lang="en-US" sz="1500" spc="-1" strike="noStrike">
-                <a:solidFill>
-                  <a:srgbClr val="445469"/>
-                </a:solidFill>
-                <a:latin typeface="Lato"/>
-                <a:ea typeface="Open Sans Light"/>
-              </a:rPr>
-              <a:t> </a:t>
-            </a:r>
-            <a:r>
-              <a:rPr b="1" lang="en-US" sz="1500" spc="-1" strike="noStrike">
-                <a:solidFill>
-                  <a:srgbClr val="445469"/>
-                </a:solidFill>
-                <a:latin typeface="Lato"/>
-                <a:ea typeface="Open Sans Light"/>
-              </a:rPr>
-              <a:t>o</a:t>
-            </a:r>
-            <a:r>
-              <a:rPr b="1" lang="en-US" sz="1500" spc="-1" strike="noStrike">
-                <a:solidFill>
-                  <a:srgbClr val="445469"/>
-                </a:solidFill>
-                <a:latin typeface="Lato"/>
-                <a:ea typeface="Open Sans Light"/>
-              </a:rPr>
-              <a:t>u</a:t>
-            </a:r>
-            <a:r>
-              <a:rPr b="1" lang="en-US" sz="1500" spc="-1" strike="noStrike">
-                <a:solidFill>
-                  <a:srgbClr val="445469"/>
-                </a:solidFill>
-                <a:latin typeface="Lato"/>
-                <a:ea typeface="Open Sans Light"/>
-              </a:rPr>
-              <a:t>t</a:t>
+              <a:t>   1. Read,  2. Housework,  3. Eat out</a:t>
             </a:r>
             <a:endParaRPr b="0" lang="en-AU" sz="1500" spc="-1" strike="noStrike">
               <a:latin typeface="Arial"/>
@@ -13688,1227 +6528,7 @@
                 <a:latin typeface="Lato"/>
                 <a:ea typeface="Open Sans Light"/>
               </a:rPr>
-              <a:t>S</a:t>
-            </a:r>
-            <a:r>
-              <a:rPr b="1" lang="en-US" sz="1500" spc="-1" strike="noStrike">
-                <a:solidFill>
-                  <a:srgbClr val="445469"/>
-                </a:solidFill>
-                <a:latin typeface="Lato"/>
-                <a:ea typeface="Open Sans Light"/>
-              </a:rPr>
-              <a:t>o</a:t>
-            </a:r>
-            <a:r>
-              <a:rPr b="1" lang="en-US" sz="1500" spc="-1" strike="noStrike">
-                <a:solidFill>
-                  <a:srgbClr val="445469"/>
-                </a:solidFill>
-                <a:latin typeface="Lato"/>
-                <a:ea typeface="Open Sans Light"/>
-              </a:rPr>
-              <a:t> </a:t>
-            </a:r>
-            <a:r>
-              <a:rPr b="1" lang="en-US" sz="1500" spc="-1" strike="noStrike">
-                <a:solidFill>
-                  <a:srgbClr val="445469"/>
-                </a:solidFill>
-                <a:latin typeface="Lato"/>
-                <a:ea typeface="Open Sans Light"/>
-              </a:rPr>
-              <a:t>f</a:t>
-            </a:r>
-            <a:r>
-              <a:rPr b="1" lang="en-US" sz="1500" spc="-1" strike="noStrike">
-                <a:solidFill>
-                  <a:srgbClr val="445469"/>
-                </a:solidFill>
-                <a:latin typeface="Lato"/>
-                <a:ea typeface="Open Sans Light"/>
-              </a:rPr>
-              <a:t>r</a:t>
-            </a:r>
-            <a:r>
-              <a:rPr b="1" lang="en-US" sz="1500" spc="-1" strike="noStrike">
-                <a:solidFill>
-                  <a:srgbClr val="445469"/>
-                </a:solidFill>
-                <a:latin typeface="Lato"/>
-                <a:ea typeface="Open Sans Light"/>
-              </a:rPr>
-              <a:t>o</a:t>
-            </a:r>
-            <a:r>
-              <a:rPr b="1" lang="en-US" sz="1500" spc="-1" strike="noStrike">
-                <a:solidFill>
-                  <a:srgbClr val="445469"/>
-                </a:solidFill>
-                <a:latin typeface="Lato"/>
-                <a:ea typeface="Open Sans Light"/>
-              </a:rPr>
-              <a:t>m</a:t>
-            </a:r>
-            <a:r>
-              <a:rPr b="1" lang="en-US" sz="1500" spc="-1" strike="noStrike">
-                <a:solidFill>
-                  <a:srgbClr val="445469"/>
-                </a:solidFill>
-                <a:latin typeface="Lato"/>
-                <a:ea typeface="Open Sans Light"/>
-              </a:rPr>
-              <a:t> </a:t>
-            </a:r>
-            <a:r>
-              <a:rPr b="1" lang="en-US" sz="1500" spc="-1" strike="noStrike">
-                <a:solidFill>
-                  <a:srgbClr val="445469"/>
-                </a:solidFill>
-                <a:latin typeface="Lato"/>
-                <a:ea typeface="Open Sans Light"/>
-              </a:rPr>
-              <a:t>t</a:t>
-            </a:r>
-            <a:r>
-              <a:rPr b="1" lang="en-US" sz="1500" spc="-1" strike="noStrike">
-                <a:solidFill>
-                  <a:srgbClr val="445469"/>
-                </a:solidFill>
-                <a:latin typeface="Lato"/>
-                <a:ea typeface="Open Sans Light"/>
-              </a:rPr>
-              <a:t>h</a:t>
-            </a:r>
-            <a:r>
-              <a:rPr b="1" lang="en-US" sz="1500" spc="-1" strike="noStrike">
-                <a:solidFill>
-                  <a:srgbClr val="445469"/>
-                </a:solidFill>
-                <a:latin typeface="Lato"/>
-                <a:ea typeface="Open Sans Light"/>
-              </a:rPr>
-              <a:t>i</a:t>
-            </a:r>
-            <a:r>
-              <a:rPr b="1" lang="en-US" sz="1500" spc="-1" strike="noStrike">
-                <a:solidFill>
-                  <a:srgbClr val="445469"/>
-                </a:solidFill>
-                <a:latin typeface="Lato"/>
-                <a:ea typeface="Open Sans Light"/>
-              </a:rPr>
-              <a:t>s</a:t>
-            </a:r>
-            <a:r>
-              <a:rPr b="1" lang="en-US" sz="1500" spc="-1" strike="noStrike">
-                <a:solidFill>
-                  <a:srgbClr val="445469"/>
-                </a:solidFill>
-                <a:latin typeface="Lato"/>
-                <a:ea typeface="Open Sans Light"/>
-              </a:rPr>
-              <a:t> </a:t>
-            </a:r>
-            <a:r>
-              <a:rPr b="1" lang="en-US" sz="1500" spc="-1" strike="noStrike">
-                <a:solidFill>
-                  <a:srgbClr val="445469"/>
-                </a:solidFill>
-                <a:latin typeface="Lato"/>
-                <a:ea typeface="Open Sans Light"/>
-              </a:rPr>
-              <a:t>w</a:t>
-            </a:r>
-            <a:r>
-              <a:rPr b="1" lang="en-US" sz="1500" spc="-1" strike="noStrike">
-                <a:solidFill>
-                  <a:srgbClr val="445469"/>
-                </a:solidFill>
-                <a:latin typeface="Lato"/>
-                <a:ea typeface="Open Sans Light"/>
-              </a:rPr>
-              <a:t>e</a:t>
-            </a:r>
-            <a:r>
-              <a:rPr b="1" lang="en-US" sz="1500" spc="-1" strike="noStrike">
-                <a:solidFill>
-                  <a:srgbClr val="445469"/>
-                </a:solidFill>
-                <a:latin typeface="Lato"/>
-                <a:ea typeface="Open Sans Light"/>
-              </a:rPr>
-              <a:t> </a:t>
-            </a:r>
-            <a:r>
-              <a:rPr b="1" lang="en-US" sz="1500" spc="-1" strike="noStrike">
-                <a:solidFill>
-                  <a:srgbClr val="445469"/>
-                </a:solidFill>
-                <a:latin typeface="Lato"/>
-                <a:ea typeface="Open Sans Light"/>
-              </a:rPr>
-              <a:t>c</a:t>
-            </a:r>
-            <a:r>
-              <a:rPr b="1" lang="en-US" sz="1500" spc="-1" strike="noStrike">
-                <a:solidFill>
-                  <a:srgbClr val="445469"/>
-                </a:solidFill>
-                <a:latin typeface="Lato"/>
-                <a:ea typeface="Open Sans Light"/>
-              </a:rPr>
-              <a:t>o</a:t>
-            </a:r>
-            <a:r>
-              <a:rPr b="1" lang="en-US" sz="1500" spc="-1" strike="noStrike">
-                <a:solidFill>
-                  <a:srgbClr val="445469"/>
-                </a:solidFill>
-                <a:latin typeface="Lato"/>
-                <a:ea typeface="Open Sans Light"/>
-              </a:rPr>
-              <a:t>u</a:t>
-            </a:r>
-            <a:r>
-              <a:rPr b="1" lang="en-US" sz="1500" spc="-1" strike="noStrike">
-                <a:solidFill>
-                  <a:srgbClr val="445469"/>
-                </a:solidFill>
-                <a:latin typeface="Lato"/>
-                <a:ea typeface="Open Sans Light"/>
-              </a:rPr>
-              <a:t>l</a:t>
-            </a:r>
-            <a:r>
-              <a:rPr b="1" lang="en-US" sz="1500" spc="-1" strike="noStrike">
-                <a:solidFill>
-                  <a:srgbClr val="445469"/>
-                </a:solidFill>
-                <a:latin typeface="Lato"/>
-                <a:ea typeface="Open Sans Light"/>
-              </a:rPr>
-              <a:t>d</a:t>
-            </a:r>
-            <a:r>
-              <a:rPr b="1" lang="en-US" sz="1500" spc="-1" strike="noStrike">
-                <a:solidFill>
-                  <a:srgbClr val="445469"/>
-                </a:solidFill>
-                <a:latin typeface="Lato"/>
-                <a:ea typeface="Open Sans Light"/>
-              </a:rPr>
-              <a:t> </a:t>
-            </a:r>
-            <a:r>
-              <a:rPr b="1" lang="en-US" sz="1500" spc="-1" strike="noStrike">
-                <a:solidFill>
-                  <a:srgbClr val="445469"/>
-                </a:solidFill>
-                <a:latin typeface="Lato"/>
-                <a:ea typeface="Open Sans Light"/>
-              </a:rPr>
-              <a:t>s</a:t>
-            </a:r>
-            <a:r>
-              <a:rPr b="1" lang="en-US" sz="1500" spc="-1" strike="noStrike">
-                <a:solidFill>
-                  <a:srgbClr val="445469"/>
-                </a:solidFill>
-                <a:latin typeface="Lato"/>
-                <a:ea typeface="Open Sans Light"/>
-              </a:rPr>
-              <a:t>u</a:t>
-            </a:r>
-            <a:r>
-              <a:rPr b="1" lang="en-US" sz="1500" spc="-1" strike="noStrike">
-                <a:solidFill>
-                  <a:srgbClr val="445469"/>
-                </a:solidFill>
-                <a:latin typeface="Lato"/>
-                <a:ea typeface="Open Sans Light"/>
-              </a:rPr>
-              <a:t>r</a:t>
-            </a:r>
-            <a:r>
-              <a:rPr b="1" lang="en-US" sz="1500" spc="-1" strike="noStrike">
-                <a:solidFill>
-                  <a:srgbClr val="445469"/>
-                </a:solidFill>
-                <a:latin typeface="Lato"/>
-                <a:ea typeface="Open Sans Light"/>
-              </a:rPr>
-              <a:t>m</a:t>
-            </a:r>
-            <a:r>
-              <a:rPr b="1" lang="en-US" sz="1500" spc="-1" strike="noStrike">
-                <a:solidFill>
-                  <a:srgbClr val="445469"/>
-                </a:solidFill>
-                <a:latin typeface="Lato"/>
-                <a:ea typeface="Open Sans Light"/>
-              </a:rPr>
-              <a:t>i</a:t>
-            </a:r>
-            <a:r>
-              <a:rPr b="1" lang="en-US" sz="1500" spc="-1" strike="noStrike">
-                <a:solidFill>
-                  <a:srgbClr val="445469"/>
-                </a:solidFill>
-                <a:latin typeface="Lato"/>
-                <a:ea typeface="Open Sans Light"/>
-              </a:rPr>
-              <a:t>s</a:t>
-            </a:r>
-            <a:r>
-              <a:rPr b="1" lang="en-US" sz="1500" spc="-1" strike="noStrike">
-                <a:solidFill>
-                  <a:srgbClr val="445469"/>
-                </a:solidFill>
-                <a:latin typeface="Lato"/>
-                <a:ea typeface="Open Sans Light"/>
-              </a:rPr>
-              <a:t>e</a:t>
-            </a:r>
-            <a:r>
-              <a:rPr b="1" lang="en-US" sz="1500" spc="-1" strike="noStrike">
-                <a:solidFill>
-                  <a:srgbClr val="445469"/>
-                </a:solidFill>
-                <a:latin typeface="Lato"/>
-                <a:ea typeface="Open Sans Light"/>
-              </a:rPr>
-              <a:t> </a:t>
-            </a:r>
-            <a:r>
-              <a:rPr b="1" lang="en-US" sz="1500" spc="-1" strike="noStrike">
-                <a:solidFill>
-                  <a:srgbClr val="445469"/>
-                </a:solidFill>
-                <a:latin typeface="Lato"/>
-                <a:ea typeface="Open Sans Light"/>
-              </a:rPr>
-              <a:t>t</a:t>
-            </a:r>
-            <a:r>
-              <a:rPr b="1" lang="en-US" sz="1500" spc="-1" strike="noStrike">
-                <a:solidFill>
-                  <a:srgbClr val="445469"/>
-                </a:solidFill>
-                <a:latin typeface="Lato"/>
-                <a:ea typeface="Open Sans Light"/>
-              </a:rPr>
-              <a:t>h</a:t>
-            </a:r>
-            <a:r>
-              <a:rPr b="1" lang="en-US" sz="1500" spc="-1" strike="noStrike">
-                <a:solidFill>
-                  <a:srgbClr val="445469"/>
-                </a:solidFill>
-                <a:latin typeface="Lato"/>
-                <a:ea typeface="Open Sans Light"/>
-              </a:rPr>
-              <a:t>a</a:t>
-            </a:r>
-            <a:r>
-              <a:rPr b="1" lang="en-US" sz="1500" spc="-1" strike="noStrike">
-                <a:solidFill>
-                  <a:srgbClr val="445469"/>
-                </a:solidFill>
-                <a:latin typeface="Lato"/>
-                <a:ea typeface="Open Sans Light"/>
-              </a:rPr>
-              <a:t>t</a:t>
-            </a:r>
-            <a:r>
-              <a:rPr b="1" lang="en-US" sz="1500" spc="-1" strike="noStrike">
-                <a:solidFill>
-                  <a:srgbClr val="445469"/>
-                </a:solidFill>
-                <a:latin typeface="Lato"/>
-                <a:ea typeface="Open Sans Light"/>
-              </a:rPr>
-              <a:t> </a:t>
-            </a:r>
-            <a:r>
-              <a:rPr b="1" lang="en-US" sz="1500" spc="-1" strike="noStrike">
-                <a:solidFill>
-                  <a:srgbClr val="445469"/>
-                </a:solidFill>
-                <a:latin typeface="Lato"/>
-                <a:ea typeface="Open Sans Light"/>
-              </a:rPr>
-              <a:t>o</a:t>
-            </a:r>
-            <a:r>
-              <a:rPr b="1" lang="en-US" sz="1500" spc="-1" strike="noStrike">
-                <a:solidFill>
-                  <a:srgbClr val="445469"/>
-                </a:solidFill>
-                <a:latin typeface="Lato"/>
-                <a:ea typeface="Open Sans Light"/>
-              </a:rPr>
-              <a:t>p</a:t>
-            </a:r>
-            <a:r>
-              <a:rPr b="1" lang="en-US" sz="1500" spc="-1" strike="noStrike">
-                <a:solidFill>
-                  <a:srgbClr val="445469"/>
-                </a:solidFill>
-                <a:latin typeface="Lato"/>
-                <a:ea typeface="Open Sans Light"/>
-              </a:rPr>
-              <a:t>e</a:t>
-            </a:r>
-            <a:r>
-              <a:rPr b="1" lang="en-US" sz="1500" spc="-1" strike="noStrike">
-                <a:solidFill>
-                  <a:srgbClr val="445469"/>
-                </a:solidFill>
-                <a:latin typeface="Lato"/>
-                <a:ea typeface="Open Sans Light"/>
-              </a:rPr>
-              <a:t>n</a:t>
-            </a:r>
-            <a:r>
-              <a:rPr b="1" lang="en-US" sz="1500" spc="-1" strike="noStrike">
-                <a:solidFill>
-                  <a:srgbClr val="445469"/>
-                </a:solidFill>
-                <a:latin typeface="Lato"/>
-                <a:ea typeface="Open Sans Light"/>
-              </a:rPr>
-              <a:t>-</a:t>
-            </a:r>
-            <a:r>
-              <a:rPr b="1" lang="en-US" sz="1500" spc="-1" strike="noStrike">
-                <a:solidFill>
-                  <a:srgbClr val="445469"/>
-                </a:solidFill>
-                <a:latin typeface="Lato"/>
-                <a:ea typeface="Open Sans Light"/>
-              </a:rPr>
-              <a:t>e</a:t>
-            </a:r>
-            <a:r>
-              <a:rPr b="1" lang="en-US" sz="1500" spc="-1" strike="noStrike">
-                <a:solidFill>
-                  <a:srgbClr val="445469"/>
-                </a:solidFill>
-                <a:latin typeface="Lato"/>
-                <a:ea typeface="Open Sans Light"/>
-              </a:rPr>
-              <a:t>n</a:t>
-            </a:r>
-            <a:r>
-              <a:rPr b="1" lang="en-US" sz="1500" spc="-1" strike="noStrike">
-                <a:solidFill>
-                  <a:srgbClr val="445469"/>
-                </a:solidFill>
-                <a:latin typeface="Lato"/>
-                <a:ea typeface="Open Sans Light"/>
-              </a:rPr>
-              <a:t>d</a:t>
-            </a:r>
-            <a:r>
-              <a:rPr b="1" lang="en-US" sz="1500" spc="-1" strike="noStrike">
-                <a:solidFill>
-                  <a:srgbClr val="445469"/>
-                </a:solidFill>
-                <a:latin typeface="Lato"/>
-                <a:ea typeface="Open Sans Light"/>
-              </a:rPr>
-              <a:t>e</a:t>
-            </a:r>
-            <a:r>
-              <a:rPr b="1" lang="en-US" sz="1500" spc="-1" strike="noStrike">
-                <a:solidFill>
-                  <a:srgbClr val="445469"/>
-                </a:solidFill>
-                <a:latin typeface="Lato"/>
-                <a:ea typeface="Open Sans Light"/>
-              </a:rPr>
-              <a:t>d</a:t>
-            </a:r>
-            <a:r>
-              <a:rPr b="1" lang="en-US" sz="1500" spc="-1" strike="noStrike">
-                <a:solidFill>
-                  <a:srgbClr val="445469"/>
-                </a:solidFill>
-                <a:latin typeface="Lato"/>
-                <a:ea typeface="Open Sans Light"/>
-              </a:rPr>
-              <a:t> </a:t>
-            </a:r>
-            <a:r>
-              <a:rPr b="1" lang="en-US" sz="1500" spc="-1" strike="noStrike">
-                <a:solidFill>
-                  <a:srgbClr val="445469"/>
-                </a:solidFill>
-                <a:latin typeface="Lato"/>
-                <a:ea typeface="Open Sans Light"/>
-              </a:rPr>
-              <a:t>q</a:t>
-            </a:r>
-            <a:r>
-              <a:rPr b="1" lang="en-US" sz="1500" spc="-1" strike="noStrike">
-                <a:solidFill>
-                  <a:srgbClr val="445469"/>
-                </a:solidFill>
-                <a:latin typeface="Lato"/>
-                <a:ea typeface="Open Sans Light"/>
-              </a:rPr>
-              <a:t>u</a:t>
-            </a:r>
-            <a:r>
-              <a:rPr b="1" lang="en-US" sz="1500" spc="-1" strike="noStrike">
-                <a:solidFill>
-                  <a:srgbClr val="445469"/>
-                </a:solidFill>
-                <a:latin typeface="Lato"/>
-                <a:ea typeface="Open Sans Light"/>
-              </a:rPr>
-              <a:t>e</a:t>
-            </a:r>
-            <a:r>
-              <a:rPr b="1" lang="en-US" sz="1500" spc="-1" strike="noStrike">
-                <a:solidFill>
-                  <a:srgbClr val="445469"/>
-                </a:solidFill>
-                <a:latin typeface="Lato"/>
-                <a:ea typeface="Open Sans Light"/>
-              </a:rPr>
-              <a:t>s</a:t>
-            </a:r>
-            <a:r>
-              <a:rPr b="1" lang="en-US" sz="1500" spc="-1" strike="noStrike">
-                <a:solidFill>
-                  <a:srgbClr val="445469"/>
-                </a:solidFill>
-                <a:latin typeface="Lato"/>
-                <a:ea typeface="Open Sans Light"/>
-              </a:rPr>
-              <a:t>t</a:t>
-            </a:r>
-            <a:r>
-              <a:rPr b="1" lang="en-US" sz="1500" spc="-1" strike="noStrike">
-                <a:solidFill>
-                  <a:srgbClr val="445469"/>
-                </a:solidFill>
-                <a:latin typeface="Lato"/>
-                <a:ea typeface="Open Sans Light"/>
-              </a:rPr>
-              <a:t>i</a:t>
-            </a:r>
-            <a:r>
-              <a:rPr b="1" lang="en-US" sz="1500" spc="-1" strike="noStrike">
-                <a:solidFill>
-                  <a:srgbClr val="445469"/>
-                </a:solidFill>
-                <a:latin typeface="Lato"/>
-                <a:ea typeface="Open Sans Light"/>
-              </a:rPr>
-              <a:t>o</a:t>
-            </a:r>
-            <a:r>
-              <a:rPr b="1" lang="en-US" sz="1500" spc="-1" strike="noStrike">
-                <a:solidFill>
-                  <a:srgbClr val="445469"/>
-                </a:solidFill>
-                <a:latin typeface="Lato"/>
-                <a:ea typeface="Open Sans Light"/>
-              </a:rPr>
-              <a:t>n</a:t>
-            </a:r>
-            <a:r>
-              <a:rPr b="1" lang="en-US" sz="1500" spc="-1" strike="noStrike">
-                <a:solidFill>
-                  <a:srgbClr val="445469"/>
-                </a:solidFill>
-                <a:latin typeface="Lato"/>
-                <a:ea typeface="Open Sans Light"/>
-              </a:rPr>
-              <a:t>s</a:t>
-            </a:r>
-            <a:r>
-              <a:rPr b="1" lang="en-US" sz="1500" spc="-1" strike="noStrike">
-                <a:solidFill>
-                  <a:srgbClr val="445469"/>
-                </a:solidFill>
-                <a:latin typeface="Lato"/>
-                <a:ea typeface="Open Sans Light"/>
-              </a:rPr>
-              <a:t> </a:t>
-            </a:r>
-            <a:r>
-              <a:rPr b="1" lang="en-US" sz="1500" spc="-1" strike="noStrike">
-                <a:solidFill>
-                  <a:srgbClr val="445469"/>
-                </a:solidFill>
-                <a:latin typeface="Lato"/>
-                <a:ea typeface="Open Sans Light"/>
-              </a:rPr>
-              <a:t>w</a:t>
-            </a:r>
-            <a:r>
-              <a:rPr b="1" lang="en-US" sz="1500" spc="-1" strike="noStrike">
-                <a:solidFill>
-                  <a:srgbClr val="445469"/>
-                </a:solidFill>
-                <a:latin typeface="Lato"/>
-                <a:ea typeface="Open Sans Light"/>
-              </a:rPr>
-              <a:t>o</a:t>
-            </a:r>
-            <a:r>
-              <a:rPr b="1" lang="en-US" sz="1500" spc="-1" strike="noStrike">
-                <a:solidFill>
-                  <a:srgbClr val="445469"/>
-                </a:solidFill>
-                <a:latin typeface="Lato"/>
-                <a:ea typeface="Open Sans Light"/>
-              </a:rPr>
-              <a:t>u</a:t>
-            </a:r>
-            <a:r>
-              <a:rPr b="1" lang="en-US" sz="1500" spc="-1" strike="noStrike">
-                <a:solidFill>
-                  <a:srgbClr val="445469"/>
-                </a:solidFill>
-                <a:latin typeface="Lato"/>
-                <a:ea typeface="Open Sans Light"/>
-              </a:rPr>
-              <a:t>l</a:t>
-            </a:r>
-            <a:r>
-              <a:rPr b="1" lang="en-US" sz="1500" spc="-1" strike="noStrike">
-                <a:solidFill>
-                  <a:srgbClr val="445469"/>
-                </a:solidFill>
-                <a:latin typeface="Lato"/>
-                <a:ea typeface="Open Sans Light"/>
-              </a:rPr>
-              <a:t>d</a:t>
-            </a:r>
-            <a:r>
-              <a:rPr b="1" lang="en-US" sz="1500" spc="-1" strike="noStrike">
-                <a:solidFill>
-                  <a:srgbClr val="445469"/>
-                </a:solidFill>
-                <a:latin typeface="Lato"/>
-                <a:ea typeface="Open Sans Light"/>
-              </a:rPr>
-              <a:t> </a:t>
-            </a:r>
-            <a:r>
-              <a:rPr b="1" lang="en-US" sz="1500" spc="-1" strike="noStrike">
-                <a:solidFill>
-                  <a:srgbClr val="445469"/>
-                </a:solidFill>
-                <a:latin typeface="Lato"/>
-                <a:ea typeface="Open Sans Light"/>
-              </a:rPr>
-              <a:t>p</a:t>
-            </a:r>
-            <a:r>
-              <a:rPr b="1" lang="en-US" sz="1500" spc="-1" strike="noStrike">
-                <a:solidFill>
-                  <a:srgbClr val="445469"/>
-                </a:solidFill>
-                <a:latin typeface="Lato"/>
-                <a:ea typeface="Open Sans Light"/>
-              </a:rPr>
-              <a:t>r</a:t>
-            </a:r>
-            <a:r>
-              <a:rPr b="1" lang="en-US" sz="1500" spc="-1" strike="noStrike">
-                <a:solidFill>
-                  <a:srgbClr val="445469"/>
-                </a:solidFill>
-                <a:latin typeface="Lato"/>
-                <a:ea typeface="Open Sans Light"/>
-              </a:rPr>
-              <a:t>o</a:t>
-            </a:r>
-            <a:r>
-              <a:rPr b="1" lang="en-US" sz="1500" spc="-1" strike="noStrike">
-                <a:solidFill>
-                  <a:srgbClr val="445469"/>
-                </a:solidFill>
-                <a:latin typeface="Lato"/>
-                <a:ea typeface="Open Sans Light"/>
-              </a:rPr>
-              <a:t>m</a:t>
-            </a:r>
-            <a:r>
-              <a:rPr b="1" lang="en-US" sz="1500" spc="-1" strike="noStrike">
-                <a:solidFill>
-                  <a:srgbClr val="445469"/>
-                </a:solidFill>
-                <a:latin typeface="Lato"/>
-                <a:ea typeface="Open Sans Light"/>
-              </a:rPr>
-              <a:t>o</a:t>
-            </a:r>
-            <a:r>
-              <a:rPr b="1" lang="en-US" sz="1500" spc="-1" strike="noStrike">
-                <a:solidFill>
-                  <a:srgbClr val="445469"/>
-                </a:solidFill>
-                <a:latin typeface="Lato"/>
-                <a:ea typeface="Open Sans Light"/>
-              </a:rPr>
-              <a:t>t</a:t>
-            </a:r>
-            <a:r>
-              <a:rPr b="1" lang="en-US" sz="1500" spc="-1" strike="noStrike">
-                <a:solidFill>
-                  <a:srgbClr val="445469"/>
-                </a:solidFill>
-                <a:latin typeface="Lato"/>
-                <a:ea typeface="Open Sans Light"/>
-              </a:rPr>
-              <a:t>e</a:t>
-            </a:r>
-            <a:r>
-              <a:rPr b="1" lang="en-US" sz="1500" spc="-1" strike="noStrike">
-                <a:solidFill>
-                  <a:srgbClr val="445469"/>
-                </a:solidFill>
-                <a:latin typeface="Lato"/>
-                <a:ea typeface="Open Sans Light"/>
-              </a:rPr>
-              <a:t> </a:t>
-            </a:r>
-            <a:r>
-              <a:rPr b="1" lang="en-US" sz="1500" spc="-1" strike="noStrike">
-                <a:solidFill>
-                  <a:srgbClr val="445469"/>
-                </a:solidFill>
-                <a:latin typeface="Lato"/>
-                <a:ea typeface="Open Sans Light"/>
-              </a:rPr>
-              <a:t>l</a:t>
-            </a:r>
-            <a:r>
-              <a:rPr b="1" lang="en-US" sz="1500" spc="-1" strike="noStrike">
-                <a:solidFill>
-                  <a:srgbClr val="445469"/>
-                </a:solidFill>
-                <a:latin typeface="Lato"/>
-                <a:ea typeface="Open Sans Light"/>
-              </a:rPr>
-              <a:t>o</a:t>
-            </a:r>
-            <a:r>
-              <a:rPr b="1" lang="en-US" sz="1500" spc="-1" strike="noStrike">
-                <a:solidFill>
-                  <a:srgbClr val="445469"/>
-                </a:solidFill>
-                <a:latin typeface="Lato"/>
-                <a:ea typeface="Open Sans Light"/>
-              </a:rPr>
-              <a:t>n</a:t>
-            </a:r>
-            <a:r>
-              <a:rPr b="1" lang="en-US" sz="1500" spc="-1" strike="noStrike">
-                <a:solidFill>
-                  <a:srgbClr val="445469"/>
-                </a:solidFill>
-                <a:latin typeface="Lato"/>
-                <a:ea typeface="Open Sans Light"/>
-              </a:rPr>
-              <a:t>g</a:t>
-            </a:r>
-            <a:r>
-              <a:rPr b="1" lang="en-US" sz="1500" spc="-1" strike="noStrike">
-                <a:solidFill>
-                  <a:srgbClr val="445469"/>
-                </a:solidFill>
-                <a:latin typeface="Lato"/>
-                <a:ea typeface="Open Sans Light"/>
-              </a:rPr>
-              <a:t> </a:t>
-            </a:r>
-            <a:r>
-              <a:rPr b="1" lang="en-US" sz="1500" spc="-1" strike="noStrike">
-                <a:solidFill>
-                  <a:srgbClr val="445469"/>
-                </a:solidFill>
-                <a:latin typeface="Lato"/>
-                <a:ea typeface="Open Sans Light"/>
-              </a:rPr>
-              <a:t>r</a:t>
-            </a:r>
-            <a:r>
-              <a:rPr b="1" lang="en-US" sz="1500" spc="-1" strike="noStrike">
-                <a:solidFill>
-                  <a:srgbClr val="445469"/>
-                </a:solidFill>
-                <a:latin typeface="Lato"/>
-                <a:ea typeface="Open Sans Light"/>
-              </a:rPr>
-              <a:t>e</a:t>
-            </a:r>
-            <a:r>
-              <a:rPr b="1" lang="en-US" sz="1500" spc="-1" strike="noStrike">
-                <a:solidFill>
-                  <a:srgbClr val="445469"/>
-                </a:solidFill>
-                <a:latin typeface="Lato"/>
-                <a:ea typeface="Open Sans Light"/>
-              </a:rPr>
-              <a:t>s</a:t>
-            </a:r>
-            <a:r>
-              <a:rPr b="1" lang="en-US" sz="1500" spc="-1" strike="noStrike">
-                <a:solidFill>
-                  <a:srgbClr val="445469"/>
-                </a:solidFill>
-                <a:latin typeface="Lato"/>
-                <a:ea typeface="Open Sans Light"/>
-              </a:rPr>
-              <a:t>p</a:t>
-            </a:r>
-            <a:r>
-              <a:rPr b="1" lang="en-US" sz="1500" spc="-1" strike="noStrike">
-                <a:solidFill>
-                  <a:srgbClr val="445469"/>
-                </a:solidFill>
-                <a:latin typeface="Lato"/>
-                <a:ea typeface="Open Sans Light"/>
-              </a:rPr>
-              <a:t>o</a:t>
-            </a:r>
-            <a:r>
-              <a:rPr b="1" lang="en-US" sz="1500" spc="-1" strike="noStrike">
-                <a:solidFill>
-                  <a:srgbClr val="445469"/>
-                </a:solidFill>
-                <a:latin typeface="Lato"/>
-                <a:ea typeface="Open Sans Light"/>
-              </a:rPr>
-              <a:t>n</a:t>
-            </a:r>
-            <a:r>
-              <a:rPr b="1" lang="en-US" sz="1500" spc="-1" strike="noStrike">
-                <a:solidFill>
-                  <a:srgbClr val="445469"/>
-                </a:solidFill>
-                <a:latin typeface="Lato"/>
-                <a:ea typeface="Open Sans Light"/>
-              </a:rPr>
-              <a:t>s</a:t>
-            </a:r>
-            <a:r>
-              <a:rPr b="1" lang="en-US" sz="1500" spc="-1" strike="noStrike">
-                <a:solidFill>
-                  <a:srgbClr val="445469"/>
-                </a:solidFill>
-                <a:latin typeface="Lato"/>
-                <a:ea typeface="Open Sans Light"/>
-              </a:rPr>
-              <a:t>e</a:t>
-            </a:r>
-            <a:r>
-              <a:rPr b="1" lang="en-US" sz="1500" spc="-1" strike="noStrike">
-                <a:solidFill>
-                  <a:srgbClr val="445469"/>
-                </a:solidFill>
-                <a:latin typeface="Lato"/>
-                <a:ea typeface="Open Sans Light"/>
-              </a:rPr>
-              <a:t>s</a:t>
-            </a:r>
-            <a:r>
-              <a:rPr b="1" lang="en-US" sz="1500" spc="-1" strike="noStrike">
-                <a:solidFill>
-                  <a:srgbClr val="445469"/>
-                </a:solidFill>
-                <a:latin typeface="Lato"/>
-                <a:ea typeface="Open Sans Light"/>
-              </a:rPr>
-              <a:t> </a:t>
-            </a:r>
-            <a:r>
-              <a:rPr b="1" lang="en-US" sz="1500" spc="-1" strike="noStrike">
-                <a:solidFill>
-                  <a:srgbClr val="445469"/>
-                </a:solidFill>
-                <a:latin typeface="Lato"/>
-                <a:ea typeface="Open Sans Light"/>
-              </a:rPr>
-              <a:t>w</a:t>
-            </a:r>
-            <a:r>
-              <a:rPr b="1" lang="en-US" sz="1500" spc="-1" strike="noStrike">
-                <a:solidFill>
-                  <a:srgbClr val="445469"/>
-                </a:solidFill>
-                <a:latin typeface="Lato"/>
-                <a:ea typeface="Open Sans Light"/>
-              </a:rPr>
-              <a:t>h</a:t>
-            </a:r>
-            <a:r>
-              <a:rPr b="1" lang="en-US" sz="1500" spc="-1" strike="noStrike">
-                <a:solidFill>
-                  <a:srgbClr val="445469"/>
-                </a:solidFill>
-                <a:latin typeface="Lato"/>
-                <a:ea typeface="Open Sans Light"/>
-              </a:rPr>
-              <a:t>e</a:t>
-            </a:r>
-            <a:r>
-              <a:rPr b="1" lang="en-US" sz="1500" spc="-1" strike="noStrike">
-                <a:solidFill>
-                  <a:srgbClr val="445469"/>
-                </a:solidFill>
-                <a:latin typeface="Lato"/>
-                <a:ea typeface="Open Sans Light"/>
-              </a:rPr>
-              <a:t>r</a:t>
-            </a:r>
-            <a:r>
-              <a:rPr b="1" lang="en-US" sz="1500" spc="-1" strike="noStrike">
-                <a:solidFill>
-                  <a:srgbClr val="445469"/>
-                </a:solidFill>
-                <a:latin typeface="Lato"/>
-                <a:ea typeface="Open Sans Light"/>
-              </a:rPr>
-              <a:t>e</a:t>
-            </a:r>
-            <a:r>
-              <a:rPr b="1" lang="en-US" sz="1500" spc="-1" strike="noStrike">
-                <a:solidFill>
-                  <a:srgbClr val="445469"/>
-                </a:solidFill>
-                <a:latin typeface="Lato"/>
-                <a:ea typeface="Open Sans Light"/>
-              </a:rPr>
-              <a:t>a</a:t>
-            </a:r>
-            <a:r>
-              <a:rPr b="1" lang="en-US" sz="1500" spc="-1" strike="noStrike">
-                <a:solidFill>
-                  <a:srgbClr val="445469"/>
-                </a:solidFill>
-                <a:latin typeface="Lato"/>
-                <a:ea typeface="Open Sans Light"/>
-              </a:rPr>
-              <a:t>s</a:t>
-            </a:r>
-            <a:r>
-              <a:rPr b="1" lang="en-US" sz="1500" spc="-1" strike="noStrike">
-                <a:solidFill>
-                  <a:srgbClr val="445469"/>
-                </a:solidFill>
-                <a:latin typeface="Lato"/>
-                <a:ea typeface="Open Sans Light"/>
-              </a:rPr>
-              <a:t> </a:t>
-            </a:r>
-            <a:r>
-              <a:rPr b="1" lang="en-US" sz="1500" spc="-1" strike="noStrike">
-                <a:solidFill>
-                  <a:srgbClr val="445469"/>
-                </a:solidFill>
-                <a:latin typeface="Lato"/>
-                <a:ea typeface="Open Sans Light"/>
-              </a:rPr>
-              <a:t>c</a:t>
-            </a:r>
-            <a:r>
-              <a:rPr b="1" lang="en-US" sz="1500" spc="-1" strike="noStrike">
-                <a:solidFill>
-                  <a:srgbClr val="445469"/>
-                </a:solidFill>
-                <a:latin typeface="Lato"/>
-                <a:ea typeface="Open Sans Light"/>
-              </a:rPr>
-              <a:t>l</a:t>
-            </a:r>
-            <a:r>
-              <a:rPr b="1" lang="en-US" sz="1500" spc="-1" strike="noStrike">
-                <a:solidFill>
-                  <a:srgbClr val="445469"/>
-                </a:solidFill>
-                <a:latin typeface="Lato"/>
-                <a:ea typeface="Open Sans Light"/>
-              </a:rPr>
-              <a:t>o</a:t>
-            </a:r>
-            <a:r>
-              <a:rPr b="1" lang="en-US" sz="1500" spc="-1" strike="noStrike">
-                <a:solidFill>
-                  <a:srgbClr val="445469"/>
-                </a:solidFill>
-                <a:latin typeface="Lato"/>
-                <a:ea typeface="Open Sans Light"/>
-              </a:rPr>
-              <a:t>s</a:t>
-            </a:r>
-            <a:r>
-              <a:rPr b="1" lang="en-US" sz="1500" spc="-1" strike="noStrike">
-                <a:solidFill>
-                  <a:srgbClr val="445469"/>
-                </a:solidFill>
-                <a:latin typeface="Lato"/>
-                <a:ea typeface="Open Sans Light"/>
-              </a:rPr>
-              <a:t>e</a:t>
-            </a:r>
-            <a:r>
-              <a:rPr b="1" lang="en-US" sz="1500" spc="-1" strike="noStrike">
-                <a:solidFill>
-                  <a:srgbClr val="445469"/>
-                </a:solidFill>
-                <a:latin typeface="Lato"/>
-                <a:ea typeface="Open Sans Light"/>
-              </a:rPr>
-              <a:t>d</a:t>
-            </a:r>
-            <a:r>
-              <a:rPr b="1" lang="en-US" sz="1500" spc="-1" strike="noStrike">
-                <a:solidFill>
-                  <a:srgbClr val="445469"/>
-                </a:solidFill>
-                <a:latin typeface="Lato"/>
-                <a:ea typeface="Open Sans Light"/>
-              </a:rPr>
-              <a:t>-</a:t>
-            </a:r>
-            <a:r>
-              <a:rPr b="1" lang="en-US" sz="1500" spc="-1" strike="noStrike">
-                <a:solidFill>
-                  <a:srgbClr val="445469"/>
-                </a:solidFill>
-                <a:latin typeface="Lato"/>
-                <a:ea typeface="Open Sans Light"/>
-              </a:rPr>
-              <a:t>e</a:t>
-            </a:r>
-            <a:r>
-              <a:rPr b="1" lang="en-US" sz="1500" spc="-1" strike="noStrike">
-                <a:solidFill>
-                  <a:srgbClr val="445469"/>
-                </a:solidFill>
-                <a:latin typeface="Lato"/>
-                <a:ea typeface="Open Sans Light"/>
-              </a:rPr>
-              <a:t>n</a:t>
-            </a:r>
-            <a:r>
-              <a:rPr b="1" lang="en-US" sz="1500" spc="-1" strike="noStrike">
-                <a:solidFill>
-                  <a:srgbClr val="445469"/>
-                </a:solidFill>
-                <a:latin typeface="Lato"/>
-                <a:ea typeface="Open Sans Light"/>
-              </a:rPr>
-              <a:t>d</a:t>
-            </a:r>
-            <a:r>
-              <a:rPr b="1" lang="en-US" sz="1500" spc="-1" strike="noStrike">
-                <a:solidFill>
-                  <a:srgbClr val="445469"/>
-                </a:solidFill>
-                <a:latin typeface="Lato"/>
-                <a:ea typeface="Open Sans Light"/>
-              </a:rPr>
-              <a:t>e</a:t>
-            </a:r>
-            <a:r>
-              <a:rPr b="1" lang="en-US" sz="1500" spc="-1" strike="noStrike">
-                <a:solidFill>
-                  <a:srgbClr val="445469"/>
-                </a:solidFill>
-                <a:latin typeface="Lato"/>
-                <a:ea typeface="Open Sans Light"/>
-              </a:rPr>
-              <a:t>d</a:t>
-            </a:r>
-            <a:r>
-              <a:rPr b="1" lang="en-US" sz="1500" spc="-1" strike="noStrike">
-                <a:solidFill>
-                  <a:srgbClr val="445469"/>
-                </a:solidFill>
-                <a:latin typeface="Lato"/>
-                <a:ea typeface="Open Sans Light"/>
-              </a:rPr>
-              <a:t> </a:t>
-            </a:r>
-            <a:r>
-              <a:rPr b="1" lang="en-US" sz="1500" spc="-1" strike="noStrike">
-                <a:solidFill>
-                  <a:srgbClr val="445469"/>
-                </a:solidFill>
-                <a:latin typeface="Lato"/>
-                <a:ea typeface="Open Sans Light"/>
-              </a:rPr>
-              <a:t>s</a:t>
-            </a:r>
-            <a:r>
-              <a:rPr b="1" lang="en-US" sz="1500" spc="-1" strike="noStrike">
-                <a:solidFill>
-                  <a:srgbClr val="445469"/>
-                </a:solidFill>
-                <a:latin typeface="Lato"/>
-                <a:ea typeface="Open Sans Light"/>
-              </a:rPr>
-              <a:t>h</a:t>
-            </a:r>
-            <a:r>
-              <a:rPr b="1" lang="en-US" sz="1500" spc="-1" strike="noStrike">
-                <a:solidFill>
-                  <a:srgbClr val="445469"/>
-                </a:solidFill>
-                <a:latin typeface="Lato"/>
-                <a:ea typeface="Open Sans Light"/>
-              </a:rPr>
-              <a:t>o</a:t>
-            </a:r>
-            <a:r>
-              <a:rPr b="1" lang="en-US" sz="1500" spc="-1" strike="noStrike">
-                <a:solidFill>
-                  <a:srgbClr val="445469"/>
-                </a:solidFill>
-                <a:latin typeface="Lato"/>
-                <a:ea typeface="Open Sans Light"/>
-              </a:rPr>
-              <a:t>r</a:t>
-            </a:r>
-            <a:r>
-              <a:rPr b="1" lang="en-US" sz="1500" spc="-1" strike="noStrike">
-                <a:solidFill>
-                  <a:srgbClr val="445469"/>
-                </a:solidFill>
-                <a:latin typeface="Lato"/>
-                <a:ea typeface="Open Sans Light"/>
-              </a:rPr>
-              <a:t>t</a:t>
-            </a:r>
-            <a:r>
-              <a:rPr b="1" lang="en-US" sz="1500" spc="-1" strike="noStrike">
-                <a:solidFill>
-                  <a:srgbClr val="445469"/>
-                </a:solidFill>
-                <a:latin typeface="Lato"/>
-                <a:ea typeface="Open Sans Light"/>
-              </a:rPr>
-              <a:t> </a:t>
-            </a:r>
-            <a:r>
-              <a:rPr b="1" lang="en-US" sz="1500" spc="-1" strike="noStrike">
-                <a:solidFill>
-                  <a:srgbClr val="445469"/>
-                </a:solidFill>
-                <a:latin typeface="Lato"/>
-                <a:ea typeface="Open Sans Light"/>
-              </a:rPr>
-              <a:t>r</a:t>
-            </a:r>
-            <a:r>
-              <a:rPr b="1" lang="en-US" sz="1500" spc="-1" strike="noStrike">
-                <a:solidFill>
-                  <a:srgbClr val="445469"/>
-                </a:solidFill>
-                <a:latin typeface="Lato"/>
-                <a:ea typeface="Open Sans Light"/>
-              </a:rPr>
-              <a:t>e</a:t>
-            </a:r>
-            <a:r>
-              <a:rPr b="1" lang="en-US" sz="1500" spc="-1" strike="noStrike">
-                <a:solidFill>
-                  <a:srgbClr val="445469"/>
-                </a:solidFill>
-                <a:latin typeface="Lato"/>
-                <a:ea typeface="Open Sans Light"/>
-              </a:rPr>
-              <a:t>s</a:t>
-            </a:r>
-            <a:r>
-              <a:rPr b="1" lang="en-US" sz="1500" spc="-1" strike="noStrike">
-                <a:solidFill>
-                  <a:srgbClr val="445469"/>
-                </a:solidFill>
-                <a:latin typeface="Lato"/>
-                <a:ea typeface="Open Sans Light"/>
-              </a:rPr>
-              <a:t>p</a:t>
-            </a:r>
-            <a:r>
-              <a:rPr b="1" lang="en-US" sz="1500" spc="-1" strike="noStrike">
-                <a:solidFill>
-                  <a:srgbClr val="445469"/>
-                </a:solidFill>
-                <a:latin typeface="Lato"/>
-                <a:ea typeface="Open Sans Light"/>
-              </a:rPr>
-              <a:t>o</a:t>
-            </a:r>
-            <a:r>
-              <a:rPr b="1" lang="en-US" sz="1500" spc="-1" strike="noStrike">
-                <a:solidFill>
-                  <a:srgbClr val="445469"/>
-                </a:solidFill>
-                <a:latin typeface="Lato"/>
-                <a:ea typeface="Open Sans Light"/>
-              </a:rPr>
-              <a:t>n</a:t>
-            </a:r>
-            <a:r>
-              <a:rPr b="1" lang="en-US" sz="1500" spc="-1" strike="noStrike">
-                <a:solidFill>
-                  <a:srgbClr val="445469"/>
-                </a:solidFill>
-                <a:latin typeface="Lato"/>
-                <a:ea typeface="Open Sans Light"/>
-              </a:rPr>
-              <a:t>s</a:t>
-            </a:r>
-            <a:r>
-              <a:rPr b="1" lang="en-US" sz="1500" spc="-1" strike="noStrike">
-                <a:solidFill>
-                  <a:srgbClr val="445469"/>
-                </a:solidFill>
-                <a:latin typeface="Lato"/>
-                <a:ea typeface="Open Sans Light"/>
-              </a:rPr>
-              <a:t>e</a:t>
-            </a:r>
-            <a:r>
-              <a:rPr b="1" lang="en-US" sz="1500" spc="-1" strike="noStrike">
-                <a:solidFill>
-                  <a:srgbClr val="445469"/>
-                </a:solidFill>
-                <a:latin typeface="Lato"/>
-                <a:ea typeface="Open Sans Light"/>
-              </a:rPr>
-              <a:t>s</a:t>
-            </a:r>
-            <a:r>
-              <a:rPr b="1" lang="en-US" sz="1500" spc="-1" strike="noStrike">
-                <a:solidFill>
-                  <a:srgbClr val="445469"/>
-                </a:solidFill>
-                <a:latin typeface="Lato"/>
-                <a:ea typeface="Open Sans Light"/>
-              </a:rPr>
-              <a:t>.</a:t>
-            </a:r>
-            <a:r>
-              <a:rPr b="1" lang="en-US" sz="1500" spc="-1" strike="noStrike">
-                <a:solidFill>
-                  <a:srgbClr val="445469"/>
-                </a:solidFill>
-                <a:latin typeface="Lato"/>
-                <a:ea typeface="Open Sans Light"/>
-              </a:rPr>
-              <a:t> </a:t>
+              <a:t>So from this we could surmise that open-ended questions would promote long responses whereas closed-ended short responses. </a:t>
             </a:r>
             <a:endParaRPr b="0" lang="en-AU" sz="1500" spc="-1" strike="noStrike">
               <a:latin typeface="Arial"/>
@@ -14974,7 +6594,7 @@
                 <a:spcPct val="100000"/>
               </a:lnSpc>
             </a:pPr>
-            <a:fld id="{C7A4F3E1-92AA-4FE2-8132-737056BEA33D}" type="slidenum">
+            <a:fld id="{F22A2B2B-D88F-4DEE-BC51-37E72D6DD054}" type="slidenum">
               <a:rPr b="0" lang="en-US" sz="1200" spc="-1" strike="noStrike">
                 <a:solidFill>
                   <a:srgbClr val="000000"/>
@@ -14982,7 +6602,7 @@
                 <a:latin typeface="Lato Light"/>
                 <a:ea typeface="+mn-ea"/>
               </a:rPr>
-              <a:t>36</a:t>
+              <a:t>&lt;number&gt;</a:t>
             </a:fld>
             <a:endParaRPr b="0" lang="en-AU" sz="1200" spc="-1" strike="noStrike">
               <a:latin typeface="Arial"/>
@@ -15268,7 +6888,7 @@
                 <a:spcPct val="100000"/>
               </a:lnSpc>
             </a:pPr>
-            <a:fld id="{AE923468-6454-4EE2-BDDC-6F7A006C55D2}" type="slidenum">
+            <a:fld id="{AB24DB20-3AC3-45BF-983B-979C78A2F707}" type="slidenum">
               <a:rPr b="0" lang="en-US" sz="1200" spc="-1" strike="noStrike">
                 <a:solidFill>
                   <a:srgbClr val="000000"/>
@@ -15276,7 +6896,7 @@
                 <a:latin typeface="Lato Light"/>
                 <a:ea typeface="+mn-ea"/>
               </a:rPr>
-              <a:t>36</a:t>
+              <a:t>&lt;number&gt;</a:t>
             </a:fld>
             <a:endParaRPr b="0" lang="en-AU" sz="1200" spc="-1" strike="noStrike">
               <a:latin typeface="Arial"/>
@@ -15476,7 +7096,7 @@
                 <a:spcPct val="100000"/>
               </a:lnSpc>
             </a:pPr>
-            <a:fld id="{8261461B-359F-475C-AB6C-38C2912A6941}" type="slidenum">
+            <a:fld id="{BE8B2AD8-1469-4FBD-9C6F-B768F7C58C4B}" type="slidenum">
               <a:rPr b="0" lang="en-US" sz="1200" spc="-1" strike="noStrike">
                 <a:solidFill>
                   <a:srgbClr val="000000"/>
@@ -15484,7 +7104,7 @@
                 <a:latin typeface="Lato Light"/>
                 <a:ea typeface="+mn-ea"/>
               </a:rPr>
-              <a:t>36</a:t>
+              <a:t>&lt;number&gt;</a:t>
             </a:fld>
             <a:endParaRPr b="0" lang="en-AU" sz="1200" spc="-1" strike="noStrike">
               <a:latin typeface="Arial"/>
@@ -15610,7 +7230,7 @@
                 <a:spcPct val="100000"/>
               </a:lnSpc>
             </a:pPr>
-            <a:fld id="{56AE99C1-59EB-441B-80C8-B6337D2E4318}" type="slidenum">
+            <a:fld id="{AF134C84-A41F-407B-936D-961DE1B728AA}" type="slidenum">
               <a:rPr b="0" lang="en-US" sz="1200" spc="-1" strike="noStrike">
                 <a:solidFill>
                   <a:srgbClr val="000000"/>
@@ -15618,7 +7238,7 @@
                 <a:latin typeface="Lato Light"/>
                 <a:ea typeface="+mn-ea"/>
               </a:rPr>
-              <a:t>36</a:t>
+              <a:t>&lt;number&gt;</a:t>
             </a:fld>
             <a:endParaRPr b="0" lang="en-AU" sz="1200" spc="-1" strike="noStrike">
               <a:latin typeface="Arial"/>
@@ -15767,7 +7387,7 @@
                 <a:spcPct val="100000"/>
               </a:lnSpc>
             </a:pPr>
-            <a:fld id="{88D5578C-F412-428F-8D13-54C490AC8497}" type="slidenum">
+            <a:fld id="{4BBDA526-F813-4751-BE2A-A7E887811234}" type="slidenum">
               <a:rPr b="0" lang="en-US" sz="1200" spc="-1" strike="noStrike">
                 <a:solidFill>
                   <a:srgbClr val="000000"/>
@@ -17267,7 +8887,7 @@
                 <a:spcPct val="100000"/>
               </a:lnSpc>
             </a:pPr>
-            <a:fld id="{9A78B867-1355-46BF-83EE-4290D2D606EC}" type="slidenum">
+            <a:fld id="{D8F3AB4C-35FD-4F56-94DE-ED4A24B3ED48}" type="slidenum">
               <a:rPr b="0" lang="en-US" sz="1200" spc="-1" strike="noStrike">
                 <a:solidFill>
                   <a:srgbClr val="000000"/>
@@ -17275,7 +8895,7 @@
                 <a:latin typeface="Lato Light"/>
                 <a:ea typeface="+mn-ea"/>
               </a:rPr>
-              <a:t>36</a:t>
+              <a:t>&lt;number&gt;</a:t>
             </a:fld>
             <a:endParaRPr b="0" lang="en-AU" sz="1200" spc="-1" strike="noStrike">
               <a:latin typeface="Arial"/>
@@ -17729,7 +9349,7 @@
                 <a:spcPct val="100000"/>
               </a:lnSpc>
             </a:pPr>
-            <a:fld id="{7FBB5A32-777B-4ED4-B030-44AAE592F45E}" type="slidenum">
+            <a:fld id="{CE86DD50-E9B8-45B2-AF84-F7556DBA6C6B}" type="slidenum">
               <a:rPr b="0" lang="en-US" sz="1200" spc="-1" strike="noStrike">
                 <a:solidFill>
                   <a:srgbClr val="000000"/>
@@ -17737,7 +9357,7 @@
                 <a:latin typeface="Lato Light"/>
                 <a:ea typeface="+mn-ea"/>
               </a:rPr>
-              <a:t>36</a:t>
+              <a:t>&lt;number&gt;</a:t>
             </a:fld>
             <a:endParaRPr b="0" lang="en-AU" sz="1200" spc="-1" strike="noStrike">
               <a:latin typeface="Arial"/>
@@ -17954,7 +9574,7 @@
                 <a:spcPct val="100000"/>
               </a:lnSpc>
             </a:pPr>
-            <a:fld id="{EE25F80D-E656-4F3E-87D4-1C1073016475}" type="slidenum">
+            <a:fld id="{F4C839DB-583C-4C2B-94CC-5BF4D8A74C5C}" type="slidenum">
               <a:rPr b="0" lang="en-US" sz="1200" spc="-1" strike="noStrike">
                 <a:solidFill>
                   <a:srgbClr val="000000"/>
@@ -17962,7 +9582,7 @@
                 <a:latin typeface="Lato Light"/>
                 <a:ea typeface="+mn-ea"/>
               </a:rPr>
-              <a:t>36</a:t>
+              <a:t>&lt;number&gt;</a:t>
             </a:fld>
             <a:endParaRPr b="0" lang="en-AU" sz="1200" spc="-1" strike="noStrike">
               <a:latin typeface="Arial"/>
@@ -18168,7 +9788,7 @@
                 <a:spcPct val="100000"/>
               </a:lnSpc>
             </a:pPr>
-            <a:fld id="{8122FB72-87F9-4F90-9D6E-7BFA94C4113A}" type="slidenum">
+            <a:fld id="{1335ADBC-C67C-4B54-8FFF-7646ACC3DC5C}" type="slidenum">
               <a:rPr b="0" lang="en-US" sz="1200" spc="-1" strike="noStrike">
                 <a:solidFill>
                   <a:srgbClr val="000000"/>
@@ -18176,7 +9796,7 @@
                 <a:latin typeface="Lato Light"/>
                 <a:ea typeface="+mn-ea"/>
               </a:rPr>
-              <a:t>36</a:t>
+              <a:t>&lt;number&gt;</a:t>
             </a:fld>
             <a:endParaRPr b="0" lang="en-AU" sz="1200" spc="-1" strike="noStrike">
               <a:latin typeface="Arial"/>
@@ -18291,7 +9911,7 @@
                 <a:spcPct val="100000"/>
               </a:lnSpc>
             </a:pPr>
-            <a:fld id="{BEE8A640-2297-477C-ADAE-4E1F269A5823}" type="slidenum">
+            <a:fld id="{0B77CAF4-0541-400B-A630-6799CC2748C7}" type="slidenum">
               <a:rPr b="0" lang="en-US" sz="1200" spc="-1" strike="noStrike">
                 <a:solidFill>
                   <a:srgbClr val="000000"/>
@@ -18299,7 +9919,7 @@
                 <a:latin typeface="Lato Light"/>
                 <a:ea typeface="+mn-ea"/>
               </a:rPr>
-              <a:t>36</a:t>
+              <a:t>&lt;number&gt;</a:t>
             </a:fld>
             <a:endParaRPr b="0" lang="en-AU" sz="1200" spc="-1" strike="noStrike">
               <a:latin typeface="Arial"/>
@@ -18556,7 +10176,7 @@
                 <a:spcPct val="100000"/>
               </a:lnSpc>
             </a:pPr>
-            <a:fld id="{36010E66-0A8B-477B-8DF4-6A50654AB659}" type="slidenum">
+            <a:fld id="{0353E271-F47C-4461-A6DD-219D564F577A}" type="slidenum">
               <a:rPr b="0" lang="en-US" sz="1200" spc="-1" strike="noStrike">
                 <a:solidFill>
                   <a:srgbClr val="000000"/>
@@ -18564,7 +10184,7 @@
                 <a:latin typeface="Lato Light"/>
                 <a:ea typeface="+mn-ea"/>
               </a:rPr>
-              <a:t>36</a:t>
+              <a:t>&lt;number&gt;</a:t>
             </a:fld>
             <a:endParaRPr b="0" lang="en-AU" sz="1200" spc="-1" strike="noStrike">
               <a:latin typeface="Arial"/>
@@ -25416,7 +17036,7 @@
                 <a:spcPct val="100000"/>
               </a:lnSpc>
             </a:pPr>
-            <a:fld id="{4CD2F0F7-3EC0-4021-BCE7-87B6FE1EAB1E}" type="slidenum">
+            <a:fld id="{D6847011-72EB-4140-9EFA-D51BD2BA1081}" type="slidenum">
               <a:rPr b="1" lang="id-ID" sz="2800" spc="-1" strike="noStrike">
                 <a:solidFill>
                   <a:srgbClr val="000000"/>
@@ -25470,7 +17090,7 @@
                 <a:spcPct val="100000"/>
               </a:lnSpc>
             </a:pPr>
-            <a:fld id="{7061A834-F086-4C4A-8A62-957964433CFF}" type="slidenum">
+            <a:fld id="{A866CF87-5606-40D6-ADE0-C80B9037AEFD}" type="slidenum">
               <a:rPr b="1" lang="en-AU" sz="2600" spc="-1" strike="noStrike">
                 <a:solidFill>
                   <a:srgbClr val="55308d"/>
@@ -25794,7 +17414,7 @@
               </a:rPr>
               <a:t>Page </a:t>
             </a:r>
-            <a:fld id="{14A6A3E9-C36A-4144-8C63-39A25A1D7431}" type="slidenum">
+            <a:fld id="{F08A82BF-5FE2-41DE-8E90-AB17A92D88B2}" type="slidenum">
               <a:rPr b="1" lang="id-ID" sz="2800" spc="-1" strike="noStrike">
                 <a:solidFill>
                   <a:srgbClr val="000000"/>
@@ -25848,7 +17468,7 @@
                 <a:spcPct val="100000"/>
               </a:lnSpc>
             </a:pPr>
-            <a:fld id="{4319A668-F8F1-4D69-A2E6-DB1B6F5405EB}" type="slidenum">
+            <a:fld id="{8AA6981A-5BDE-4053-9123-3F0B84821BF3}" type="slidenum">
               <a:rPr b="1" lang="en-AU" sz="2600" spc="-1" strike="noStrike">
                 <a:solidFill>
                   <a:srgbClr val="55308d"/>
@@ -26159,7 +17779,7 @@
                 <a:spcPct val="100000"/>
               </a:lnSpc>
             </a:pPr>
-            <a:fld id="{CBB6835E-8BB5-4D36-9BF0-C1F20F920C60}" type="slidenum">
+            <a:fld id="{CFE9CFC3-9C5A-48E6-843D-587A50CE9878}" type="slidenum">
               <a:rPr b="1" lang="en-AU" sz="2600" spc="-1" strike="noStrike">
                 <a:solidFill>
                   <a:srgbClr val="55308d"/>
@@ -26204,13 +17824,7 @@
               <a:rPr b="0" lang="en-AU" sz="4400" spc="-1" strike="noStrike">
                 <a:latin typeface="Arial"/>
               </a:rPr>
-              <a:t>Click to edit the </a:t>
-            </a:r>
-            <a:r>
-              <a:rPr b="0" lang="en-AU" sz="4400" spc="-1" strike="noStrike">
-                <a:latin typeface="Arial"/>
-              </a:rPr>
-              <a:t>title text format</a:t>
+              <a:t>Click to edit the title text format</a:t>
             </a:r>
             <a:endParaRPr b="0" lang="en-AU" sz="4400" spc="-1" strike="noStrike">
               <a:latin typeface="Arial"/>
@@ -26476,7 +18090,7 @@
                 <a:spcPct val="100000"/>
               </a:lnSpc>
             </a:pPr>
-            <a:fld id="{1B2D4239-8FCB-485D-A13D-6BAC8301C1A7}" type="slidenum">
+            <a:fld id="{38DA6279-4BBA-4A45-837F-28A5DCF258AA}" type="slidenum">
               <a:rPr b="1" lang="en-AU" sz="2600" spc="-1" strike="noStrike">
                 <a:solidFill>
                   <a:srgbClr val="55308d"/>
@@ -26521,7 +18135,85 @@
               <a:rPr b="0" lang="en-AU" sz="4400" spc="-1" strike="noStrike">
                 <a:latin typeface="Arial"/>
               </a:rPr>
-              <a:t>Click to edit the title text format</a:t>
+              <a:t>Cli</a:t>
+            </a:r>
+            <a:r>
+              <a:rPr b="0" lang="en-AU" sz="4400" spc="-1" strike="noStrike">
+                <a:latin typeface="Arial"/>
+              </a:rPr>
+              <a:t>ck </a:t>
+            </a:r>
+            <a:r>
+              <a:rPr b="0" lang="en-AU" sz="4400" spc="-1" strike="noStrike">
+                <a:latin typeface="Arial"/>
+              </a:rPr>
+              <a:t>to </a:t>
+            </a:r>
+            <a:r>
+              <a:rPr b="0" lang="en-AU" sz="4400" spc="-1" strike="noStrike">
+                <a:latin typeface="Arial"/>
+              </a:rPr>
+              <a:t>ed</a:t>
+            </a:r>
+            <a:r>
+              <a:rPr b="0" lang="en-AU" sz="4400" spc="-1" strike="noStrike">
+                <a:latin typeface="Arial"/>
+              </a:rPr>
+              <a:t>it </a:t>
+            </a:r>
+            <a:r>
+              <a:rPr b="0" lang="en-AU" sz="4400" spc="-1" strike="noStrike">
+                <a:latin typeface="Arial"/>
+              </a:rPr>
+              <a:t>th</a:t>
+            </a:r>
+            <a:r>
+              <a:rPr b="0" lang="en-AU" sz="4400" spc="-1" strike="noStrike">
+                <a:latin typeface="Arial"/>
+              </a:rPr>
+              <a:t>e </a:t>
+            </a:r>
+            <a:r>
+              <a:rPr b="0" lang="en-AU" sz="4400" spc="-1" strike="noStrike">
+                <a:latin typeface="Arial"/>
+              </a:rPr>
+              <a:t>titl</a:t>
+            </a:r>
+            <a:r>
+              <a:rPr b="0" lang="en-AU" sz="4400" spc="-1" strike="noStrike">
+                <a:latin typeface="Arial"/>
+              </a:rPr>
+              <a:t>e </a:t>
+            </a:r>
+            <a:r>
+              <a:rPr b="0" lang="en-AU" sz="4400" spc="-1" strike="noStrike">
+                <a:latin typeface="Arial"/>
+              </a:rPr>
+              <a:t>te</a:t>
+            </a:r>
+            <a:r>
+              <a:rPr b="0" lang="en-AU" sz="4400" spc="-1" strike="noStrike">
+                <a:latin typeface="Arial"/>
+              </a:rPr>
+              <a:t>xt </a:t>
+            </a:r>
+            <a:r>
+              <a:rPr b="0" lang="en-AU" sz="4400" spc="-1" strike="noStrike">
+                <a:latin typeface="Arial"/>
+              </a:rPr>
+              <a:t>for</a:t>
+            </a:r>
+            <a:r>
+              <a:rPr b="0" lang="en-AU" sz="4400" spc="-1" strike="noStrike">
+                <a:latin typeface="Arial"/>
+              </a:rPr>
+              <a:t>m</a:t>
+            </a:r>
+            <a:r>
+              <a:rPr b="0" lang="en-AU" sz="4400" spc="-1" strike="noStrike">
+                <a:latin typeface="Arial"/>
+              </a:rPr>
+              <a:t>at</a:t>
             </a:r>
             <a:endParaRPr b="0" lang="en-AU" sz="4400" spc="-1" strike="noStrike">
               <a:latin typeface="Arial"/>
@@ -26787,7 +18479,7 @@
                 <a:spcPct val="100000"/>
               </a:lnSpc>
             </a:pPr>
-            <a:fld id="{704A0BF9-5DBA-4D85-9861-38F71E192E92}" type="slidenum">
+            <a:fld id="{8CD2ACBE-47F7-431B-9E08-E8DF6C476CC2}" type="slidenum">
               <a:rPr b="1" lang="id-ID" sz="2800" spc="-1" strike="noStrike">
                 <a:solidFill>
                   <a:srgbClr val="000000"/>
@@ -26832,7 +18524,19 @@
               <a:rPr b="0" lang="en-AU" sz="4400" spc="-1" strike="noStrike">
                 <a:latin typeface="Arial"/>
               </a:rPr>
-              <a:t>Click to edit the title text format</a:t>
+              <a:t>Click to edit </a:t>
+            </a:r>
+            <a:r>
+              <a:rPr b="0" lang="en-AU" sz="4400" spc="-1" strike="noStrike">
+                <a:latin typeface="Arial"/>
+              </a:rPr>
+              <a:t>the title text </a:t>
+            </a:r>
+            <a:r>
+              <a:rPr b="0" lang="en-AU" sz="4400" spc="-1" strike="noStrike">
+                <a:latin typeface="Arial"/>
+              </a:rPr>
+              <a:t>format</a:t>
             </a:r>
             <a:endParaRPr b="0" lang="en-AU" sz="4400" spc="-1" strike="noStrike">
               <a:latin typeface="Arial"/>
@@ -27294,7 +18998,7 @@
                 <a:latin typeface="Lato Regular"/>
                 <a:ea typeface="ＭＳ Ｐゴシック"/>
               </a:rPr>
-              <a:t>Associate Professor Fan Dong</a:t>
+              <a:t>Dr Fan Dong</a:t>
             </a:r>
             <a:r>
               <a:rPr b="1" lang="en-US" sz="3200" spc="-1" strike="noStrike">
@@ -30355,7 +22059,7 @@
         </p:nvSpPr>
         <p:spPr>
           <a:xfrm flipH="1" rot="10800000">
-            <a:off x="784800" y="3283200"/>
+            <a:off x="784080" y="3283200"/>
             <a:ext cx="81720" cy="5651640"/>
           </a:xfrm>
           <a:prstGeom prst="round2SameRect">
@@ -31412,7 +23116,7 @@
         </p:nvSpPr>
         <p:spPr>
           <a:xfrm flipH="1" rot="10800000">
-            <a:off x="784800" y="3931200"/>
+            <a:off x="784080" y="3931200"/>
             <a:ext cx="81720" cy="7448400"/>
           </a:xfrm>
           <a:prstGeom prst="round2SameRect">
@@ -31935,7 +23639,7 @@
         </p:nvSpPr>
         <p:spPr>
           <a:xfrm flipH="1" rot="10800000">
-            <a:off x="784800" y="3931200"/>
+            <a:off x="784080" y="3931200"/>
             <a:ext cx="81720" cy="6296400"/>
           </a:xfrm>
           <a:prstGeom prst="round2SameRect">
@@ -47105,7 +38809,7 @@
         </p:nvSpPr>
         <p:spPr>
           <a:xfrm flipH="1" rot="10800000">
-            <a:off x="2188800" y="5263200"/>
+            <a:off x="2188080" y="5263200"/>
             <a:ext cx="81720" cy="5400000"/>
           </a:xfrm>
           <a:prstGeom prst="round2SameRect">
@@ -55996,7 +47700,7 @@
         </p:nvGraphicFramePr>
         <p:xfrm>
           <a:off x="850320" y="3147840"/>
-          <a:ext cx="3325320" cy="2252160"/>
+          <a:ext cx="3325320" cy="2251800"/>
         </p:xfrm>
         <a:graphic>
           <a:graphicData uri="http://schemas.openxmlformats.org/drawingml/2006/table">
@@ -56005,7 +47709,7 @@
               <a:tblGrid>
                 <a:gridCol w="3325680"/>
               </a:tblGrid>
-              <a:tr h="635760">
+              <a:tr h="605520">
                 <a:tc>
                   <a:txBody>
                     <a:bodyPr lIns="90000" rIns="90000" tIns="46800" bIns="46800">
@@ -56055,7 +47759,7 @@
                   </a:tcPr>
                 </a:tc>
               </a:tr>
-              <a:tr h="490320">
+              <a:tr h="520560">
                 <a:tc>
                   <a:txBody>
                     <a:bodyPr lIns="90000" rIns="90000" tIns="46800" bIns="46800">
@@ -56100,7 +47804,7 @@
                   </a:tcPr>
                 </a:tc>
               </a:tr>
-              <a:tr h="490320">
+              <a:tr h="520560">
                 <a:tc>
                   <a:txBody>
                     <a:bodyPr lIns="90000" rIns="90000" tIns="46800" bIns="46800">
@@ -56150,7 +47854,7 @@
                   </a:tcPr>
                 </a:tc>
               </a:tr>
-              <a:tr h="635760">
+              <a:tr h="605160">
                 <a:tc>
                   <a:txBody>
                     <a:bodyPr lIns="90000" rIns="90000" tIns="46800" bIns="46800">
